--- a/lecture-materials/Migration&Transfer/aws_dms/aws_dms.pptx
+++ b/lecture-materials/Migration&Transfer/aws_dms/aws_dms.pptx
@@ -6,18 +6,19 @@
   </p:sldMasterIdLst>
   <p:sldIdLst>
     <p:sldId id="256" r:id="rId2"/>
-    <p:sldId id="257" r:id="rId3"/>
-    <p:sldId id="258" r:id="rId4"/>
-    <p:sldId id="259" r:id="rId5"/>
-    <p:sldId id="260" r:id="rId6"/>
-    <p:sldId id="261" r:id="rId7"/>
-    <p:sldId id="262" r:id="rId8"/>
-    <p:sldId id="264" r:id="rId9"/>
-    <p:sldId id="263" r:id="rId10"/>
-    <p:sldId id="266" r:id="rId11"/>
-    <p:sldId id="267" r:id="rId12"/>
-    <p:sldId id="265" r:id="rId13"/>
-    <p:sldId id="268" r:id="rId14"/>
+    <p:sldId id="269" r:id="rId3"/>
+    <p:sldId id="257" r:id="rId4"/>
+    <p:sldId id="258" r:id="rId5"/>
+    <p:sldId id="259" r:id="rId6"/>
+    <p:sldId id="260" r:id="rId7"/>
+    <p:sldId id="261" r:id="rId8"/>
+    <p:sldId id="262" r:id="rId9"/>
+    <p:sldId id="264" r:id="rId10"/>
+    <p:sldId id="263" r:id="rId11"/>
+    <p:sldId id="266" r:id="rId12"/>
+    <p:sldId id="267" r:id="rId13"/>
+    <p:sldId id="265" r:id="rId14"/>
+    <p:sldId id="268" r:id="rId15"/>
   </p:sldIdLst>
   <p:sldSz cx="12192000" cy="6858000"/>
   <p:notesSz cx="6858000" cy="9144000"/>
@@ -273,7 +274,7 @@
           <a:p>
             <a:fld id="{322C9020-58D6-4B4B-AE71-CBBD8D6FD410}" type="datetimeFigureOut">
               <a:rPr lang="en-CH" smtClean="0"/>
-              <a:t>03.09.23</a:t>
+              <a:t>06.02.2024</a:t>
             </a:fld>
             <a:endParaRPr lang="en-CH"/>
           </a:p>
@@ -473,7 +474,7 @@
           <a:p>
             <a:fld id="{322C9020-58D6-4B4B-AE71-CBBD8D6FD410}" type="datetimeFigureOut">
               <a:rPr lang="en-CH" smtClean="0"/>
-              <a:t>03.09.23</a:t>
+              <a:t>06.02.2024</a:t>
             </a:fld>
             <a:endParaRPr lang="en-CH"/>
           </a:p>
@@ -683,7 +684,7 @@
           <a:p>
             <a:fld id="{322C9020-58D6-4B4B-AE71-CBBD8D6FD410}" type="datetimeFigureOut">
               <a:rPr lang="en-CH" smtClean="0"/>
-              <a:t>03.09.23</a:t>
+              <a:t>06.02.2024</a:t>
             </a:fld>
             <a:endParaRPr lang="en-CH"/>
           </a:p>
@@ -883,7 +884,7 @@
           <a:p>
             <a:fld id="{322C9020-58D6-4B4B-AE71-CBBD8D6FD410}" type="datetimeFigureOut">
               <a:rPr lang="en-CH" smtClean="0"/>
-              <a:t>03.09.23</a:t>
+              <a:t>06.02.2024</a:t>
             </a:fld>
             <a:endParaRPr lang="en-CH"/>
           </a:p>
@@ -1159,7 +1160,7 @@
           <a:p>
             <a:fld id="{322C9020-58D6-4B4B-AE71-CBBD8D6FD410}" type="datetimeFigureOut">
               <a:rPr lang="en-CH" smtClean="0"/>
-              <a:t>03.09.23</a:t>
+              <a:t>06.02.2024</a:t>
             </a:fld>
             <a:endParaRPr lang="en-CH"/>
           </a:p>
@@ -1427,7 +1428,7 @@
           <a:p>
             <a:fld id="{322C9020-58D6-4B4B-AE71-CBBD8D6FD410}" type="datetimeFigureOut">
               <a:rPr lang="en-CH" smtClean="0"/>
-              <a:t>03.09.23</a:t>
+              <a:t>06.02.2024</a:t>
             </a:fld>
             <a:endParaRPr lang="en-CH"/>
           </a:p>
@@ -1842,7 +1843,7 @@
           <a:p>
             <a:fld id="{322C9020-58D6-4B4B-AE71-CBBD8D6FD410}" type="datetimeFigureOut">
               <a:rPr lang="en-CH" smtClean="0"/>
-              <a:t>03.09.23</a:t>
+              <a:t>06.02.2024</a:t>
             </a:fld>
             <a:endParaRPr lang="en-CH"/>
           </a:p>
@@ -1984,7 +1985,7 @@
           <a:p>
             <a:fld id="{322C9020-58D6-4B4B-AE71-CBBD8D6FD410}" type="datetimeFigureOut">
               <a:rPr lang="en-CH" smtClean="0"/>
-              <a:t>03.09.23</a:t>
+              <a:t>06.02.2024</a:t>
             </a:fld>
             <a:endParaRPr lang="en-CH"/>
           </a:p>
@@ -2097,7 +2098,7 @@
           <a:p>
             <a:fld id="{322C9020-58D6-4B4B-AE71-CBBD8D6FD410}" type="datetimeFigureOut">
               <a:rPr lang="en-CH" smtClean="0"/>
-              <a:t>03.09.23</a:t>
+              <a:t>06.02.2024</a:t>
             </a:fld>
             <a:endParaRPr lang="en-CH"/>
           </a:p>
@@ -2410,7 +2411,7 @@
           <a:p>
             <a:fld id="{322C9020-58D6-4B4B-AE71-CBBD8D6FD410}" type="datetimeFigureOut">
               <a:rPr lang="en-CH" smtClean="0"/>
-              <a:t>03.09.23</a:t>
+              <a:t>06.02.2024</a:t>
             </a:fld>
             <a:endParaRPr lang="en-CH"/>
           </a:p>
@@ -2699,7 +2700,7 @@
           <a:p>
             <a:fld id="{322C9020-58D6-4B4B-AE71-CBBD8D6FD410}" type="datetimeFigureOut">
               <a:rPr lang="en-CH" smtClean="0"/>
-              <a:t>03.09.23</a:t>
+              <a:t>06.02.2024</a:t>
             </a:fld>
             <a:endParaRPr lang="en-CH"/>
           </a:p>
@@ -2942,7 +2943,7 @@
           <a:p>
             <a:fld id="{322C9020-58D6-4B4B-AE71-CBBD8D6FD410}" type="datetimeFigureOut">
               <a:rPr lang="en-CH" smtClean="0"/>
-              <a:t>03.09.23</a:t>
+              <a:t>06.02.2024</a:t>
             </a:fld>
             <a:endParaRPr lang="en-CH"/>
           </a:p>
@@ -4106,6 +4107,2580 @@
       </p:grpSpPr>
       <p:sp useBgFill="1">
         <p:nvSpPr>
+          <p:cNvPr id="5127" name="Rectangle 5126">
+            <a:extLst>
+              <a:ext uri="{FF2B5EF4-FFF2-40B4-BE49-F238E27FC236}">
+                <a16:creationId xmlns:a16="http://schemas.microsoft.com/office/drawing/2014/main" id="{F0DCC097-1DB8-4B6D-85D0-6FBA0E1CA4BA}"/>
+              </a:ext>
+              <a:ext uri="{C183D7F6-B498-43B3-948B-1728B52AA6E4}">
+                <adec:decorative xmlns:adec="http://schemas.microsoft.com/office/drawing/2017/decorative" val="1"/>
+              </a:ext>
+            </a:extLst>
+          </p:cNvPr>
+          <p:cNvSpPr>
+            <a:spLocks noGrp="1" noRot="1" noChangeAspect="1" noMove="1" noResize="1" noEditPoints="1" noAdjustHandles="1" noChangeArrowheads="1" noChangeShapeType="1" noTextEdit="1"/>
+          </p:cNvSpPr>
+          <p:nvPr>
+            <p:extLst>
+              <p:ext uri="{386F3935-93C4-4BCD-93E2-E3B085C9AB24}">
+                <p16:designElem xmlns:p16="http://schemas.microsoft.com/office/powerpoint/2015/main" val="1"/>
+              </p:ext>
+            </p:extLst>
+          </p:nvPr>
+        </p:nvSpPr>
+        <p:spPr>
+          <a:xfrm>
+            <a:off x="0" y="0"/>
+            <a:ext cx="12192000" cy="6858000"/>
+          </a:xfrm>
+          <a:prstGeom prst="rect">
+            <a:avLst/>
+          </a:prstGeom>
+          <a:ln w="12700" cap="flat" cmpd="sng" algn="ctr">
+            <a:noFill/>
+            <a:prstDash val="solid"/>
+            <a:miter lim="800000"/>
+          </a:ln>
+          <a:effectLst/>
+          <a:extLst>
+            <a:ext uri="{91240B29-F687-4F45-9708-019B960494DF}">
+              <a14:hiddenLine xmlns:a14="http://schemas.microsoft.com/office/drawing/2010/main" w="12700" cap="flat" cmpd="sng" algn="ctr">
+                <a:solidFill>
+                  <a:schemeClr val="accent1">
+                    <a:shade val="50000"/>
+                  </a:schemeClr>
+                </a:solidFill>
+                <a:prstDash val="solid"/>
+                <a:miter lim="800000"/>
+              </a14:hiddenLine>
+            </a:ext>
+          </a:extLst>
+        </p:spPr>
+        <p:style>
+          <a:lnRef idx="2">
+            <a:schemeClr val="accent1">
+              <a:shade val="50000"/>
+            </a:schemeClr>
+          </a:lnRef>
+          <a:fillRef idx="1">
+            <a:schemeClr val="accent1"/>
+          </a:fillRef>
+          <a:effectRef idx="0">
+            <a:schemeClr val="accent1"/>
+          </a:effectRef>
+          <a:fontRef idx="minor">
+            <a:schemeClr val="lt1"/>
+          </a:fontRef>
+        </p:style>
+        <p:txBody>
+          <a:bodyPr rtlCol="0" anchor="ctr"/>
+          <a:lstStyle/>
+          <a:p>
+            <a:pPr algn="ctr"/>
+            <a:endParaRPr lang="en-US"/>
+          </a:p>
+        </p:txBody>
+      </p:sp>
+      <p:sp>
+        <p:nvSpPr>
+          <p:cNvPr id="5129" name="Freeform: Shape 5128">
+            <a:extLst>
+              <a:ext uri="{FF2B5EF4-FFF2-40B4-BE49-F238E27FC236}">
+                <a16:creationId xmlns:a16="http://schemas.microsoft.com/office/drawing/2014/main" id="{E0B58608-23C8-4441-994D-C6823EEE1DB7}"/>
+              </a:ext>
+              <a:ext uri="{C183D7F6-B498-43B3-948B-1728B52AA6E4}">
+                <adec:decorative xmlns:adec="http://schemas.microsoft.com/office/drawing/2017/decorative" val="1"/>
+              </a:ext>
+            </a:extLst>
+          </p:cNvPr>
+          <p:cNvSpPr>
+            <a:spLocks noGrp="1" noRot="1" noChangeAspect="1" noMove="1" noResize="1" noEditPoints="1" noAdjustHandles="1" noChangeArrowheads="1" noChangeShapeType="1" noTextEdit="1"/>
+          </p:cNvSpPr>
+          <p:nvPr>
+            <p:extLst>
+              <p:ext uri="{386F3935-93C4-4BCD-93E2-E3B085C9AB24}">
+                <p16:designElem xmlns:p16="http://schemas.microsoft.com/office/powerpoint/2015/main" val="1"/>
+              </p:ext>
+            </p:extLst>
+          </p:nvPr>
+        </p:nvSpPr>
+        <p:spPr>
+          <a:xfrm>
+            <a:off x="1" y="0"/>
+            <a:ext cx="12191999" cy="2083506"/>
+          </a:xfrm>
+          <a:custGeom>
+            <a:avLst/>
+            <a:gdLst>
+              <a:gd name="connsiteX0" fmla="*/ 0 w 12191999"/>
+              <a:gd name="connsiteY0" fmla="*/ 0 h 2083506"/>
+              <a:gd name="connsiteX1" fmla="*/ 9429748 w 12191999"/>
+              <a:gd name="connsiteY1" fmla="*/ 0 h 2083506"/>
+              <a:gd name="connsiteX2" fmla="*/ 9429748 w 12191999"/>
+              <a:gd name="connsiteY2" fmla="*/ 1 h 2083506"/>
+              <a:gd name="connsiteX3" fmla="*/ 12191999 w 12191999"/>
+              <a:gd name="connsiteY3" fmla="*/ 1 h 2083506"/>
+              <a:gd name="connsiteX4" fmla="*/ 12191999 w 12191999"/>
+              <a:gd name="connsiteY4" fmla="*/ 1164372 h 2083506"/>
+              <a:gd name="connsiteX5" fmla="*/ 12147852 w 12191999"/>
+              <a:gd name="connsiteY5" fmla="*/ 1163783 h 2083506"/>
+              <a:gd name="connsiteX6" fmla="*/ 11993604 w 12191999"/>
+              <a:gd name="connsiteY6" fmla="*/ 1153496 h 2083506"/>
+              <a:gd name="connsiteX7" fmla="*/ 11865319 w 12191999"/>
+              <a:gd name="connsiteY7" fmla="*/ 1176624 h 2083506"/>
+              <a:gd name="connsiteX8" fmla="*/ 11718353 w 12191999"/>
+              <a:gd name="connsiteY8" fmla="*/ 1209136 h 2083506"/>
+              <a:gd name="connsiteX9" fmla="*/ 11609067 w 12191999"/>
+              <a:gd name="connsiteY9" fmla="*/ 1218512 h 2083506"/>
+              <a:gd name="connsiteX10" fmla="*/ 11545958 w 12191999"/>
+              <a:gd name="connsiteY10" fmla="*/ 1240430 h 2083506"/>
+              <a:gd name="connsiteX11" fmla="*/ 11445770 w 12191999"/>
+              <a:gd name="connsiteY11" fmla="*/ 1225780 h 2083506"/>
+              <a:gd name="connsiteX12" fmla="*/ 11398842 w 12191999"/>
+              <a:gd name="connsiteY12" fmla="*/ 1227250 h 2083506"/>
+              <a:gd name="connsiteX13" fmla="*/ 11240093 w 12191999"/>
+              <a:gd name="connsiteY13" fmla="*/ 1266797 h 2083506"/>
+              <a:gd name="connsiteX14" fmla="*/ 11141364 w 12191999"/>
+              <a:gd name="connsiteY14" fmla="*/ 1288059 h 2083506"/>
+              <a:gd name="connsiteX15" fmla="*/ 11015396 w 12191999"/>
+              <a:gd name="connsiteY15" fmla="*/ 1353104 h 2083506"/>
+              <a:gd name="connsiteX16" fmla="*/ 10973905 w 12191999"/>
+              <a:gd name="connsiteY16" fmla="*/ 1365109 h 2083506"/>
+              <a:gd name="connsiteX17" fmla="*/ 10904858 w 12191999"/>
+              <a:gd name="connsiteY17" fmla="*/ 1371966 h 2083506"/>
+              <a:gd name="connsiteX18" fmla="*/ 10827883 w 12191999"/>
+              <a:gd name="connsiteY18" fmla="*/ 1410270 h 2083506"/>
+              <a:gd name="connsiteX19" fmla="*/ 10690996 w 12191999"/>
+              <a:gd name="connsiteY19" fmla="*/ 1426394 h 2083506"/>
+              <a:gd name="connsiteX20" fmla="*/ 10624461 w 12191999"/>
+              <a:gd name="connsiteY20" fmla="*/ 1444283 h 2083506"/>
+              <a:gd name="connsiteX21" fmla="*/ 10517208 w 12191999"/>
+              <a:gd name="connsiteY21" fmla="*/ 1478947 h 2083506"/>
+              <a:gd name="connsiteX22" fmla="*/ 10497937 w 12191999"/>
+              <a:gd name="connsiteY22" fmla="*/ 1469831 h 2083506"/>
+              <a:gd name="connsiteX23" fmla="*/ 10471201 w 12191999"/>
+              <a:gd name="connsiteY23" fmla="*/ 1486037 h 2083506"/>
+              <a:gd name="connsiteX24" fmla="*/ 10448263 w 12191999"/>
+              <a:gd name="connsiteY24" fmla="*/ 1478223 h 2083506"/>
+              <a:gd name="connsiteX25" fmla="*/ 10388089 w 12191999"/>
+              <a:gd name="connsiteY25" fmla="*/ 1507175 h 2083506"/>
+              <a:gd name="connsiteX26" fmla="*/ 10333720 w 12191999"/>
+              <a:gd name="connsiteY26" fmla="*/ 1515848 h 2083506"/>
+              <a:gd name="connsiteX27" fmla="*/ 10104338 w 12191999"/>
+              <a:gd name="connsiteY27" fmla="*/ 1569424 h 2083506"/>
+              <a:gd name="connsiteX28" fmla="*/ 9910445 w 12191999"/>
+              <a:gd name="connsiteY28" fmla="*/ 1632275 h 2083506"/>
+              <a:gd name="connsiteX29" fmla="*/ 9770872 w 12191999"/>
+              <a:gd name="connsiteY29" fmla="*/ 1688088 h 2083506"/>
+              <a:gd name="connsiteX30" fmla="*/ 9733849 w 12191999"/>
+              <a:gd name="connsiteY30" fmla="*/ 1700034 h 2083506"/>
+              <a:gd name="connsiteX31" fmla="*/ 9703714 w 12191999"/>
+              <a:gd name="connsiteY31" fmla="*/ 1730093 h 2083506"/>
+              <a:gd name="connsiteX32" fmla="*/ 9698351 w 12191999"/>
+              <a:gd name="connsiteY32" fmla="*/ 1730377 h 2083506"/>
+              <a:gd name="connsiteX33" fmla="*/ 9632895 w 12191999"/>
+              <a:gd name="connsiteY33" fmla="*/ 1736363 h 2083506"/>
+              <a:gd name="connsiteX34" fmla="*/ 9569107 w 12191999"/>
+              <a:gd name="connsiteY34" fmla="*/ 1741010 h 2083506"/>
+              <a:gd name="connsiteX35" fmla="*/ 9536451 w 12191999"/>
+              <a:gd name="connsiteY35" fmla="*/ 1755120 h 2083506"/>
+              <a:gd name="connsiteX36" fmla="*/ 9529385 w 12191999"/>
+              <a:gd name="connsiteY36" fmla="*/ 1757515 h 2083506"/>
+              <a:gd name="connsiteX37" fmla="*/ 9498527 w 12191999"/>
+              <a:gd name="connsiteY37" fmla="*/ 1753117 h 2083506"/>
+              <a:gd name="connsiteX38" fmla="*/ 9436642 w 12191999"/>
+              <a:gd name="connsiteY38" fmla="*/ 1755478 h 2083506"/>
+              <a:gd name="connsiteX39" fmla="*/ 9429748 w 12191999"/>
+              <a:gd name="connsiteY39" fmla="*/ 1756317 h 2083506"/>
+              <a:gd name="connsiteX40" fmla="*/ 9429748 w 12191999"/>
+              <a:gd name="connsiteY40" fmla="*/ 1768745 h 2083506"/>
+              <a:gd name="connsiteX41" fmla="*/ 9425802 w 12191999"/>
+              <a:gd name="connsiteY41" fmla="*/ 1769273 h 2083506"/>
+              <a:gd name="connsiteX42" fmla="*/ 9349763 w 12191999"/>
+              <a:gd name="connsiteY42" fmla="*/ 1776107 h 2083506"/>
+              <a:gd name="connsiteX43" fmla="*/ 9256503 w 12191999"/>
+              <a:gd name="connsiteY43" fmla="*/ 1800699 h 2083506"/>
+              <a:gd name="connsiteX44" fmla="*/ 9222873 w 12191999"/>
+              <a:gd name="connsiteY44" fmla="*/ 1803003 h 2083506"/>
+              <a:gd name="connsiteX45" fmla="*/ 9224095 w 12191999"/>
+              <a:gd name="connsiteY45" fmla="*/ 1807355 h 2083506"/>
+              <a:gd name="connsiteX46" fmla="*/ 9211603 w 12191999"/>
+              <a:gd name="connsiteY46" fmla="*/ 1807675 h 2083506"/>
+              <a:gd name="connsiteX47" fmla="*/ 9183719 w 12191999"/>
+              <a:gd name="connsiteY47" fmla="*/ 1807781 h 2083506"/>
+              <a:gd name="connsiteX48" fmla="*/ 9100221 w 12191999"/>
+              <a:gd name="connsiteY48" fmla="*/ 1808989 h 2083506"/>
+              <a:gd name="connsiteX49" fmla="*/ 9077439 w 12191999"/>
+              <a:gd name="connsiteY49" fmla="*/ 1817333 h 2083506"/>
+              <a:gd name="connsiteX50" fmla="*/ 9055889 w 12191999"/>
+              <a:gd name="connsiteY50" fmla="*/ 1817464 h 2083506"/>
+              <a:gd name="connsiteX51" fmla="*/ 8930912 w 12191999"/>
+              <a:gd name="connsiteY51" fmla="*/ 1828648 h 2083506"/>
+              <a:gd name="connsiteX52" fmla="*/ 8913729 w 12191999"/>
+              <a:gd name="connsiteY52" fmla="*/ 1829483 h 2083506"/>
+              <a:gd name="connsiteX53" fmla="*/ 8904423 w 12191999"/>
+              <a:gd name="connsiteY53" fmla="*/ 1833234 h 2083506"/>
+              <a:gd name="connsiteX54" fmla="*/ 8871099 w 12191999"/>
+              <a:gd name="connsiteY54" fmla="*/ 1833979 h 2083506"/>
+              <a:gd name="connsiteX55" fmla="*/ 8869557 w 12191999"/>
+              <a:gd name="connsiteY55" fmla="*/ 1836113 h 2083506"/>
+              <a:gd name="connsiteX56" fmla="*/ 8760021 w 12191999"/>
+              <a:gd name="connsiteY56" fmla="*/ 1854442 h 2083506"/>
+              <a:gd name="connsiteX57" fmla="*/ 8741254 w 12191999"/>
+              <a:gd name="connsiteY57" fmla="*/ 1857469 h 2083506"/>
+              <a:gd name="connsiteX58" fmla="*/ 8725039 w 12191999"/>
+              <a:gd name="connsiteY58" fmla="*/ 1856552 h 2083506"/>
+              <a:gd name="connsiteX59" fmla="*/ 8635265 w 12191999"/>
+              <a:gd name="connsiteY59" fmla="*/ 1859168 h 2083506"/>
+              <a:gd name="connsiteX60" fmla="*/ 8613911 w 12191999"/>
+              <a:gd name="connsiteY60" fmla="*/ 1857561 h 2083506"/>
+              <a:gd name="connsiteX61" fmla="*/ 8604931 w 12191999"/>
+              <a:gd name="connsiteY61" fmla="*/ 1854170 h 2083506"/>
+              <a:gd name="connsiteX62" fmla="*/ 8570171 w 12191999"/>
+              <a:gd name="connsiteY62" fmla="*/ 1860579 h 2083506"/>
+              <a:gd name="connsiteX63" fmla="*/ 8516537 w 12191999"/>
+              <a:gd name="connsiteY63" fmla="*/ 1864971 h 2083506"/>
+              <a:gd name="connsiteX64" fmla="*/ 8491046 w 12191999"/>
+              <a:gd name="connsiteY64" fmla="*/ 1868141 h 2083506"/>
+              <a:gd name="connsiteX65" fmla="*/ 8470478 w 12191999"/>
+              <a:gd name="connsiteY65" fmla="*/ 1866216 h 2083506"/>
+              <a:gd name="connsiteX66" fmla="*/ 8353433 w 12191999"/>
+              <a:gd name="connsiteY66" fmla="*/ 1865729 h 2083506"/>
+              <a:gd name="connsiteX67" fmla="*/ 8347675 w 12191999"/>
+              <a:gd name="connsiteY67" fmla="*/ 1865075 h 2083506"/>
+              <a:gd name="connsiteX68" fmla="*/ 8343939 w 12191999"/>
+              <a:gd name="connsiteY68" fmla="*/ 1865677 h 2083506"/>
+              <a:gd name="connsiteX69" fmla="*/ 8221566 w 12191999"/>
+              <a:gd name="connsiteY69" fmla="*/ 1881148 h 2083506"/>
+              <a:gd name="connsiteX70" fmla="*/ 8066095 w 12191999"/>
+              <a:gd name="connsiteY70" fmla="*/ 1919902 h 2083506"/>
+              <a:gd name="connsiteX71" fmla="*/ 8044849 w 12191999"/>
+              <a:gd name="connsiteY71" fmla="*/ 1916308 h 2083506"/>
+              <a:gd name="connsiteX72" fmla="*/ 8041142 w 12191999"/>
+              <a:gd name="connsiteY72" fmla="*/ 1915506 h 2083506"/>
+              <a:gd name="connsiteX73" fmla="*/ 8022159 w 12191999"/>
+              <a:gd name="connsiteY73" fmla="*/ 1911521 h 2083506"/>
+              <a:gd name="connsiteX74" fmla="*/ 7944932 w 12191999"/>
+              <a:gd name="connsiteY74" fmla="*/ 1917265 h 2083506"/>
+              <a:gd name="connsiteX75" fmla="*/ 7879011 w 12191999"/>
+              <a:gd name="connsiteY75" fmla="*/ 1928570 h 2083506"/>
+              <a:gd name="connsiteX76" fmla="*/ 7865529 w 12191999"/>
+              <a:gd name="connsiteY76" fmla="*/ 1934399 h 2083506"/>
+              <a:gd name="connsiteX77" fmla="*/ 7774801 w 12191999"/>
+              <a:gd name="connsiteY77" fmla="*/ 1947969 h 2083506"/>
+              <a:gd name="connsiteX78" fmla="*/ 7748398 w 12191999"/>
+              <a:gd name="connsiteY78" fmla="*/ 1955982 h 2083506"/>
+              <a:gd name="connsiteX79" fmla="*/ 7740684 w 12191999"/>
+              <a:gd name="connsiteY79" fmla="*/ 1955717 h 2083506"/>
+              <a:gd name="connsiteX80" fmla="*/ 7712976 w 12191999"/>
+              <a:gd name="connsiteY80" fmla="*/ 1960442 h 2083506"/>
+              <a:gd name="connsiteX81" fmla="*/ 7699956 w 12191999"/>
+              <a:gd name="connsiteY81" fmla="*/ 1966104 h 2083506"/>
+              <a:gd name="connsiteX82" fmla="*/ 7684158 w 12191999"/>
+              <a:gd name="connsiteY82" fmla="*/ 1962927 h 2083506"/>
+              <a:gd name="connsiteX83" fmla="*/ 7643109 w 12191999"/>
+              <a:gd name="connsiteY83" fmla="*/ 1964400 h 2083506"/>
+              <a:gd name="connsiteX84" fmla="*/ 7630180 w 12191999"/>
+              <a:gd name="connsiteY84" fmla="*/ 1970266 h 2083506"/>
+              <a:gd name="connsiteX85" fmla="*/ 7609131 w 12191999"/>
+              <a:gd name="connsiteY85" fmla="*/ 1971774 h 2083506"/>
+              <a:gd name="connsiteX86" fmla="*/ 7555555 w 12191999"/>
+              <a:gd name="connsiteY86" fmla="*/ 1969491 h 2083506"/>
+              <a:gd name="connsiteX87" fmla="*/ 7520919 w 12191999"/>
+              <a:gd name="connsiteY87" fmla="*/ 1970177 h 2083506"/>
+              <a:gd name="connsiteX88" fmla="*/ 7456258 w 12191999"/>
+              <a:gd name="connsiteY88" fmla="*/ 1960468 h 2083506"/>
+              <a:gd name="connsiteX89" fmla="*/ 7393047 w 12191999"/>
+              <a:gd name="connsiteY89" fmla="*/ 1952408 h 2083506"/>
+              <a:gd name="connsiteX90" fmla="*/ 7199912 w 12191999"/>
+              <a:gd name="connsiteY90" fmla="*/ 1959913 h 2083506"/>
+              <a:gd name="connsiteX91" fmla="*/ 7146774 w 12191999"/>
+              <a:gd name="connsiteY91" fmla="*/ 1956641 h 2083506"/>
+              <a:gd name="connsiteX92" fmla="*/ 7122244 w 12191999"/>
+              <a:gd name="connsiteY92" fmla="*/ 1953891 h 2083506"/>
+              <a:gd name="connsiteX93" fmla="*/ 7032241 w 12191999"/>
+              <a:gd name="connsiteY93" fmla="*/ 1962723 h 2083506"/>
+              <a:gd name="connsiteX94" fmla="*/ 6941492 w 12191999"/>
+              <a:gd name="connsiteY94" fmla="*/ 1976868 h 2083506"/>
+              <a:gd name="connsiteX95" fmla="*/ 6906514 w 12191999"/>
+              <a:gd name="connsiteY95" fmla="*/ 1968589 h 2083506"/>
+              <a:gd name="connsiteX96" fmla="*/ 6826395 w 12191999"/>
+              <a:gd name="connsiteY96" fmla="*/ 1974141 h 2083506"/>
+              <a:gd name="connsiteX97" fmla="*/ 6716431 w 12191999"/>
+              <a:gd name="connsiteY97" fmla="*/ 2004297 h 2083506"/>
+              <a:gd name="connsiteX98" fmla="*/ 6569607 w 12191999"/>
+              <a:gd name="connsiteY98" fmla="*/ 2015496 h 2083506"/>
+              <a:gd name="connsiteX99" fmla="*/ 6561430 w 12191999"/>
+              <a:gd name="connsiteY99" fmla="*/ 2020996 h 2083506"/>
+              <a:gd name="connsiteX100" fmla="*/ 6549371 w 12191999"/>
+              <a:gd name="connsiteY100" fmla="*/ 2024747 h 2083506"/>
+              <a:gd name="connsiteX101" fmla="*/ 6547040 w 12191999"/>
+              <a:gd name="connsiteY101" fmla="*/ 2024474 h 2083506"/>
+              <a:gd name="connsiteX102" fmla="*/ 6530482 w 12191999"/>
+              <a:gd name="connsiteY102" fmla="*/ 2026659 h 2083506"/>
+              <a:gd name="connsiteX103" fmla="*/ 6528565 w 12191999"/>
+              <a:gd name="connsiteY103" fmla="*/ 2028600 h 2083506"/>
+              <a:gd name="connsiteX104" fmla="*/ 6517741 w 12191999"/>
+              <a:gd name="connsiteY104" fmla="*/ 2030558 h 2083506"/>
+              <a:gd name="connsiteX105" fmla="*/ 6497855 w 12191999"/>
+              <a:gd name="connsiteY105" fmla="*/ 2035650 h 2083506"/>
+              <a:gd name="connsiteX106" fmla="*/ 6492785 w 12191999"/>
+              <a:gd name="connsiteY106" fmla="*/ 2035444 h 2083506"/>
+              <a:gd name="connsiteX107" fmla="*/ 6460692 w 12191999"/>
+              <a:gd name="connsiteY107" fmla="*/ 2041321 h 2083506"/>
+              <a:gd name="connsiteX108" fmla="*/ 6459609 w 12191999"/>
+              <a:gd name="connsiteY108" fmla="*/ 2040851 h 2083506"/>
+              <a:gd name="connsiteX109" fmla="*/ 6447765 w 12191999"/>
+              <a:gd name="connsiteY109" fmla="*/ 2040102 h 2083506"/>
+              <a:gd name="connsiteX110" fmla="*/ 6426590 w 12191999"/>
+              <a:gd name="connsiteY110" fmla="*/ 2039928 h 2083506"/>
+              <a:gd name="connsiteX111" fmla="*/ 6401693 w 12191999"/>
+              <a:gd name="connsiteY111" fmla="*/ 2033537 h 2083506"/>
+              <a:gd name="connsiteX112" fmla="*/ 6387141 w 12191999"/>
+              <a:gd name="connsiteY112" fmla="*/ 2033161 h 2083506"/>
+              <a:gd name="connsiteX113" fmla="*/ 6357846 w 12191999"/>
+              <a:gd name="connsiteY113" fmla="*/ 2036782 h 2083506"/>
+              <a:gd name="connsiteX114" fmla="*/ 6342914 w 12191999"/>
+              <a:gd name="connsiteY114" fmla="*/ 2037585 h 2083506"/>
+              <a:gd name="connsiteX115" fmla="*/ 6336300 w 12191999"/>
+              <a:gd name="connsiteY115" fmla="*/ 2038781 h 2083506"/>
+              <a:gd name="connsiteX116" fmla="*/ 6317178 w 12191999"/>
+              <a:gd name="connsiteY116" fmla="*/ 2038968 h 2083506"/>
+              <a:gd name="connsiteX117" fmla="*/ 6161427 w 12191999"/>
+              <a:gd name="connsiteY117" fmla="*/ 2047338 h 2083506"/>
+              <a:gd name="connsiteX118" fmla="*/ 6097339 w 12191999"/>
+              <a:gd name="connsiteY118" fmla="*/ 2082438 h 2083506"/>
+              <a:gd name="connsiteX119" fmla="*/ 6079059 w 12191999"/>
+              <a:gd name="connsiteY119" fmla="*/ 2081299 h 2083506"/>
+              <a:gd name="connsiteX120" fmla="*/ 5998439 w 12191999"/>
+              <a:gd name="connsiteY120" fmla="*/ 2070958 h 2083506"/>
+              <a:gd name="connsiteX121" fmla="*/ 5904290 w 12191999"/>
+              <a:gd name="connsiteY121" fmla="*/ 2070255 h 2083506"/>
+              <a:gd name="connsiteX122" fmla="*/ 5814867 w 12191999"/>
+              <a:gd name="connsiteY122" fmla="*/ 2079032 h 2083506"/>
+              <a:gd name="connsiteX123" fmla="*/ 5725743 w 12191999"/>
+              <a:gd name="connsiteY123" fmla="*/ 2070558 h 2083506"/>
+              <a:gd name="connsiteX124" fmla="*/ 5650546 w 12191999"/>
+              <a:gd name="connsiteY124" fmla="*/ 2052412 h 2083506"/>
+              <a:gd name="connsiteX125" fmla="*/ 5581284 w 12191999"/>
+              <a:gd name="connsiteY125" fmla="*/ 2023175 h 2083506"/>
+              <a:gd name="connsiteX126" fmla="*/ 5572593 w 12191999"/>
+              <a:gd name="connsiteY126" fmla="*/ 2018391 h 2083506"/>
+              <a:gd name="connsiteX127" fmla="*/ 5548580 w 12191999"/>
+              <a:gd name="connsiteY127" fmla="*/ 2016951 h 2083506"/>
+              <a:gd name="connsiteX128" fmla="*/ 5471173 w 12191999"/>
+              <a:gd name="connsiteY128" fmla="*/ 2018786 h 2083506"/>
+              <a:gd name="connsiteX129" fmla="*/ 5340320 w 12191999"/>
+              <a:gd name="connsiteY129" fmla="*/ 2037611 h 2083506"/>
+              <a:gd name="connsiteX130" fmla="*/ 5254376 w 12191999"/>
+              <a:gd name="connsiteY130" fmla="*/ 2042928 h 2083506"/>
+              <a:gd name="connsiteX131" fmla="*/ 5258035 w 12191999"/>
+              <a:gd name="connsiteY131" fmla="*/ 2035649 h 2083506"/>
+              <a:gd name="connsiteX132" fmla="*/ 5230622 w 12191999"/>
+              <a:gd name="connsiteY132" fmla="*/ 2024576 h 2083506"/>
+              <a:gd name="connsiteX133" fmla="*/ 5026203 w 12191999"/>
+              <a:gd name="connsiteY133" fmla="*/ 2030162 h 2083506"/>
+              <a:gd name="connsiteX134" fmla="*/ 4973988 w 12191999"/>
+              <a:gd name="connsiteY134" fmla="*/ 2026668 h 2083506"/>
+              <a:gd name="connsiteX135" fmla="*/ 4928030 w 12191999"/>
+              <a:gd name="connsiteY135" fmla="*/ 2033642 h 2083506"/>
+              <a:gd name="connsiteX136" fmla="*/ 4908970 w 12191999"/>
+              <a:gd name="connsiteY136" fmla="*/ 2030033 h 2083506"/>
+              <a:gd name="connsiteX137" fmla="*/ 4905679 w 12191999"/>
+              <a:gd name="connsiteY137" fmla="*/ 2029300 h 2083506"/>
+              <a:gd name="connsiteX138" fmla="*/ 4892525 w 12191999"/>
+              <a:gd name="connsiteY138" fmla="*/ 2028768 h 2083506"/>
+              <a:gd name="connsiteX139" fmla="*/ 4888818 w 12191999"/>
+              <a:gd name="connsiteY139" fmla="*/ 2025619 h 2083506"/>
+              <a:gd name="connsiteX140" fmla="*/ 4869018 w 12191999"/>
+              <a:gd name="connsiteY140" fmla="*/ 2022668 h 2083506"/>
+              <a:gd name="connsiteX141" fmla="*/ 4844804 w 12191999"/>
+              <a:gd name="connsiteY141" fmla="*/ 2022527 h 2083506"/>
+              <a:gd name="connsiteX142" fmla="*/ 4758778 w 12191999"/>
+              <a:gd name="connsiteY142" fmla="*/ 2021694 h 2083506"/>
+              <a:gd name="connsiteX143" fmla="*/ 4744748 w 12191999"/>
+              <a:gd name="connsiteY143" fmla="*/ 2023396 h 2083506"/>
+              <a:gd name="connsiteX144" fmla="*/ 4698956 w 12191999"/>
+              <a:gd name="connsiteY144" fmla="*/ 2020558 h 2083506"/>
+              <a:gd name="connsiteX145" fmla="*/ 4658147 w 12191999"/>
+              <a:gd name="connsiteY145" fmla="*/ 2019920 h 2083506"/>
+              <a:gd name="connsiteX146" fmla="*/ 4631706 w 12191999"/>
+              <a:gd name="connsiteY146" fmla="*/ 2021274 h 2083506"/>
+              <a:gd name="connsiteX147" fmla="*/ 4624776 w 12191999"/>
+              <a:gd name="connsiteY147" fmla="*/ 2020152 h 2083506"/>
+              <a:gd name="connsiteX148" fmla="*/ 4598150 w 12191999"/>
+              <a:gd name="connsiteY148" fmla="*/ 2019429 h 2083506"/>
+              <a:gd name="connsiteX149" fmla="*/ 4584588 w 12191999"/>
+              <a:gd name="connsiteY149" fmla="*/ 2021092 h 2083506"/>
+              <a:gd name="connsiteX150" fmla="*/ 4571203 w 12191999"/>
+              <a:gd name="connsiteY150" fmla="*/ 2017263 h 2083506"/>
+              <a:gd name="connsiteX151" fmla="*/ 4567930 w 12191999"/>
+              <a:gd name="connsiteY151" fmla="*/ 2014458 h 2083506"/>
+              <a:gd name="connsiteX152" fmla="*/ 4548984 w 12191999"/>
+              <a:gd name="connsiteY152" fmla="*/ 2015717 h 2083506"/>
+              <a:gd name="connsiteX153" fmla="*/ 4533451 w 12191999"/>
+              <a:gd name="connsiteY153" fmla="*/ 2012976 h 2083506"/>
+              <a:gd name="connsiteX154" fmla="*/ 4519910 w 12191999"/>
+              <a:gd name="connsiteY154" fmla="*/ 2014768 h 2083506"/>
+              <a:gd name="connsiteX155" fmla="*/ 4514290 w 12191999"/>
+              <a:gd name="connsiteY155" fmla="*/ 2014364 h 2083506"/>
+              <a:gd name="connsiteX156" fmla="*/ 4500320 w 12191999"/>
+              <a:gd name="connsiteY156" fmla="*/ 2013007 h 2083506"/>
+              <a:gd name="connsiteX157" fmla="*/ 4476219 w 12191999"/>
+              <a:gd name="connsiteY157" fmla="*/ 2009993 h 2083506"/>
+              <a:gd name="connsiteX158" fmla="*/ 4468701 w 12191999"/>
+              <a:gd name="connsiteY158" fmla="*/ 2009574 h 2083506"/>
+              <a:gd name="connsiteX159" fmla="*/ 4452333 w 12191999"/>
+              <a:gd name="connsiteY159" fmla="*/ 2004964 h 2083506"/>
+              <a:gd name="connsiteX160" fmla="*/ 4420644 w 12191999"/>
+              <a:gd name="connsiteY160" fmla="*/ 2001021 h 2083506"/>
+              <a:gd name="connsiteX161" fmla="*/ 4364856 w 12191999"/>
+              <a:gd name="connsiteY161" fmla="*/ 1987267 h 2083506"/>
+              <a:gd name="connsiteX162" fmla="*/ 4332062 w 12191999"/>
+              <a:gd name="connsiteY162" fmla="*/ 1980703 h 2083506"/>
+              <a:gd name="connsiteX163" fmla="*/ 4309876 w 12191999"/>
+              <a:gd name="connsiteY163" fmla="*/ 1974653 h 2083506"/>
+              <a:gd name="connsiteX164" fmla="*/ 4244391 w 12191999"/>
+              <a:gd name="connsiteY164" fmla="*/ 1966109 h 2083506"/>
+              <a:gd name="connsiteX165" fmla="*/ 4132071 w 12191999"/>
+              <a:gd name="connsiteY165" fmla="*/ 1954813 h 2083506"/>
+              <a:gd name="connsiteX166" fmla="*/ 4109069 w 12191999"/>
+              <a:gd name="connsiteY166" fmla="*/ 1951778 h 2083506"/>
+              <a:gd name="connsiteX167" fmla="*/ 4092908 w 12191999"/>
+              <a:gd name="connsiteY167" fmla="*/ 1946662 h 2083506"/>
+              <a:gd name="connsiteX168" fmla="*/ 4092306 w 12191999"/>
+              <a:gd name="connsiteY168" fmla="*/ 1943291 h 2083506"/>
+              <a:gd name="connsiteX169" fmla="*/ 4080234 w 12191999"/>
+              <a:gd name="connsiteY169" fmla="*/ 1941219 h 2083506"/>
+              <a:gd name="connsiteX170" fmla="*/ 4077778 w 12191999"/>
+              <a:gd name="connsiteY170" fmla="*/ 1940145 h 2083506"/>
+              <a:gd name="connsiteX171" fmla="*/ 4062936 w 12191999"/>
+              <a:gd name="connsiteY171" fmla="*/ 1934506 h 2083506"/>
+              <a:gd name="connsiteX172" fmla="*/ 4012506 w 12191999"/>
+              <a:gd name="connsiteY172" fmla="*/ 1935475 h 2083506"/>
+              <a:gd name="connsiteX173" fmla="*/ 3965880 w 12191999"/>
+              <a:gd name="connsiteY173" fmla="*/ 1925968 h 2083506"/>
+              <a:gd name="connsiteX174" fmla="*/ 3765338 w 12191999"/>
+              <a:gd name="connsiteY174" fmla="*/ 1906649 h 2083506"/>
+              <a:gd name="connsiteX175" fmla="*/ 3749493 w 12191999"/>
+              <a:gd name="connsiteY175" fmla="*/ 1893071 h 2083506"/>
+              <a:gd name="connsiteX176" fmla="*/ 3672704 w 12191999"/>
+              <a:gd name="connsiteY176" fmla="*/ 1881383 h 2083506"/>
+              <a:gd name="connsiteX177" fmla="*/ 3530082 w 12191999"/>
+              <a:gd name="connsiteY177" fmla="*/ 1883187 h 2083506"/>
+              <a:gd name="connsiteX178" fmla="*/ 3387664 w 12191999"/>
+              <a:gd name="connsiteY178" fmla="*/ 1862579 h 2083506"/>
+              <a:gd name="connsiteX179" fmla="*/ 3371681 w 12191999"/>
+              <a:gd name="connsiteY179" fmla="*/ 1865293 h 2083506"/>
+              <a:gd name="connsiteX180" fmla="*/ 3355305 w 12191999"/>
+              <a:gd name="connsiteY180" fmla="*/ 1865842 h 2083506"/>
+              <a:gd name="connsiteX181" fmla="*/ 3353790 w 12191999"/>
+              <a:gd name="connsiteY181" fmla="*/ 1865158 h 2083506"/>
+              <a:gd name="connsiteX182" fmla="*/ 3336210 w 12191999"/>
+              <a:gd name="connsiteY182" fmla="*/ 1863564 h 2083506"/>
+              <a:gd name="connsiteX183" fmla="*/ 3331381 w 12191999"/>
+              <a:gd name="connsiteY183" fmla="*/ 1864716 h 2083506"/>
+              <a:gd name="connsiteX184" fmla="*/ 3319012 w 12191999"/>
+              <a:gd name="connsiteY184" fmla="*/ 1864093 h 2083506"/>
+              <a:gd name="connsiteX185" fmla="*/ 3293818 w 12191999"/>
+              <a:gd name="connsiteY185" fmla="*/ 1864135 h 2083506"/>
+              <a:gd name="connsiteX186" fmla="*/ 3289881 w 12191999"/>
+              <a:gd name="connsiteY186" fmla="*/ 1862954 h 2083506"/>
+              <a:gd name="connsiteX187" fmla="*/ 3253090 w 12191999"/>
+              <a:gd name="connsiteY187" fmla="*/ 1861164 h 2083506"/>
+              <a:gd name="connsiteX188" fmla="*/ 3252949 w 12191999"/>
+              <a:gd name="connsiteY188" fmla="*/ 1860574 h 2083506"/>
+              <a:gd name="connsiteX189" fmla="*/ 3244187 w 12191999"/>
+              <a:gd name="connsiteY189" fmla="*/ 1857604 h 2083506"/>
+              <a:gd name="connsiteX190" fmla="*/ 3246570 w 12191999"/>
+              <a:gd name="connsiteY190" fmla="*/ 1852946 h 2083506"/>
+              <a:gd name="connsiteX191" fmla="*/ 3237810 w 12191999"/>
+              <a:gd name="connsiteY191" fmla="*/ 1853064 h 2083506"/>
+              <a:gd name="connsiteX192" fmla="*/ 3230822 w 12191999"/>
+              <a:gd name="connsiteY192" fmla="*/ 1855474 h 2083506"/>
+              <a:gd name="connsiteX193" fmla="*/ 3136549 w 12191999"/>
+              <a:gd name="connsiteY193" fmla="*/ 1874037 h 2083506"/>
+              <a:gd name="connsiteX194" fmla="*/ 2845754 w 12191999"/>
+              <a:gd name="connsiteY194" fmla="*/ 1910932 h 2083506"/>
+              <a:gd name="connsiteX195" fmla="*/ 2786878 w 12191999"/>
+              <a:gd name="connsiteY195" fmla="*/ 1917162 h 2083506"/>
+              <a:gd name="connsiteX196" fmla="*/ 2725298 w 12191999"/>
+              <a:gd name="connsiteY196" fmla="*/ 1912340 h 2083506"/>
+              <a:gd name="connsiteX197" fmla="*/ 2697754 w 12191999"/>
+              <a:gd name="connsiteY197" fmla="*/ 1914863 h 2083506"/>
+              <a:gd name="connsiteX198" fmla="*/ 2568063 w 12191999"/>
+              <a:gd name="connsiteY198" fmla="*/ 1936283 h 2083506"/>
+              <a:gd name="connsiteX199" fmla="*/ 2489784 w 12191999"/>
+              <a:gd name="connsiteY199" fmla="*/ 1943720 h 2083506"/>
+              <a:gd name="connsiteX200" fmla="*/ 2458978 w 12191999"/>
+              <a:gd name="connsiteY200" fmla="*/ 1938095 h 2083506"/>
+              <a:gd name="connsiteX201" fmla="*/ 2318712 w 12191999"/>
+              <a:gd name="connsiteY201" fmla="*/ 1934474 h 2083506"/>
+              <a:gd name="connsiteX202" fmla="*/ 2268709 w 12191999"/>
+              <a:gd name="connsiteY202" fmla="*/ 1940521 h 2083506"/>
+              <a:gd name="connsiteX203" fmla="*/ 2264080 w 12191999"/>
+              <a:gd name="connsiteY203" fmla="*/ 1941232 h 2083506"/>
+              <a:gd name="connsiteX204" fmla="*/ 2254684 w 12191999"/>
+              <a:gd name="connsiteY204" fmla="*/ 1943524 h 2083506"/>
+              <a:gd name="connsiteX205" fmla="*/ 2252523 w 12191999"/>
+              <a:gd name="connsiteY205" fmla="*/ 1943004 h 2083506"/>
+              <a:gd name="connsiteX206" fmla="*/ 2173350 w 12191999"/>
+              <a:gd name="connsiteY206" fmla="*/ 1929202 h 2083506"/>
+              <a:gd name="connsiteX207" fmla="*/ 2155266 w 12191999"/>
+              <a:gd name="connsiteY207" fmla="*/ 1920267 h 2083506"/>
+              <a:gd name="connsiteX208" fmla="*/ 2091013 w 12191999"/>
+              <a:gd name="connsiteY208" fmla="*/ 1914631 h 2083506"/>
+              <a:gd name="connsiteX209" fmla="*/ 2030712 w 12191999"/>
+              <a:gd name="connsiteY209" fmla="*/ 1897690 h 2083506"/>
+              <a:gd name="connsiteX210" fmla="*/ 1908838 w 12191999"/>
+              <a:gd name="connsiteY210" fmla="*/ 1892222 h 2083506"/>
+              <a:gd name="connsiteX211" fmla="*/ 1877796 w 12191999"/>
+              <a:gd name="connsiteY211" fmla="*/ 1883887 h 2083506"/>
+              <a:gd name="connsiteX212" fmla="*/ 1875824 w 12191999"/>
+              <a:gd name="connsiteY212" fmla="*/ 1879265 h 2083506"/>
+              <a:gd name="connsiteX213" fmla="*/ 1823048 w 12191999"/>
+              <a:gd name="connsiteY213" fmla="*/ 1881064 h 2083506"/>
+              <a:gd name="connsiteX214" fmla="*/ 1765736 w 12191999"/>
+              <a:gd name="connsiteY214" fmla="*/ 1856578 h 2083506"/>
+              <a:gd name="connsiteX215" fmla="*/ 1725669 w 12191999"/>
+              <a:gd name="connsiteY215" fmla="*/ 1833744 h 2083506"/>
+              <a:gd name="connsiteX216" fmla="*/ 1725216 w 12191999"/>
+              <a:gd name="connsiteY216" fmla="*/ 1829447 h 2083506"/>
+              <a:gd name="connsiteX217" fmla="*/ 1721485 w 12191999"/>
+              <a:gd name="connsiteY217" fmla="*/ 1828960 h 2083506"/>
+              <a:gd name="connsiteX218" fmla="*/ 1717786 w 12191999"/>
+              <a:gd name="connsiteY218" fmla="*/ 1832224 h 2083506"/>
+              <a:gd name="connsiteX219" fmla="*/ 1689907 w 12191999"/>
+              <a:gd name="connsiteY219" fmla="*/ 1825425 h 2083506"/>
+              <a:gd name="connsiteX220" fmla="*/ 1688093 w 12191999"/>
+              <a:gd name="connsiteY220" fmla="*/ 1817391 h 2083506"/>
+              <a:gd name="connsiteX221" fmla="*/ 1496789 w 12191999"/>
+              <a:gd name="connsiteY221" fmla="*/ 1805297 h 2083506"/>
+              <a:gd name="connsiteX222" fmla="*/ 1392839 w 12191999"/>
+              <a:gd name="connsiteY222" fmla="*/ 1758649 h 2083506"/>
+              <a:gd name="connsiteX223" fmla="*/ 1360872 w 12191999"/>
+              <a:gd name="connsiteY223" fmla="*/ 1752441 h 2083506"/>
+              <a:gd name="connsiteX224" fmla="*/ 1313885 w 12191999"/>
+              <a:gd name="connsiteY224" fmla="*/ 1731785 h 2083506"/>
+              <a:gd name="connsiteX225" fmla="*/ 1247665 w 12191999"/>
+              <a:gd name="connsiteY225" fmla="*/ 1727765 h 2083506"/>
+              <a:gd name="connsiteX226" fmla="*/ 1196850 w 12191999"/>
+              <a:gd name="connsiteY226" fmla="*/ 1729622 h 2083506"/>
+              <a:gd name="connsiteX227" fmla="*/ 1168728 w 12191999"/>
+              <a:gd name="connsiteY227" fmla="*/ 1728550 h 2083506"/>
+              <a:gd name="connsiteX228" fmla="*/ 1096918 w 12191999"/>
+              <a:gd name="connsiteY228" fmla="*/ 1721485 h 2083506"/>
+              <a:gd name="connsiteX229" fmla="*/ 1094082 w 12191999"/>
+              <a:gd name="connsiteY229" fmla="*/ 1720113 h 2083506"/>
+              <a:gd name="connsiteX230" fmla="*/ 1040782 w 12191999"/>
+              <a:gd name="connsiteY230" fmla="*/ 1721762 h 2083506"/>
+              <a:gd name="connsiteX231" fmla="*/ 955980 w 12191999"/>
+              <a:gd name="connsiteY231" fmla="*/ 1719289 h 2083506"/>
+              <a:gd name="connsiteX232" fmla="*/ 926108 w 12191999"/>
+              <a:gd name="connsiteY232" fmla="*/ 1715917 h 2083506"/>
+              <a:gd name="connsiteX233" fmla="*/ 876049 w 12191999"/>
+              <a:gd name="connsiteY233" fmla="*/ 1710422 h 2083506"/>
+              <a:gd name="connsiteX234" fmla="*/ 839194 w 12191999"/>
+              <a:gd name="connsiteY234" fmla="*/ 1700176 h 2083506"/>
+              <a:gd name="connsiteX235" fmla="*/ 797112 w 12191999"/>
+              <a:gd name="connsiteY235" fmla="*/ 1698014 h 2083506"/>
+              <a:gd name="connsiteX236" fmla="*/ 786610 w 12191999"/>
+              <a:gd name="connsiteY236" fmla="*/ 1705455 h 2083506"/>
+              <a:gd name="connsiteX237" fmla="*/ 741833 w 12191999"/>
+              <a:gd name="connsiteY237" fmla="*/ 1700566 h 2083506"/>
+              <a:gd name="connsiteX238" fmla="*/ 673985 w 12191999"/>
+              <a:gd name="connsiteY238" fmla="*/ 1692278 h 2083506"/>
+              <a:gd name="connsiteX239" fmla="*/ 634665 w 12191999"/>
+              <a:gd name="connsiteY239" fmla="*/ 1689550 h 2083506"/>
+              <a:gd name="connsiteX240" fmla="*/ 527471 w 12191999"/>
+              <a:gd name="connsiteY240" fmla="*/ 1679869 h 2083506"/>
+              <a:gd name="connsiteX241" fmla="*/ 420260 w 12191999"/>
+              <a:gd name="connsiteY241" fmla="*/ 1668475 h 2083506"/>
+              <a:gd name="connsiteX242" fmla="*/ 357630 w 12191999"/>
+              <a:gd name="connsiteY242" fmla="*/ 1652142 h 2083506"/>
+              <a:gd name="connsiteX243" fmla="*/ 269407 w 12191999"/>
+              <a:gd name="connsiteY243" fmla="*/ 1643812 h 2083506"/>
+              <a:gd name="connsiteX244" fmla="*/ 254769 w 12191999"/>
+              <a:gd name="connsiteY244" fmla="*/ 1641013 h 2083506"/>
+              <a:gd name="connsiteX245" fmla="*/ 150763 w 12191999"/>
+              <a:gd name="connsiteY245" fmla="*/ 1628143 h 2083506"/>
+              <a:gd name="connsiteX246" fmla="*/ 29133 w 12191999"/>
+              <a:gd name="connsiteY246" fmla="*/ 1626172 h 2083506"/>
+              <a:gd name="connsiteX247" fmla="*/ 0 w 12191999"/>
+              <a:gd name="connsiteY247" fmla="*/ 1619589 h 2083506"/>
+            </a:gdLst>
+            <a:ahLst/>
+            <a:cxnLst>
+              <a:cxn ang="0">
+                <a:pos x="connsiteX0" y="connsiteY0"/>
+              </a:cxn>
+              <a:cxn ang="0">
+                <a:pos x="connsiteX1" y="connsiteY1"/>
+              </a:cxn>
+              <a:cxn ang="0">
+                <a:pos x="connsiteX2" y="connsiteY2"/>
+              </a:cxn>
+              <a:cxn ang="0">
+                <a:pos x="connsiteX3" y="connsiteY3"/>
+              </a:cxn>
+              <a:cxn ang="0">
+                <a:pos x="connsiteX4" y="connsiteY4"/>
+              </a:cxn>
+              <a:cxn ang="0">
+                <a:pos x="connsiteX5" y="connsiteY5"/>
+              </a:cxn>
+              <a:cxn ang="0">
+                <a:pos x="connsiteX6" y="connsiteY6"/>
+              </a:cxn>
+              <a:cxn ang="0">
+                <a:pos x="connsiteX7" y="connsiteY7"/>
+              </a:cxn>
+              <a:cxn ang="0">
+                <a:pos x="connsiteX8" y="connsiteY8"/>
+              </a:cxn>
+              <a:cxn ang="0">
+                <a:pos x="connsiteX9" y="connsiteY9"/>
+              </a:cxn>
+              <a:cxn ang="0">
+                <a:pos x="connsiteX10" y="connsiteY10"/>
+              </a:cxn>
+              <a:cxn ang="0">
+                <a:pos x="connsiteX11" y="connsiteY11"/>
+              </a:cxn>
+              <a:cxn ang="0">
+                <a:pos x="connsiteX12" y="connsiteY12"/>
+              </a:cxn>
+              <a:cxn ang="0">
+                <a:pos x="connsiteX13" y="connsiteY13"/>
+              </a:cxn>
+              <a:cxn ang="0">
+                <a:pos x="connsiteX14" y="connsiteY14"/>
+              </a:cxn>
+              <a:cxn ang="0">
+                <a:pos x="connsiteX15" y="connsiteY15"/>
+              </a:cxn>
+              <a:cxn ang="0">
+                <a:pos x="connsiteX16" y="connsiteY16"/>
+              </a:cxn>
+              <a:cxn ang="0">
+                <a:pos x="connsiteX17" y="connsiteY17"/>
+              </a:cxn>
+              <a:cxn ang="0">
+                <a:pos x="connsiteX18" y="connsiteY18"/>
+              </a:cxn>
+              <a:cxn ang="0">
+                <a:pos x="connsiteX19" y="connsiteY19"/>
+              </a:cxn>
+              <a:cxn ang="0">
+                <a:pos x="connsiteX20" y="connsiteY20"/>
+              </a:cxn>
+              <a:cxn ang="0">
+                <a:pos x="connsiteX21" y="connsiteY21"/>
+              </a:cxn>
+              <a:cxn ang="0">
+                <a:pos x="connsiteX22" y="connsiteY22"/>
+              </a:cxn>
+              <a:cxn ang="0">
+                <a:pos x="connsiteX23" y="connsiteY23"/>
+              </a:cxn>
+              <a:cxn ang="0">
+                <a:pos x="connsiteX24" y="connsiteY24"/>
+              </a:cxn>
+              <a:cxn ang="0">
+                <a:pos x="connsiteX25" y="connsiteY25"/>
+              </a:cxn>
+              <a:cxn ang="0">
+                <a:pos x="connsiteX26" y="connsiteY26"/>
+              </a:cxn>
+              <a:cxn ang="0">
+                <a:pos x="connsiteX27" y="connsiteY27"/>
+              </a:cxn>
+              <a:cxn ang="0">
+                <a:pos x="connsiteX28" y="connsiteY28"/>
+              </a:cxn>
+              <a:cxn ang="0">
+                <a:pos x="connsiteX29" y="connsiteY29"/>
+              </a:cxn>
+              <a:cxn ang="0">
+                <a:pos x="connsiteX30" y="connsiteY30"/>
+              </a:cxn>
+              <a:cxn ang="0">
+                <a:pos x="connsiteX31" y="connsiteY31"/>
+              </a:cxn>
+              <a:cxn ang="0">
+                <a:pos x="connsiteX32" y="connsiteY32"/>
+              </a:cxn>
+              <a:cxn ang="0">
+                <a:pos x="connsiteX33" y="connsiteY33"/>
+              </a:cxn>
+              <a:cxn ang="0">
+                <a:pos x="connsiteX34" y="connsiteY34"/>
+              </a:cxn>
+              <a:cxn ang="0">
+                <a:pos x="connsiteX35" y="connsiteY35"/>
+              </a:cxn>
+              <a:cxn ang="0">
+                <a:pos x="connsiteX36" y="connsiteY36"/>
+              </a:cxn>
+              <a:cxn ang="0">
+                <a:pos x="connsiteX37" y="connsiteY37"/>
+              </a:cxn>
+              <a:cxn ang="0">
+                <a:pos x="connsiteX38" y="connsiteY38"/>
+              </a:cxn>
+              <a:cxn ang="0">
+                <a:pos x="connsiteX39" y="connsiteY39"/>
+              </a:cxn>
+              <a:cxn ang="0">
+                <a:pos x="connsiteX40" y="connsiteY40"/>
+              </a:cxn>
+              <a:cxn ang="0">
+                <a:pos x="connsiteX41" y="connsiteY41"/>
+              </a:cxn>
+              <a:cxn ang="0">
+                <a:pos x="connsiteX42" y="connsiteY42"/>
+              </a:cxn>
+              <a:cxn ang="0">
+                <a:pos x="connsiteX43" y="connsiteY43"/>
+              </a:cxn>
+              <a:cxn ang="0">
+                <a:pos x="connsiteX44" y="connsiteY44"/>
+              </a:cxn>
+              <a:cxn ang="0">
+                <a:pos x="connsiteX45" y="connsiteY45"/>
+              </a:cxn>
+              <a:cxn ang="0">
+                <a:pos x="connsiteX46" y="connsiteY46"/>
+              </a:cxn>
+              <a:cxn ang="0">
+                <a:pos x="connsiteX47" y="connsiteY47"/>
+              </a:cxn>
+              <a:cxn ang="0">
+                <a:pos x="connsiteX48" y="connsiteY48"/>
+              </a:cxn>
+              <a:cxn ang="0">
+                <a:pos x="connsiteX49" y="connsiteY49"/>
+              </a:cxn>
+              <a:cxn ang="0">
+                <a:pos x="connsiteX50" y="connsiteY50"/>
+              </a:cxn>
+              <a:cxn ang="0">
+                <a:pos x="connsiteX51" y="connsiteY51"/>
+              </a:cxn>
+              <a:cxn ang="0">
+                <a:pos x="connsiteX52" y="connsiteY52"/>
+              </a:cxn>
+              <a:cxn ang="0">
+                <a:pos x="connsiteX53" y="connsiteY53"/>
+              </a:cxn>
+              <a:cxn ang="0">
+                <a:pos x="connsiteX54" y="connsiteY54"/>
+              </a:cxn>
+              <a:cxn ang="0">
+                <a:pos x="connsiteX55" y="connsiteY55"/>
+              </a:cxn>
+              <a:cxn ang="0">
+                <a:pos x="connsiteX56" y="connsiteY56"/>
+              </a:cxn>
+              <a:cxn ang="0">
+                <a:pos x="connsiteX57" y="connsiteY57"/>
+              </a:cxn>
+              <a:cxn ang="0">
+                <a:pos x="connsiteX58" y="connsiteY58"/>
+              </a:cxn>
+              <a:cxn ang="0">
+                <a:pos x="connsiteX59" y="connsiteY59"/>
+              </a:cxn>
+              <a:cxn ang="0">
+                <a:pos x="connsiteX60" y="connsiteY60"/>
+              </a:cxn>
+              <a:cxn ang="0">
+                <a:pos x="connsiteX61" y="connsiteY61"/>
+              </a:cxn>
+              <a:cxn ang="0">
+                <a:pos x="connsiteX62" y="connsiteY62"/>
+              </a:cxn>
+              <a:cxn ang="0">
+                <a:pos x="connsiteX63" y="connsiteY63"/>
+              </a:cxn>
+              <a:cxn ang="0">
+                <a:pos x="connsiteX64" y="connsiteY64"/>
+              </a:cxn>
+              <a:cxn ang="0">
+                <a:pos x="connsiteX65" y="connsiteY65"/>
+              </a:cxn>
+              <a:cxn ang="0">
+                <a:pos x="connsiteX66" y="connsiteY66"/>
+              </a:cxn>
+              <a:cxn ang="0">
+                <a:pos x="connsiteX67" y="connsiteY67"/>
+              </a:cxn>
+              <a:cxn ang="0">
+                <a:pos x="connsiteX68" y="connsiteY68"/>
+              </a:cxn>
+              <a:cxn ang="0">
+                <a:pos x="connsiteX69" y="connsiteY69"/>
+              </a:cxn>
+              <a:cxn ang="0">
+                <a:pos x="connsiteX70" y="connsiteY70"/>
+              </a:cxn>
+              <a:cxn ang="0">
+                <a:pos x="connsiteX71" y="connsiteY71"/>
+              </a:cxn>
+              <a:cxn ang="0">
+                <a:pos x="connsiteX72" y="connsiteY72"/>
+              </a:cxn>
+              <a:cxn ang="0">
+                <a:pos x="connsiteX73" y="connsiteY73"/>
+              </a:cxn>
+              <a:cxn ang="0">
+                <a:pos x="connsiteX74" y="connsiteY74"/>
+              </a:cxn>
+              <a:cxn ang="0">
+                <a:pos x="connsiteX75" y="connsiteY75"/>
+              </a:cxn>
+              <a:cxn ang="0">
+                <a:pos x="connsiteX76" y="connsiteY76"/>
+              </a:cxn>
+              <a:cxn ang="0">
+                <a:pos x="connsiteX77" y="connsiteY77"/>
+              </a:cxn>
+              <a:cxn ang="0">
+                <a:pos x="connsiteX78" y="connsiteY78"/>
+              </a:cxn>
+              <a:cxn ang="0">
+                <a:pos x="connsiteX79" y="connsiteY79"/>
+              </a:cxn>
+              <a:cxn ang="0">
+                <a:pos x="connsiteX80" y="connsiteY80"/>
+              </a:cxn>
+              <a:cxn ang="0">
+                <a:pos x="connsiteX81" y="connsiteY81"/>
+              </a:cxn>
+              <a:cxn ang="0">
+                <a:pos x="connsiteX82" y="connsiteY82"/>
+              </a:cxn>
+              <a:cxn ang="0">
+                <a:pos x="connsiteX83" y="connsiteY83"/>
+              </a:cxn>
+              <a:cxn ang="0">
+                <a:pos x="connsiteX84" y="connsiteY84"/>
+              </a:cxn>
+              <a:cxn ang="0">
+                <a:pos x="connsiteX85" y="connsiteY85"/>
+              </a:cxn>
+              <a:cxn ang="0">
+                <a:pos x="connsiteX86" y="connsiteY86"/>
+              </a:cxn>
+              <a:cxn ang="0">
+                <a:pos x="connsiteX87" y="connsiteY87"/>
+              </a:cxn>
+              <a:cxn ang="0">
+                <a:pos x="connsiteX88" y="connsiteY88"/>
+              </a:cxn>
+              <a:cxn ang="0">
+                <a:pos x="connsiteX89" y="connsiteY89"/>
+              </a:cxn>
+              <a:cxn ang="0">
+                <a:pos x="connsiteX90" y="connsiteY90"/>
+              </a:cxn>
+              <a:cxn ang="0">
+                <a:pos x="connsiteX91" y="connsiteY91"/>
+              </a:cxn>
+              <a:cxn ang="0">
+                <a:pos x="connsiteX92" y="connsiteY92"/>
+              </a:cxn>
+              <a:cxn ang="0">
+                <a:pos x="connsiteX93" y="connsiteY93"/>
+              </a:cxn>
+              <a:cxn ang="0">
+                <a:pos x="connsiteX94" y="connsiteY94"/>
+              </a:cxn>
+              <a:cxn ang="0">
+                <a:pos x="connsiteX95" y="connsiteY95"/>
+              </a:cxn>
+              <a:cxn ang="0">
+                <a:pos x="connsiteX96" y="connsiteY96"/>
+              </a:cxn>
+              <a:cxn ang="0">
+                <a:pos x="connsiteX97" y="connsiteY97"/>
+              </a:cxn>
+              <a:cxn ang="0">
+                <a:pos x="connsiteX98" y="connsiteY98"/>
+              </a:cxn>
+              <a:cxn ang="0">
+                <a:pos x="connsiteX99" y="connsiteY99"/>
+              </a:cxn>
+              <a:cxn ang="0">
+                <a:pos x="connsiteX100" y="connsiteY100"/>
+              </a:cxn>
+              <a:cxn ang="0">
+                <a:pos x="connsiteX101" y="connsiteY101"/>
+              </a:cxn>
+              <a:cxn ang="0">
+                <a:pos x="connsiteX102" y="connsiteY102"/>
+              </a:cxn>
+              <a:cxn ang="0">
+                <a:pos x="connsiteX103" y="connsiteY103"/>
+              </a:cxn>
+              <a:cxn ang="0">
+                <a:pos x="connsiteX104" y="connsiteY104"/>
+              </a:cxn>
+              <a:cxn ang="0">
+                <a:pos x="connsiteX105" y="connsiteY105"/>
+              </a:cxn>
+              <a:cxn ang="0">
+                <a:pos x="connsiteX106" y="connsiteY106"/>
+              </a:cxn>
+              <a:cxn ang="0">
+                <a:pos x="connsiteX107" y="connsiteY107"/>
+              </a:cxn>
+              <a:cxn ang="0">
+                <a:pos x="connsiteX108" y="connsiteY108"/>
+              </a:cxn>
+              <a:cxn ang="0">
+                <a:pos x="connsiteX109" y="connsiteY109"/>
+              </a:cxn>
+              <a:cxn ang="0">
+                <a:pos x="connsiteX110" y="connsiteY110"/>
+              </a:cxn>
+              <a:cxn ang="0">
+                <a:pos x="connsiteX111" y="connsiteY111"/>
+              </a:cxn>
+              <a:cxn ang="0">
+                <a:pos x="connsiteX112" y="connsiteY112"/>
+              </a:cxn>
+              <a:cxn ang="0">
+                <a:pos x="connsiteX113" y="connsiteY113"/>
+              </a:cxn>
+              <a:cxn ang="0">
+                <a:pos x="connsiteX114" y="connsiteY114"/>
+              </a:cxn>
+              <a:cxn ang="0">
+                <a:pos x="connsiteX115" y="connsiteY115"/>
+              </a:cxn>
+              <a:cxn ang="0">
+                <a:pos x="connsiteX116" y="connsiteY116"/>
+              </a:cxn>
+              <a:cxn ang="0">
+                <a:pos x="connsiteX117" y="connsiteY117"/>
+              </a:cxn>
+              <a:cxn ang="0">
+                <a:pos x="connsiteX118" y="connsiteY118"/>
+              </a:cxn>
+              <a:cxn ang="0">
+                <a:pos x="connsiteX119" y="connsiteY119"/>
+              </a:cxn>
+              <a:cxn ang="0">
+                <a:pos x="connsiteX120" y="connsiteY120"/>
+              </a:cxn>
+              <a:cxn ang="0">
+                <a:pos x="connsiteX121" y="connsiteY121"/>
+              </a:cxn>
+              <a:cxn ang="0">
+                <a:pos x="connsiteX122" y="connsiteY122"/>
+              </a:cxn>
+              <a:cxn ang="0">
+                <a:pos x="connsiteX123" y="connsiteY123"/>
+              </a:cxn>
+              <a:cxn ang="0">
+                <a:pos x="connsiteX124" y="connsiteY124"/>
+              </a:cxn>
+              <a:cxn ang="0">
+                <a:pos x="connsiteX125" y="connsiteY125"/>
+              </a:cxn>
+              <a:cxn ang="0">
+                <a:pos x="connsiteX126" y="connsiteY126"/>
+              </a:cxn>
+              <a:cxn ang="0">
+                <a:pos x="connsiteX127" y="connsiteY127"/>
+              </a:cxn>
+              <a:cxn ang="0">
+                <a:pos x="connsiteX128" y="connsiteY128"/>
+              </a:cxn>
+              <a:cxn ang="0">
+                <a:pos x="connsiteX129" y="connsiteY129"/>
+              </a:cxn>
+              <a:cxn ang="0">
+                <a:pos x="connsiteX130" y="connsiteY130"/>
+              </a:cxn>
+              <a:cxn ang="0">
+                <a:pos x="connsiteX131" y="connsiteY131"/>
+              </a:cxn>
+              <a:cxn ang="0">
+                <a:pos x="connsiteX132" y="connsiteY132"/>
+              </a:cxn>
+              <a:cxn ang="0">
+                <a:pos x="connsiteX133" y="connsiteY133"/>
+              </a:cxn>
+              <a:cxn ang="0">
+                <a:pos x="connsiteX134" y="connsiteY134"/>
+              </a:cxn>
+              <a:cxn ang="0">
+                <a:pos x="connsiteX135" y="connsiteY135"/>
+              </a:cxn>
+              <a:cxn ang="0">
+                <a:pos x="connsiteX136" y="connsiteY136"/>
+              </a:cxn>
+              <a:cxn ang="0">
+                <a:pos x="connsiteX137" y="connsiteY137"/>
+              </a:cxn>
+              <a:cxn ang="0">
+                <a:pos x="connsiteX138" y="connsiteY138"/>
+              </a:cxn>
+              <a:cxn ang="0">
+                <a:pos x="connsiteX139" y="connsiteY139"/>
+              </a:cxn>
+              <a:cxn ang="0">
+                <a:pos x="connsiteX140" y="connsiteY140"/>
+              </a:cxn>
+              <a:cxn ang="0">
+                <a:pos x="connsiteX141" y="connsiteY141"/>
+              </a:cxn>
+              <a:cxn ang="0">
+                <a:pos x="connsiteX142" y="connsiteY142"/>
+              </a:cxn>
+              <a:cxn ang="0">
+                <a:pos x="connsiteX143" y="connsiteY143"/>
+              </a:cxn>
+              <a:cxn ang="0">
+                <a:pos x="connsiteX144" y="connsiteY144"/>
+              </a:cxn>
+              <a:cxn ang="0">
+                <a:pos x="connsiteX145" y="connsiteY145"/>
+              </a:cxn>
+              <a:cxn ang="0">
+                <a:pos x="connsiteX146" y="connsiteY146"/>
+              </a:cxn>
+              <a:cxn ang="0">
+                <a:pos x="connsiteX147" y="connsiteY147"/>
+              </a:cxn>
+              <a:cxn ang="0">
+                <a:pos x="connsiteX148" y="connsiteY148"/>
+              </a:cxn>
+              <a:cxn ang="0">
+                <a:pos x="connsiteX149" y="connsiteY149"/>
+              </a:cxn>
+              <a:cxn ang="0">
+                <a:pos x="connsiteX150" y="connsiteY150"/>
+              </a:cxn>
+              <a:cxn ang="0">
+                <a:pos x="connsiteX151" y="connsiteY151"/>
+              </a:cxn>
+              <a:cxn ang="0">
+                <a:pos x="connsiteX152" y="connsiteY152"/>
+              </a:cxn>
+              <a:cxn ang="0">
+                <a:pos x="connsiteX153" y="connsiteY153"/>
+              </a:cxn>
+              <a:cxn ang="0">
+                <a:pos x="connsiteX154" y="connsiteY154"/>
+              </a:cxn>
+              <a:cxn ang="0">
+                <a:pos x="connsiteX155" y="connsiteY155"/>
+              </a:cxn>
+              <a:cxn ang="0">
+                <a:pos x="connsiteX156" y="connsiteY156"/>
+              </a:cxn>
+              <a:cxn ang="0">
+                <a:pos x="connsiteX157" y="connsiteY157"/>
+              </a:cxn>
+              <a:cxn ang="0">
+                <a:pos x="connsiteX158" y="connsiteY158"/>
+              </a:cxn>
+              <a:cxn ang="0">
+                <a:pos x="connsiteX159" y="connsiteY159"/>
+              </a:cxn>
+              <a:cxn ang="0">
+                <a:pos x="connsiteX160" y="connsiteY160"/>
+              </a:cxn>
+              <a:cxn ang="0">
+                <a:pos x="connsiteX161" y="connsiteY161"/>
+              </a:cxn>
+              <a:cxn ang="0">
+                <a:pos x="connsiteX162" y="connsiteY162"/>
+              </a:cxn>
+              <a:cxn ang="0">
+                <a:pos x="connsiteX163" y="connsiteY163"/>
+              </a:cxn>
+              <a:cxn ang="0">
+                <a:pos x="connsiteX164" y="connsiteY164"/>
+              </a:cxn>
+              <a:cxn ang="0">
+                <a:pos x="connsiteX165" y="connsiteY165"/>
+              </a:cxn>
+              <a:cxn ang="0">
+                <a:pos x="connsiteX166" y="connsiteY166"/>
+              </a:cxn>
+              <a:cxn ang="0">
+                <a:pos x="connsiteX167" y="connsiteY167"/>
+              </a:cxn>
+              <a:cxn ang="0">
+                <a:pos x="connsiteX168" y="connsiteY168"/>
+              </a:cxn>
+              <a:cxn ang="0">
+                <a:pos x="connsiteX169" y="connsiteY169"/>
+              </a:cxn>
+              <a:cxn ang="0">
+                <a:pos x="connsiteX170" y="connsiteY170"/>
+              </a:cxn>
+              <a:cxn ang="0">
+                <a:pos x="connsiteX171" y="connsiteY171"/>
+              </a:cxn>
+              <a:cxn ang="0">
+                <a:pos x="connsiteX172" y="connsiteY172"/>
+              </a:cxn>
+              <a:cxn ang="0">
+                <a:pos x="connsiteX173" y="connsiteY173"/>
+              </a:cxn>
+              <a:cxn ang="0">
+                <a:pos x="connsiteX174" y="connsiteY174"/>
+              </a:cxn>
+              <a:cxn ang="0">
+                <a:pos x="connsiteX175" y="connsiteY175"/>
+              </a:cxn>
+              <a:cxn ang="0">
+                <a:pos x="connsiteX176" y="connsiteY176"/>
+              </a:cxn>
+              <a:cxn ang="0">
+                <a:pos x="connsiteX177" y="connsiteY177"/>
+              </a:cxn>
+              <a:cxn ang="0">
+                <a:pos x="connsiteX178" y="connsiteY178"/>
+              </a:cxn>
+              <a:cxn ang="0">
+                <a:pos x="connsiteX179" y="connsiteY179"/>
+              </a:cxn>
+              <a:cxn ang="0">
+                <a:pos x="connsiteX180" y="connsiteY180"/>
+              </a:cxn>
+              <a:cxn ang="0">
+                <a:pos x="connsiteX181" y="connsiteY181"/>
+              </a:cxn>
+              <a:cxn ang="0">
+                <a:pos x="connsiteX182" y="connsiteY182"/>
+              </a:cxn>
+              <a:cxn ang="0">
+                <a:pos x="connsiteX183" y="connsiteY183"/>
+              </a:cxn>
+              <a:cxn ang="0">
+                <a:pos x="connsiteX184" y="connsiteY184"/>
+              </a:cxn>
+              <a:cxn ang="0">
+                <a:pos x="connsiteX185" y="connsiteY185"/>
+              </a:cxn>
+              <a:cxn ang="0">
+                <a:pos x="connsiteX186" y="connsiteY186"/>
+              </a:cxn>
+              <a:cxn ang="0">
+                <a:pos x="connsiteX187" y="connsiteY187"/>
+              </a:cxn>
+              <a:cxn ang="0">
+                <a:pos x="connsiteX188" y="connsiteY188"/>
+              </a:cxn>
+              <a:cxn ang="0">
+                <a:pos x="connsiteX189" y="connsiteY189"/>
+              </a:cxn>
+              <a:cxn ang="0">
+                <a:pos x="connsiteX190" y="connsiteY190"/>
+              </a:cxn>
+              <a:cxn ang="0">
+                <a:pos x="connsiteX191" y="connsiteY191"/>
+              </a:cxn>
+              <a:cxn ang="0">
+                <a:pos x="connsiteX192" y="connsiteY192"/>
+              </a:cxn>
+              <a:cxn ang="0">
+                <a:pos x="connsiteX193" y="connsiteY193"/>
+              </a:cxn>
+              <a:cxn ang="0">
+                <a:pos x="connsiteX194" y="connsiteY194"/>
+              </a:cxn>
+              <a:cxn ang="0">
+                <a:pos x="connsiteX195" y="connsiteY195"/>
+              </a:cxn>
+              <a:cxn ang="0">
+                <a:pos x="connsiteX196" y="connsiteY196"/>
+              </a:cxn>
+              <a:cxn ang="0">
+                <a:pos x="connsiteX197" y="connsiteY197"/>
+              </a:cxn>
+              <a:cxn ang="0">
+                <a:pos x="connsiteX198" y="connsiteY198"/>
+              </a:cxn>
+              <a:cxn ang="0">
+                <a:pos x="connsiteX199" y="connsiteY199"/>
+              </a:cxn>
+              <a:cxn ang="0">
+                <a:pos x="connsiteX200" y="connsiteY200"/>
+              </a:cxn>
+              <a:cxn ang="0">
+                <a:pos x="connsiteX201" y="connsiteY201"/>
+              </a:cxn>
+              <a:cxn ang="0">
+                <a:pos x="connsiteX202" y="connsiteY202"/>
+              </a:cxn>
+              <a:cxn ang="0">
+                <a:pos x="connsiteX203" y="connsiteY203"/>
+              </a:cxn>
+              <a:cxn ang="0">
+                <a:pos x="connsiteX204" y="connsiteY204"/>
+              </a:cxn>
+              <a:cxn ang="0">
+                <a:pos x="connsiteX205" y="connsiteY205"/>
+              </a:cxn>
+              <a:cxn ang="0">
+                <a:pos x="connsiteX206" y="connsiteY206"/>
+              </a:cxn>
+              <a:cxn ang="0">
+                <a:pos x="connsiteX207" y="connsiteY207"/>
+              </a:cxn>
+              <a:cxn ang="0">
+                <a:pos x="connsiteX208" y="connsiteY208"/>
+              </a:cxn>
+              <a:cxn ang="0">
+                <a:pos x="connsiteX209" y="connsiteY209"/>
+              </a:cxn>
+              <a:cxn ang="0">
+                <a:pos x="connsiteX210" y="connsiteY210"/>
+              </a:cxn>
+              <a:cxn ang="0">
+                <a:pos x="connsiteX211" y="connsiteY211"/>
+              </a:cxn>
+              <a:cxn ang="0">
+                <a:pos x="connsiteX212" y="connsiteY212"/>
+              </a:cxn>
+              <a:cxn ang="0">
+                <a:pos x="connsiteX213" y="connsiteY213"/>
+              </a:cxn>
+              <a:cxn ang="0">
+                <a:pos x="connsiteX214" y="connsiteY214"/>
+              </a:cxn>
+              <a:cxn ang="0">
+                <a:pos x="connsiteX215" y="connsiteY215"/>
+              </a:cxn>
+              <a:cxn ang="0">
+                <a:pos x="connsiteX216" y="connsiteY216"/>
+              </a:cxn>
+              <a:cxn ang="0">
+                <a:pos x="connsiteX217" y="connsiteY217"/>
+              </a:cxn>
+              <a:cxn ang="0">
+                <a:pos x="connsiteX218" y="connsiteY218"/>
+              </a:cxn>
+              <a:cxn ang="0">
+                <a:pos x="connsiteX219" y="connsiteY219"/>
+              </a:cxn>
+              <a:cxn ang="0">
+                <a:pos x="connsiteX220" y="connsiteY220"/>
+              </a:cxn>
+              <a:cxn ang="0">
+                <a:pos x="connsiteX221" y="connsiteY221"/>
+              </a:cxn>
+              <a:cxn ang="0">
+                <a:pos x="connsiteX222" y="connsiteY222"/>
+              </a:cxn>
+              <a:cxn ang="0">
+                <a:pos x="connsiteX223" y="connsiteY223"/>
+              </a:cxn>
+              <a:cxn ang="0">
+                <a:pos x="connsiteX224" y="connsiteY224"/>
+              </a:cxn>
+              <a:cxn ang="0">
+                <a:pos x="connsiteX225" y="connsiteY225"/>
+              </a:cxn>
+              <a:cxn ang="0">
+                <a:pos x="connsiteX226" y="connsiteY226"/>
+              </a:cxn>
+              <a:cxn ang="0">
+                <a:pos x="connsiteX227" y="connsiteY227"/>
+              </a:cxn>
+              <a:cxn ang="0">
+                <a:pos x="connsiteX228" y="connsiteY228"/>
+              </a:cxn>
+              <a:cxn ang="0">
+                <a:pos x="connsiteX229" y="connsiteY229"/>
+              </a:cxn>
+              <a:cxn ang="0">
+                <a:pos x="connsiteX230" y="connsiteY230"/>
+              </a:cxn>
+              <a:cxn ang="0">
+                <a:pos x="connsiteX231" y="connsiteY231"/>
+              </a:cxn>
+              <a:cxn ang="0">
+                <a:pos x="connsiteX232" y="connsiteY232"/>
+              </a:cxn>
+              <a:cxn ang="0">
+                <a:pos x="connsiteX233" y="connsiteY233"/>
+              </a:cxn>
+              <a:cxn ang="0">
+                <a:pos x="connsiteX234" y="connsiteY234"/>
+              </a:cxn>
+              <a:cxn ang="0">
+                <a:pos x="connsiteX235" y="connsiteY235"/>
+              </a:cxn>
+              <a:cxn ang="0">
+                <a:pos x="connsiteX236" y="connsiteY236"/>
+              </a:cxn>
+              <a:cxn ang="0">
+                <a:pos x="connsiteX237" y="connsiteY237"/>
+              </a:cxn>
+              <a:cxn ang="0">
+                <a:pos x="connsiteX238" y="connsiteY238"/>
+              </a:cxn>
+              <a:cxn ang="0">
+                <a:pos x="connsiteX239" y="connsiteY239"/>
+              </a:cxn>
+              <a:cxn ang="0">
+                <a:pos x="connsiteX240" y="connsiteY240"/>
+              </a:cxn>
+              <a:cxn ang="0">
+                <a:pos x="connsiteX241" y="connsiteY241"/>
+              </a:cxn>
+              <a:cxn ang="0">
+                <a:pos x="connsiteX242" y="connsiteY242"/>
+              </a:cxn>
+              <a:cxn ang="0">
+                <a:pos x="connsiteX243" y="connsiteY243"/>
+              </a:cxn>
+              <a:cxn ang="0">
+                <a:pos x="connsiteX244" y="connsiteY244"/>
+              </a:cxn>
+              <a:cxn ang="0">
+                <a:pos x="connsiteX245" y="connsiteY245"/>
+              </a:cxn>
+              <a:cxn ang="0">
+                <a:pos x="connsiteX246" y="connsiteY246"/>
+              </a:cxn>
+              <a:cxn ang="0">
+                <a:pos x="connsiteX247" y="connsiteY247"/>
+              </a:cxn>
+            </a:cxnLst>
+            <a:rect l="l" t="t" r="r" b="b"/>
+            <a:pathLst>
+              <a:path w="12191999" h="2083506">
+                <a:moveTo>
+                  <a:pt x="0" y="0"/>
+                </a:moveTo>
+                <a:lnTo>
+                  <a:pt x="9429748" y="0"/>
+                </a:lnTo>
+                <a:lnTo>
+                  <a:pt x="9429748" y="1"/>
+                </a:lnTo>
+                <a:lnTo>
+                  <a:pt x="12191999" y="1"/>
+                </a:lnTo>
+                <a:lnTo>
+                  <a:pt x="12191999" y="1164372"/>
+                </a:lnTo>
+                <a:lnTo>
+                  <a:pt x="12147852" y="1163783"/>
+                </a:lnTo>
+                <a:cubicBezTo>
+                  <a:pt x="12063101" y="1189107"/>
+                  <a:pt x="12045020" y="1156925"/>
+                  <a:pt x="11993604" y="1153496"/>
+                </a:cubicBezTo>
+                <a:cubicBezTo>
+                  <a:pt x="11954216" y="1165241"/>
+                  <a:pt x="11911195" y="1167350"/>
+                  <a:pt x="11865319" y="1176624"/>
+                </a:cubicBezTo>
+                <a:cubicBezTo>
+                  <a:pt x="11822513" y="1184682"/>
+                  <a:pt x="11766915" y="1201558"/>
+                  <a:pt x="11718353" y="1209136"/>
+                </a:cubicBezTo>
+                <a:cubicBezTo>
+                  <a:pt x="11675379" y="1217463"/>
+                  <a:pt x="11638007" y="1216639"/>
+                  <a:pt x="11609067" y="1218512"/>
+                </a:cubicBezTo>
+                <a:cubicBezTo>
+                  <a:pt x="11597582" y="1221322"/>
+                  <a:pt x="11554280" y="1243577"/>
+                  <a:pt x="11545958" y="1240430"/>
+                </a:cubicBezTo>
+                <a:lnTo>
+                  <a:pt x="11445770" y="1225780"/>
+                </a:lnTo>
+                <a:cubicBezTo>
+                  <a:pt x="11425543" y="1230782"/>
+                  <a:pt x="11413740" y="1222096"/>
+                  <a:pt x="11398842" y="1227250"/>
+                </a:cubicBezTo>
+                <a:cubicBezTo>
+                  <a:pt x="11367060" y="1233093"/>
+                  <a:pt x="11269285" y="1263712"/>
+                  <a:pt x="11240093" y="1266797"/>
+                </a:cubicBezTo>
+                <a:cubicBezTo>
+                  <a:pt x="11197297" y="1273685"/>
+                  <a:pt x="11181311" y="1272682"/>
+                  <a:pt x="11141364" y="1288059"/>
+                </a:cubicBezTo>
+                <a:cubicBezTo>
+                  <a:pt x="11099891" y="1305386"/>
+                  <a:pt x="11051533" y="1319157"/>
+                  <a:pt x="11015396" y="1353104"/>
+                </a:cubicBezTo>
+                <a:cubicBezTo>
+                  <a:pt x="11009424" y="1362217"/>
+                  <a:pt x="10992328" y="1361966"/>
+                  <a:pt x="10973905" y="1365109"/>
+                </a:cubicBezTo>
+                <a:cubicBezTo>
+                  <a:pt x="10955482" y="1368254"/>
+                  <a:pt x="10907369" y="1372817"/>
+                  <a:pt x="10904858" y="1371966"/>
+                </a:cubicBezTo>
+                <a:cubicBezTo>
+                  <a:pt x="10880521" y="1379494"/>
+                  <a:pt x="10873670" y="1399734"/>
+                  <a:pt x="10827883" y="1410270"/>
+                </a:cubicBezTo>
+                <a:cubicBezTo>
+                  <a:pt x="10790248" y="1415655"/>
+                  <a:pt x="10724899" y="1420726"/>
+                  <a:pt x="10690996" y="1426394"/>
+                </a:cubicBezTo>
+                <a:cubicBezTo>
+                  <a:pt x="10676463" y="1423331"/>
+                  <a:pt x="10634514" y="1436908"/>
+                  <a:pt x="10624461" y="1444283"/>
+                </a:cubicBezTo>
+                <a:cubicBezTo>
+                  <a:pt x="10601952" y="1468442"/>
+                  <a:pt x="10536224" y="1460228"/>
+                  <a:pt x="10517208" y="1478947"/>
+                </a:cubicBezTo>
+                <a:cubicBezTo>
+                  <a:pt x="10509508" y="1482271"/>
+                  <a:pt x="10505833" y="1468818"/>
+                  <a:pt x="10497937" y="1469831"/>
+                </a:cubicBezTo>
+                <a:lnTo>
+                  <a:pt x="10471201" y="1486037"/>
+                </a:lnTo>
+                <a:lnTo>
+                  <a:pt x="10448263" y="1478223"/>
+                </a:lnTo>
+                <a:lnTo>
+                  <a:pt x="10388089" y="1507175"/>
+                </a:lnTo>
+                <a:cubicBezTo>
+                  <a:pt x="10350285" y="1513081"/>
+                  <a:pt x="10383281" y="1526586"/>
+                  <a:pt x="10333720" y="1515848"/>
+                </a:cubicBezTo>
+                <a:cubicBezTo>
+                  <a:pt x="10286428" y="1526223"/>
+                  <a:pt x="10174884" y="1550019"/>
+                  <a:pt x="10104338" y="1569424"/>
+                </a:cubicBezTo>
+                <a:cubicBezTo>
+                  <a:pt x="10066963" y="1581564"/>
+                  <a:pt x="9967395" y="1605712"/>
+                  <a:pt x="9910445" y="1632275"/>
+                </a:cubicBezTo>
+                <a:cubicBezTo>
+                  <a:pt x="9856131" y="1644130"/>
+                  <a:pt x="9831118" y="1689967"/>
+                  <a:pt x="9770872" y="1688088"/>
+                </a:cubicBezTo>
+                <a:cubicBezTo>
+                  <a:pt x="9769882" y="1691843"/>
+                  <a:pt x="9737016" y="1697044"/>
+                  <a:pt x="9733849" y="1700034"/>
+                </a:cubicBezTo>
+                <a:lnTo>
+                  <a:pt x="9703714" y="1730093"/>
+                </a:lnTo>
+                <a:lnTo>
+                  <a:pt x="9698351" y="1730377"/>
+                </a:lnTo>
+                <a:lnTo>
+                  <a:pt x="9632895" y="1736363"/>
+                </a:lnTo>
+                <a:lnTo>
+                  <a:pt x="9569107" y="1741010"/>
+                </a:lnTo>
+                <a:cubicBezTo>
+                  <a:pt x="9558961" y="1745882"/>
+                  <a:pt x="9548028" y="1750646"/>
+                  <a:pt x="9536451" y="1755120"/>
+                </a:cubicBezTo>
+                <a:lnTo>
+                  <a:pt x="9529385" y="1757515"/>
+                </a:lnTo>
+                <a:lnTo>
+                  <a:pt x="9498527" y="1753117"/>
+                </a:lnTo>
+                <a:lnTo>
+                  <a:pt x="9436642" y="1755478"/>
+                </a:lnTo>
+                <a:lnTo>
+                  <a:pt x="9429748" y="1756317"/>
+                </a:lnTo>
+                <a:lnTo>
+                  <a:pt x="9429748" y="1768745"/>
+                </a:lnTo>
+                <a:lnTo>
+                  <a:pt x="9425802" y="1769273"/>
+                </a:lnTo>
+                <a:cubicBezTo>
+                  <a:pt x="9390751" y="1773262"/>
+                  <a:pt x="9371406" y="1773457"/>
+                  <a:pt x="9349763" y="1776107"/>
+                </a:cubicBezTo>
+                <a:cubicBezTo>
+                  <a:pt x="9314721" y="1782260"/>
+                  <a:pt x="9277650" y="1796217"/>
+                  <a:pt x="9256503" y="1800699"/>
+                </a:cubicBezTo>
+                <a:lnTo>
+                  <a:pt x="9222873" y="1803003"/>
+                </a:lnTo>
+                <a:lnTo>
+                  <a:pt x="9224095" y="1807355"/>
+                </a:lnTo>
+                <a:lnTo>
+                  <a:pt x="9211603" y="1807675"/>
+                </a:lnTo>
+                <a:lnTo>
+                  <a:pt x="9183719" y="1807781"/>
+                </a:lnTo>
+                <a:cubicBezTo>
+                  <a:pt x="9166319" y="1808439"/>
+                  <a:pt x="9117935" y="1807396"/>
+                  <a:pt x="9100221" y="1808989"/>
+                </a:cubicBezTo>
+                <a:cubicBezTo>
+                  <a:pt x="9095111" y="1813630"/>
+                  <a:pt x="9087224" y="1816160"/>
+                  <a:pt x="9077439" y="1817333"/>
+                </a:cubicBezTo>
+                <a:lnTo>
+                  <a:pt x="9055889" y="1817464"/>
+                </a:lnTo>
+                <a:lnTo>
+                  <a:pt x="8930912" y="1828648"/>
+                </a:lnTo>
+                <a:lnTo>
+                  <a:pt x="8913729" y="1829483"/>
+                </a:lnTo>
+                <a:lnTo>
+                  <a:pt x="8904423" y="1833234"/>
+                </a:lnTo>
+                <a:cubicBezTo>
+                  <a:pt x="8897319" y="1833982"/>
+                  <a:pt x="8876911" y="1833498"/>
+                  <a:pt x="8871099" y="1833979"/>
+                </a:cubicBezTo>
+                <a:lnTo>
+                  <a:pt x="8869557" y="1836113"/>
+                </a:lnTo>
+                <a:cubicBezTo>
+                  <a:pt x="8851043" y="1839524"/>
+                  <a:pt x="8781405" y="1850882"/>
+                  <a:pt x="8760021" y="1854442"/>
+                </a:cubicBezTo>
+                <a:cubicBezTo>
+                  <a:pt x="8755749" y="1851161"/>
+                  <a:pt x="8746183" y="1856343"/>
+                  <a:pt x="8741254" y="1857469"/>
+                </a:cubicBezTo>
+                <a:cubicBezTo>
+                  <a:pt x="8740491" y="1855259"/>
+                  <a:pt x="8728559" y="1854585"/>
+                  <a:pt x="8725039" y="1856552"/>
+                </a:cubicBezTo>
+                <a:cubicBezTo>
+                  <a:pt x="8641157" y="1867333"/>
+                  <a:pt x="8683145" y="1845054"/>
+                  <a:pt x="8635265" y="1859168"/>
+                </a:cubicBezTo>
+                <a:cubicBezTo>
+                  <a:pt x="8626795" y="1860103"/>
+                  <a:pt x="8619931" y="1859212"/>
+                  <a:pt x="8613911" y="1857561"/>
+                </a:cubicBezTo>
+                <a:lnTo>
+                  <a:pt x="8604931" y="1854170"/>
+                </a:lnTo>
+                <a:lnTo>
+                  <a:pt x="8570171" y="1860579"/>
+                </a:lnTo>
+                <a:cubicBezTo>
+                  <a:pt x="8553049" y="1862813"/>
+                  <a:pt x="8535028" y="1864294"/>
+                  <a:pt x="8516537" y="1864971"/>
+                </a:cubicBezTo>
+                <a:cubicBezTo>
+                  <a:pt x="8512388" y="1860455"/>
+                  <a:pt x="8497874" y="1866870"/>
+                  <a:pt x="8491046" y="1868141"/>
+                </a:cubicBezTo>
+                <a:cubicBezTo>
+                  <a:pt x="8490975" y="1865191"/>
+                  <a:pt x="8475847" y="1863778"/>
+                  <a:pt x="8470478" y="1866216"/>
+                </a:cubicBezTo>
+                <a:cubicBezTo>
+                  <a:pt x="8357654" y="1876758"/>
+                  <a:pt x="8421139" y="1849210"/>
+                  <a:pt x="8353433" y="1865729"/>
+                </a:cubicBezTo>
+                <a:lnTo>
+                  <a:pt x="8347675" y="1865075"/>
+                </a:lnTo>
+                <a:lnTo>
+                  <a:pt x="8343939" y="1865677"/>
+                </a:lnTo>
+                <a:cubicBezTo>
+                  <a:pt x="8309852" y="1870841"/>
+                  <a:pt x="8272587" y="1875809"/>
+                  <a:pt x="8221566" y="1881148"/>
+                </a:cubicBezTo>
+                <a:cubicBezTo>
+                  <a:pt x="8158043" y="1892960"/>
+                  <a:pt x="8095547" y="1914042"/>
+                  <a:pt x="8066095" y="1919902"/>
+                </a:cubicBezTo>
+                <a:cubicBezTo>
+                  <a:pt x="8058949" y="1919234"/>
+                  <a:pt x="8051921" y="1917862"/>
+                  <a:pt x="8044849" y="1916308"/>
+                </a:cubicBezTo>
+                <a:lnTo>
+                  <a:pt x="8041142" y="1915506"/>
+                </a:lnTo>
+                <a:lnTo>
+                  <a:pt x="8022159" y="1911521"/>
+                </a:lnTo>
+                <a:lnTo>
+                  <a:pt x="7944932" y="1917265"/>
+                </a:lnTo>
+                <a:lnTo>
+                  <a:pt x="7879011" y="1928570"/>
+                </a:lnTo>
+                <a:lnTo>
+                  <a:pt x="7865529" y="1934399"/>
+                </a:lnTo>
+                <a:lnTo>
+                  <a:pt x="7774801" y="1947969"/>
+                </a:lnTo>
+                <a:lnTo>
+                  <a:pt x="7748398" y="1955982"/>
+                </a:lnTo>
+                <a:lnTo>
+                  <a:pt x="7740684" y="1955717"/>
+                </a:lnTo>
+                <a:cubicBezTo>
+                  <a:pt x="7728362" y="1958584"/>
+                  <a:pt x="7714099" y="1968442"/>
+                  <a:pt x="7712976" y="1960442"/>
+                </a:cubicBezTo>
+                <a:lnTo>
+                  <a:pt x="7699956" y="1966104"/>
+                </a:lnTo>
+                <a:lnTo>
+                  <a:pt x="7684158" y="1962927"/>
+                </a:lnTo>
+                <a:cubicBezTo>
+                  <a:pt x="7674684" y="1962643"/>
+                  <a:pt x="7652105" y="1963177"/>
+                  <a:pt x="7643109" y="1964400"/>
+                </a:cubicBezTo>
+                <a:lnTo>
+                  <a:pt x="7630180" y="1970266"/>
+                </a:lnTo>
+                <a:lnTo>
+                  <a:pt x="7609131" y="1971774"/>
+                </a:lnTo>
+                <a:cubicBezTo>
+                  <a:pt x="7596694" y="1971644"/>
+                  <a:pt x="7570258" y="1969757"/>
+                  <a:pt x="7555555" y="1969491"/>
+                </a:cubicBezTo>
+                <a:cubicBezTo>
+                  <a:pt x="7541460" y="1966540"/>
+                  <a:pt x="7530571" y="1964848"/>
+                  <a:pt x="7520919" y="1970177"/>
+                </a:cubicBezTo>
+                <a:cubicBezTo>
+                  <a:pt x="7500295" y="1966884"/>
+                  <a:pt x="7480780" y="1949401"/>
+                  <a:pt x="7456258" y="1960468"/>
+                </a:cubicBezTo>
+                <a:cubicBezTo>
+                  <a:pt x="7434946" y="1957506"/>
+                  <a:pt x="7435772" y="1952500"/>
+                  <a:pt x="7393047" y="1952408"/>
+                </a:cubicBezTo>
+                <a:cubicBezTo>
+                  <a:pt x="7356520" y="1952860"/>
+                  <a:pt x="7236307" y="1958626"/>
+                  <a:pt x="7199912" y="1959913"/>
+                </a:cubicBezTo>
+                <a:cubicBezTo>
+                  <a:pt x="7176501" y="1959942"/>
+                  <a:pt x="7160098" y="1958343"/>
+                  <a:pt x="7146774" y="1956641"/>
+                </a:cubicBezTo>
+                <a:lnTo>
+                  <a:pt x="7122244" y="1953891"/>
+                </a:lnTo>
+                <a:lnTo>
+                  <a:pt x="7032241" y="1962723"/>
+                </a:lnTo>
+                <a:cubicBezTo>
+                  <a:pt x="6997214" y="1965198"/>
+                  <a:pt x="6963725" y="1968396"/>
+                  <a:pt x="6941492" y="1976868"/>
+                </a:cubicBezTo>
+                <a:cubicBezTo>
+                  <a:pt x="6947015" y="1970398"/>
+                  <a:pt x="6923088" y="1965379"/>
+                  <a:pt x="6906514" y="1968589"/>
+                </a:cubicBezTo>
+                <a:cubicBezTo>
+                  <a:pt x="6925890" y="1943204"/>
+                  <a:pt x="6840983" y="1991464"/>
+                  <a:pt x="6826395" y="1974141"/>
+                </a:cubicBezTo>
+                <a:cubicBezTo>
+                  <a:pt x="6825676" y="1990223"/>
+                  <a:pt x="6751393" y="2017492"/>
+                  <a:pt x="6716431" y="2004297"/>
+                </a:cubicBezTo>
+                <a:cubicBezTo>
+                  <a:pt x="6663167" y="2007518"/>
+                  <a:pt x="6625450" y="2020811"/>
+                  <a:pt x="6569607" y="2015496"/>
+                </a:cubicBezTo>
+                <a:cubicBezTo>
+                  <a:pt x="6567874" y="2017648"/>
+                  <a:pt x="6565034" y="2019449"/>
+                  <a:pt x="6561430" y="2020996"/>
+                </a:cubicBezTo>
+                <a:lnTo>
+                  <a:pt x="6549371" y="2024747"/>
+                </a:lnTo>
+                <a:lnTo>
+                  <a:pt x="6547040" y="2024474"/>
+                </a:lnTo>
+                <a:cubicBezTo>
+                  <a:pt x="6537882" y="2024425"/>
+                  <a:pt x="6533193" y="2025332"/>
+                  <a:pt x="6530482" y="2026659"/>
+                </a:cubicBezTo>
+                <a:lnTo>
+                  <a:pt x="6528565" y="2028600"/>
+                </a:lnTo>
+                <a:lnTo>
+                  <a:pt x="6517741" y="2030558"/>
+                </a:lnTo>
+                <a:lnTo>
+                  <a:pt x="6497855" y="2035650"/>
+                </a:lnTo>
+                <a:lnTo>
+                  <a:pt x="6492785" y="2035444"/>
+                </a:lnTo>
+                <a:lnTo>
+                  <a:pt x="6460692" y="2041321"/>
+                </a:lnTo>
+                <a:lnTo>
+                  <a:pt x="6459609" y="2040851"/>
+                </a:lnTo>
+                <a:cubicBezTo>
+                  <a:pt x="6456451" y="2039933"/>
+                  <a:pt x="6452734" y="2039508"/>
+                  <a:pt x="6447765" y="2040102"/>
+                </a:cubicBezTo>
+                <a:cubicBezTo>
+                  <a:pt x="6446007" y="2031126"/>
+                  <a:pt x="6441093" y="2037380"/>
+                  <a:pt x="6426590" y="2039928"/>
+                </a:cubicBezTo>
+                <a:cubicBezTo>
+                  <a:pt x="6423606" y="2033241"/>
+                  <a:pt x="6413230" y="2032925"/>
+                  <a:pt x="6401693" y="2033537"/>
+                </a:cubicBezTo>
+                <a:lnTo>
+                  <a:pt x="6387141" y="2033161"/>
+                </a:lnTo>
+                <a:lnTo>
+                  <a:pt x="6357846" y="2036782"/>
+                </a:lnTo>
+                <a:lnTo>
+                  <a:pt x="6342914" y="2037585"/>
+                </a:lnTo>
+                <a:lnTo>
+                  <a:pt x="6336300" y="2038781"/>
+                </a:lnTo>
+                <a:lnTo>
+                  <a:pt x="6317178" y="2038968"/>
+                </a:lnTo>
+                <a:lnTo>
+                  <a:pt x="6161427" y="2047338"/>
+                </a:lnTo>
+                <a:cubicBezTo>
+                  <a:pt x="6147824" y="2057658"/>
+                  <a:pt x="6118908" y="2077615"/>
+                  <a:pt x="6097339" y="2082438"/>
+                </a:cubicBezTo>
+                <a:cubicBezTo>
+                  <a:pt x="6090149" y="2084046"/>
+                  <a:pt x="6083776" y="2083972"/>
+                  <a:pt x="6079059" y="2081299"/>
+                </a:cubicBezTo>
+                <a:cubicBezTo>
+                  <a:pt x="6063900" y="2082334"/>
+                  <a:pt x="6011621" y="2084537"/>
+                  <a:pt x="5998439" y="2070958"/>
+                </a:cubicBezTo>
+                <a:cubicBezTo>
+                  <a:pt x="5976443" y="2071759"/>
+                  <a:pt x="5925514" y="2069780"/>
+                  <a:pt x="5904290" y="2070255"/>
+                </a:cubicBezTo>
+                <a:cubicBezTo>
+                  <a:pt x="5871515" y="2066244"/>
+                  <a:pt x="5843986" y="2088249"/>
+                  <a:pt x="5814867" y="2079032"/>
+                </a:cubicBezTo>
+                <a:cubicBezTo>
+                  <a:pt x="5792003" y="2070559"/>
+                  <a:pt x="5750009" y="2076273"/>
+                  <a:pt x="5725743" y="2070558"/>
+                </a:cubicBezTo>
+                <a:cubicBezTo>
+                  <a:pt x="5716432" y="2058355"/>
+                  <a:pt x="5667424" y="2047322"/>
+                  <a:pt x="5650546" y="2052412"/>
+                </a:cubicBezTo>
+                <a:cubicBezTo>
+                  <a:pt x="5614627" y="2046084"/>
+                  <a:pt x="5608108" y="2028306"/>
+                  <a:pt x="5581284" y="2023175"/>
+                </a:cubicBezTo>
+                <a:lnTo>
+                  <a:pt x="5572593" y="2018391"/>
+                </a:lnTo>
+                <a:lnTo>
+                  <a:pt x="5548580" y="2016951"/>
+                </a:lnTo>
+                <a:cubicBezTo>
+                  <a:pt x="5523726" y="2017783"/>
+                  <a:pt x="5498337" y="2019663"/>
+                  <a:pt x="5471173" y="2018786"/>
+                </a:cubicBezTo>
+                <a:cubicBezTo>
+                  <a:pt x="5447687" y="2003020"/>
+                  <a:pt x="5353807" y="2022324"/>
+                  <a:pt x="5340320" y="2037611"/>
+                </a:cubicBezTo>
+                <a:cubicBezTo>
+                  <a:pt x="5340015" y="2024215"/>
+                  <a:pt x="5271937" y="2042455"/>
+                  <a:pt x="5254376" y="2042928"/>
+                </a:cubicBezTo>
+                <a:cubicBezTo>
+                  <a:pt x="5248522" y="2043086"/>
+                  <a:pt x="5248281" y="2041270"/>
+                  <a:pt x="5258035" y="2035649"/>
+                </a:cubicBezTo>
+                <a:cubicBezTo>
+                  <a:pt x="5239374" y="2037214"/>
+                  <a:pt x="5220112" y="2030252"/>
+                  <a:pt x="5230622" y="2024576"/>
+                </a:cubicBezTo>
+                <a:cubicBezTo>
+                  <a:pt x="5173932" y="2036724"/>
+                  <a:pt x="5090262" y="2024645"/>
+                  <a:pt x="5026203" y="2030162"/>
+                </a:cubicBezTo>
+                <a:cubicBezTo>
+                  <a:pt x="4991280" y="2016814"/>
+                  <a:pt x="5010212" y="2029164"/>
+                  <a:pt x="4973988" y="2026668"/>
+                </a:cubicBezTo>
+                <a:cubicBezTo>
+                  <a:pt x="4983896" y="2038955"/>
+                  <a:pt x="4930012" y="2019774"/>
+                  <a:pt x="4928030" y="2033642"/>
+                </a:cubicBezTo>
+                <a:cubicBezTo>
+                  <a:pt x="4921501" y="2032748"/>
+                  <a:pt x="4915238" y="2031445"/>
+                  <a:pt x="4908970" y="2030033"/>
+                </a:cubicBezTo>
+                <a:lnTo>
+                  <a:pt x="4905679" y="2029300"/>
+                </a:lnTo>
+                <a:lnTo>
+                  <a:pt x="4892525" y="2028768"/>
+                </a:lnTo>
+                <a:lnTo>
+                  <a:pt x="4888818" y="2025619"/>
+                </a:lnTo>
+                <a:lnTo>
+                  <a:pt x="4869018" y="2022668"/>
+                </a:lnTo>
+                <a:cubicBezTo>
+                  <a:pt x="4861602" y="2022028"/>
+                  <a:pt x="4853622" y="2021880"/>
+                  <a:pt x="4844804" y="2022527"/>
+                </a:cubicBezTo>
+                <a:cubicBezTo>
+                  <a:pt x="4823110" y="2028022"/>
+                  <a:pt x="4789330" y="2021287"/>
+                  <a:pt x="4758778" y="2021694"/>
+                </a:cubicBezTo>
+                <a:lnTo>
+                  <a:pt x="4744748" y="2023396"/>
+                </a:lnTo>
+                <a:lnTo>
+                  <a:pt x="4698956" y="2020558"/>
+                </a:lnTo>
+                <a:cubicBezTo>
+                  <a:pt x="4685921" y="2020008"/>
+                  <a:pt x="4672392" y="2019718"/>
+                  <a:pt x="4658147" y="2019920"/>
+                </a:cubicBezTo>
+                <a:lnTo>
+                  <a:pt x="4631706" y="2021274"/>
+                </a:lnTo>
+                <a:lnTo>
+                  <a:pt x="4624776" y="2020152"/>
+                </a:lnTo>
+                <a:cubicBezTo>
+                  <a:pt x="4612703" y="2020277"/>
+                  <a:pt x="4596727" y="2024226"/>
+                  <a:pt x="4598150" y="2019429"/>
+                </a:cubicBezTo>
+                <a:lnTo>
+                  <a:pt x="4584588" y="2021092"/>
+                </a:lnTo>
+                <a:lnTo>
+                  <a:pt x="4571203" y="2017263"/>
+                </a:lnTo>
+                <a:cubicBezTo>
+                  <a:pt x="4569736" y="2016374"/>
+                  <a:pt x="4568633" y="2015427"/>
+                  <a:pt x="4567930" y="2014458"/>
+                </a:cubicBezTo>
+                <a:lnTo>
+                  <a:pt x="4548984" y="2015717"/>
+                </a:lnTo>
+                <a:lnTo>
+                  <a:pt x="4533451" y="2012976"/>
+                </a:lnTo>
+                <a:lnTo>
+                  <a:pt x="4519910" y="2014768"/>
+                </a:lnTo>
+                <a:lnTo>
+                  <a:pt x="4514290" y="2014364"/>
+                </a:lnTo>
+                <a:lnTo>
+                  <a:pt x="4500320" y="2013007"/>
+                </a:lnTo>
+                <a:cubicBezTo>
+                  <a:pt x="4493159" y="2012056"/>
+                  <a:pt x="4485144" y="2010910"/>
+                  <a:pt x="4476219" y="2009993"/>
+                </a:cubicBezTo>
+                <a:lnTo>
+                  <a:pt x="4468701" y="2009574"/>
+                </a:lnTo>
+                <a:lnTo>
+                  <a:pt x="4452333" y="2004964"/>
+                </a:lnTo>
+                <a:cubicBezTo>
+                  <a:pt x="4440422" y="2001479"/>
+                  <a:pt x="4431048" y="1999130"/>
+                  <a:pt x="4420644" y="2001021"/>
+                </a:cubicBezTo>
+                <a:cubicBezTo>
+                  <a:pt x="4402911" y="1996519"/>
+                  <a:pt x="4390524" y="1983900"/>
+                  <a:pt x="4364856" y="1987267"/>
+                </a:cubicBezTo>
+                <a:cubicBezTo>
+                  <a:pt x="4372645" y="1981550"/>
+                  <a:pt x="4336350" y="1986575"/>
+                  <a:pt x="4332062" y="1980703"/>
+                </a:cubicBezTo>
+                <a:cubicBezTo>
+                  <a:pt x="4330083" y="1975974"/>
+                  <a:pt x="4318612" y="1976397"/>
+                  <a:pt x="4309876" y="1974653"/>
+                </a:cubicBezTo>
+                <a:cubicBezTo>
+                  <a:pt x="4303650" y="1969824"/>
+                  <a:pt x="4259693" y="1965414"/>
+                  <a:pt x="4244391" y="1966109"/>
+                </a:cubicBezTo>
+                <a:cubicBezTo>
+                  <a:pt x="4201255" y="1970914"/>
+                  <a:pt x="4166558" y="1951471"/>
+                  <a:pt x="4132071" y="1954813"/>
+                </a:cubicBezTo>
+                <a:cubicBezTo>
+                  <a:pt x="4123041" y="1954358"/>
+                  <a:pt x="4115554" y="1953263"/>
+                  <a:pt x="4109069" y="1951778"/>
+                </a:cubicBezTo>
+                <a:lnTo>
+                  <a:pt x="4092908" y="1946662"/>
+                </a:lnTo>
+                <a:cubicBezTo>
+                  <a:pt x="4092707" y="1945539"/>
+                  <a:pt x="4092506" y="1944415"/>
+                  <a:pt x="4092306" y="1943291"/>
+                </a:cubicBezTo>
+                <a:lnTo>
+                  <a:pt x="4080234" y="1941219"/>
+                </a:lnTo>
+                <a:lnTo>
+                  <a:pt x="4077778" y="1940145"/>
+                </a:lnTo>
+                <a:cubicBezTo>
+                  <a:pt x="4073105" y="1938081"/>
+                  <a:pt x="4068339" y="1936119"/>
+                  <a:pt x="4062936" y="1934506"/>
+                </a:cubicBezTo>
+                <a:cubicBezTo>
+                  <a:pt x="4048082" y="1947155"/>
+                  <a:pt x="4014523" y="1922869"/>
+                  <a:pt x="4012506" y="1935475"/>
+                </a:cubicBezTo>
+                <a:cubicBezTo>
+                  <a:pt x="3980228" y="1928812"/>
+                  <a:pt x="3986775" y="1942559"/>
+                  <a:pt x="3965880" y="1925968"/>
+                </a:cubicBezTo>
+                <a:cubicBezTo>
+                  <a:pt x="3899515" y="1923414"/>
+                  <a:pt x="3830855" y="1902158"/>
+                  <a:pt x="3765338" y="1906649"/>
+                </a:cubicBezTo>
+                <a:cubicBezTo>
+                  <a:pt x="3780686" y="1902635"/>
+                  <a:pt x="3768784" y="1893856"/>
+                  <a:pt x="3749493" y="1893071"/>
+                </a:cubicBezTo>
+                <a:cubicBezTo>
+                  <a:pt x="3807776" y="1876857"/>
+                  <a:pt x="3656400" y="1898030"/>
+                  <a:pt x="3672704" y="1881383"/>
+                </a:cubicBezTo>
+                <a:cubicBezTo>
+                  <a:pt x="3645532" y="1893973"/>
+                  <a:pt x="3537791" y="1900656"/>
+                  <a:pt x="3530082" y="1883187"/>
+                </a:cubicBezTo>
+                <a:cubicBezTo>
+                  <a:pt x="3479808" y="1875044"/>
+                  <a:pt x="3426017" y="1877998"/>
+                  <a:pt x="3387664" y="1862579"/>
+                </a:cubicBezTo>
+                <a:cubicBezTo>
+                  <a:pt x="3382649" y="1863935"/>
+                  <a:pt x="3377277" y="1864791"/>
+                  <a:pt x="3371681" y="1865293"/>
+                </a:cubicBezTo>
+                <a:lnTo>
+                  <a:pt x="3355305" y="1865842"/>
+                </a:lnTo>
+                <a:lnTo>
+                  <a:pt x="3353790" y="1865158"/>
+                </a:lnTo>
+                <a:cubicBezTo>
+                  <a:pt x="3346144" y="1863282"/>
+                  <a:pt x="3340687" y="1863057"/>
+                  <a:pt x="3336210" y="1863564"/>
+                </a:cubicBezTo>
+                <a:lnTo>
+                  <a:pt x="3331381" y="1864716"/>
+                </a:lnTo>
+                <a:lnTo>
+                  <a:pt x="3319012" y="1864093"/>
+                </a:lnTo>
+                <a:lnTo>
+                  <a:pt x="3293818" y="1864135"/>
+                </a:lnTo>
+                <a:lnTo>
+                  <a:pt x="3289881" y="1862954"/>
+                </a:lnTo>
+                <a:lnTo>
+                  <a:pt x="3253090" y="1861164"/>
+                </a:lnTo>
+                <a:cubicBezTo>
+                  <a:pt x="3253042" y="1860968"/>
+                  <a:pt x="3252996" y="1860771"/>
+                  <a:pt x="3252949" y="1860574"/>
+                </a:cubicBezTo>
+                <a:cubicBezTo>
+                  <a:pt x="3251799" y="1859213"/>
+                  <a:pt x="3249368" y="1858131"/>
+                  <a:pt x="3244187" y="1857604"/>
+                </a:cubicBezTo>
+                <a:cubicBezTo>
+                  <a:pt x="3250860" y="1853873"/>
+                  <a:pt x="3250577" y="1852999"/>
+                  <a:pt x="3246570" y="1852946"/>
+                </a:cubicBezTo>
+                <a:lnTo>
+                  <a:pt x="3237810" y="1853064"/>
+                </a:lnTo>
+                <a:lnTo>
+                  <a:pt x="3230822" y="1855474"/>
+                </a:lnTo>
+                <a:cubicBezTo>
+                  <a:pt x="3206812" y="1862286"/>
+                  <a:pt x="3176733" y="1868865"/>
+                  <a:pt x="3136549" y="1874037"/>
+                </a:cubicBezTo>
+                <a:cubicBezTo>
+                  <a:pt x="3081163" y="1880168"/>
+                  <a:pt x="2902557" y="1900580"/>
+                  <a:pt x="2845754" y="1910932"/>
+                </a:cubicBezTo>
+                <a:cubicBezTo>
+                  <a:pt x="2860822" y="1944376"/>
+                  <a:pt x="2813389" y="1905358"/>
+                  <a:pt x="2786878" y="1917162"/>
+                </a:cubicBezTo>
+                <a:cubicBezTo>
+                  <a:pt x="2766803" y="1917398"/>
+                  <a:pt x="2741628" y="1915886"/>
+                  <a:pt x="2725298" y="1912340"/>
+                </a:cubicBezTo>
+                <a:cubicBezTo>
+                  <a:pt x="2716680" y="1911427"/>
+                  <a:pt x="2707572" y="1911972"/>
+                  <a:pt x="2697754" y="1914863"/>
+                </a:cubicBezTo>
+                <a:cubicBezTo>
+                  <a:pt x="2667185" y="1939014"/>
+                  <a:pt x="2622149" y="1926211"/>
+                  <a:pt x="2568063" y="1936283"/>
+                </a:cubicBezTo>
+                <a:cubicBezTo>
+                  <a:pt x="2552625" y="1932001"/>
+                  <a:pt x="2502682" y="1953378"/>
+                  <a:pt x="2489784" y="1943720"/>
+                </a:cubicBezTo>
+                <a:cubicBezTo>
+                  <a:pt x="2478524" y="1943155"/>
+                  <a:pt x="2467418" y="1949411"/>
+                  <a:pt x="2458978" y="1938095"/>
+                </a:cubicBezTo>
+                <a:cubicBezTo>
+                  <a:pt x="2417552" y="1934639"/>
+                  <a:pt x="2366376" y="1931293"/>
+                  <a:pt x="2318712" y="1934474"/>
+                </a:cubicBezTo>
+                <a:cubicBezTo>
+                  <a:pt x="2296029" y="1936526"/>
+                  <a:pt x="2282069" y="1938434"/>
+                  <a:pt x="2268709" y="1940521"/>
+                </a:cubicBezTo>
+                <a:lnTo>
+                  <a:pt x="2264080" y="1941232"/>
+                </a:lnTo>
+                <a:lnTo>
+                  <a:pt x="2254684" y="1943524"/>
+                </a:lnTo>
+                <a:lnTo>
+                  <a:pt x="2252523" y="1943004"/>
+                </a:lnTo>
+                <a:lnTo>
+                  <a:pt x="2173350" y="1929202"/>
+                </a:lnTo>
+                <a:lnTo>
+                  <a:pt x="2155266" y="1920267"/>
+                </a:lnTo>
+                <a:lnTo>
+                  <a:pt x="2091013" y="1914631"/>
+                </a:lnTo>
+                <a:cubicBezTo>
+                  <a:pt x="2033357" y="1920614"/>
+                  <a:pt x="2070513" y="1905065"/>
+                  <a:pt x="2030712" y="1897690"/>
+                </a:cubicBezTo>
+                <a:cubicBezTo>
+                  <a:pt x="1994539" y="1893055"/>
+                  <a:pt x="1958569" y="1883188"/>
+                  <a:pt x="1908838" y="1892222"/>
+                </a:cubicBezTo>
+                <a:cubicBezTo>
+                  <a:pt x="1897236" y="1896147"/>
+                  <a:pt x="1883338" y="1892415"/>
+                  <a:pt x="1877796" y="1883887"/>
+                </a:cubicBezTo>
+                <a:cubicBezTo>
+                  <a:pt x="1876842" y="1882419"/>
+                  <a:pt x="1876177" y="1880863"/>
+                  <a:pt x="1875824" y="1879265"/>
+                </a:cubicBezTo>
+                <a:cubicBezTo>
+                  <a:pt x="1843474" y="1887199"/>
+                  <a:pt x="1841511" y="1873818"/>
+                  <a:pt x="1823048" y="1881064"/>
+                </a:cubicBezTo>
+                <a:cubicBezTo>
+                  <a:pt x="1792640" y="1872164"/>
+                  <a:pt x="1782358" y="1850450"/>
+                  <a:pt x="1765736" y="1856578"/>
+                </a:cubicBezTo>
+                <a:cubicBezTo>
+                  <a:pt x="1753024" y="1849107"/>
+                  <a:pt x="1745932" y="1828316"/>
+                  <a:pt x="1725669" y="1833744"/>
+                </a:cubicBezTo>
+                <a:cubicBezTo>
+                  <a:pt x="1727428" y="1831405"/>
+                  <a:pt x="1726953" y="1830157"/>
+                  <a:pt x="1725216" y="1829447"/>
+                </a:cubicBezTo>
+                <a:lnTo>
+                  <a:pt x="1721485" y="1828960"/>
+                </a:lnTo>
+                <a:lnTo>
+                  <a:pt x="1717786" y="1832224"/>
+                </a:lnTo>
+                <a:cubicBezTo>
+                  <a:pt x="1703445" y="1843277"/>
+                  <a:pt x="1706547" y="1827935"/>
+                  <a:pt x="1689907" y="1825425"/>
+                </a:cubicBezTo>
+                <a:cubicBezTo>
+                  <a:pt x="1682338" y="1823445"/>
+                  <a:pt x="1685181" y="1820226"/>
+                  <a:pt x="1688093" y="1817391"/>
+                </a:cubicBezTo>
+                <a:lnTo>
+                  <a:pt x="1496789" y="1805297"/>
+                </a:lnTo>
+                <a:cubicBezTo>
+                  <a:pt x="1463551" y="1793913"/>
+                  <a:pt x="1426345" y="1786892"/>
+                  <a:pt x="1392839" y="1758649"/>
+                </a:cubicBezTo>
+                <a:cubicBezTo>
+                  <a:pt x="1386461" y="1750573"/>
+                  <a:pt x="1374031" y="1756918"/>
+                  <a:pt x="1360872" y="1752441"/>
+                </a:cubicBezTo>
+                <a:cubicBezTo>
+                  <a:pt x="1347711" y="1747963"/>
+                  <a:pt x="1332751" y="1735898"/>
+                  <a:pt x="1313885" y="1731785"/>
+                </a:cubicBezTo>
+                <a:cubicBezTo>
+                  <a:pt x="1281989" y="1726305"/>
+                  <a:pt x="1256405" y="1739744"/>
+                  <a:pt x="1247665" y="1727765"/>
+                </a:cubicBezTo>
+                <a:cubicBezTo>
+                  <a:pt x="1231363" y="1728538"/>
+                  <a:pt x="1209120" y="1742556"/>
+                  <a:pt x="1196850" y="1729622"/>
+                </a:cubicBezTo>
+                <a:cubicBezTo>
+                  <a:pt x="1195195" y="1740224"/>
+                  <a:pt x="1178147" y="1721561"/>
+                  <a:pt x="1168728" y="1728550"/>
+                </a:cubicBezTo>
+                <a:cubicBezTo>
+                  <a:pt x="1152073" y="1727193"/>
+                  <a:pt x="1122804" y="1725926"/>
+                  <a:pt x="1096918" y="1721485"/>
+                </a:cubicBezTo>
+                <a:lnTo>
+                  <a:pt x="1094082" y="1720113"/>
+                </a:lnTo>
+                <a:lnTo>
+                  <a:pt x="1040782" y="1721762"/>
+                </a:lnTo>
+                <a:cubicBezTo>
+                  <a:pt x="987172" y="1722352"/>
+                  <a:pt x="1023272" y="1708707"/>
+                  <a:pt x="955980" y="1719289"/>
+                </a:cubicBezTo>
+                <a:cubicBezTo>
+                  <a:pt x="948995" y="1714208"/>
+                  <a:pt x="940521" y="1713816"/>
+                  <a:pt x="926108" y="1715917"/>
+                </a:cubicBezTo>
+                <a:cubicBezTo>
+                  <a:pt x="900077" y="1715834"/>
+                  <a:pt x="902688" y="1703436"/>
+                  <a:pt x="876049" y="1710422"/>
+                </a:cubicBezTo>
+                <a:cubicBezTo>
+                  <a:pt x="881084" y="1703830"/>
+                  <a:pt x="826830" y="1706893"/>
+                  <a:pt x="839194" y="1700176"/>
+                </a:cubicBezTo>
+                <a:cubicBezTo>
+                  <a:pt x="822548" y="1693764"/>
+                  <a:pt x="813674" y="1703628"/>
+                  <a:pt x="797112" y="1698014"/>
+                </a:cubicBezTo>
+                <a:cubicBezTo>
+                  <a:pt x="778195" y="1696418"/>
+                  <a:pt x="807647" y="1705364"/>
+                  <a:pt x="786610" y="1705455"/>
+                </a:cubicBezTo>
+                <a:cubicBezTo>
+                  <a:pt x="761170" y="1704357"/>
+                  <a:pt x="760599" y="1716610"/>
+                  <a:pt x="741833" y="1700566"/>
+                </a:cubicBezTo>
+                <a:lnTo>
+                  <a:pt x="673985" y="1692278"/>
+                </a:lnTo>
+                <a:cubicBezTo>
+                  <a:pt x="658515" y="1695829"/>
+                  <a:pt x="646395" y="1693620"/>
+                  <a:pt x="634665" y="1689550"/>
+                </a:cubicBezTo>
+                <a:cubicBezTo>
+                  <a:pt x="599149" y="1689690"/>
+                  <a:pt x="567176" y="1683160"/>
+                  <a:pt x="527471" y="1679869"/>
+                </a:cubicBezTo>
+                <a:cubicBezTo>
+                  <a:pt x="484099" y="1683240"/>
+                  <a:pt x="462693" y="1671949"/>
+                  <a:pt x="420260" y="1668475"/>
+                </a:cubicBezTo>
+                <a:cubicBezTo>
+                  <a:pt x="377482" y="1677390"/>
+                  <a:pt x="393500" y="1652730"/>
+                  <a:pt x="357630" y="1652142"/>
+                </a:cubicBezTo>
+                <a:cubicBezTo>
+                  <a:pt x="298692" y="1659518"/>
+                  <a:pt x="359631" y="1643849"/>
+                  <a:pt x="269407" y="1643812"/>
+                </a:cubicBezTo>
+                <a:cubicBezTo>
+                  <a:pt x="264204" y="1645215"/>
+                  <a:pt x="253436" y="1643159"/>
+                  <a:pt x="254769" y="1641013"/>
+                </a:cubicBezTo>
+                <a:cubicBezTo>
+                  <a:pt x="234996" y="1641090"/>
+                  <a:pt x="179093" y="1626583"/>
+                  <a:pt x="150763" y="1628143"/>
+                </a:cubicBezTo>
+                <a:cubicBezTo>
+                  <a:pt x="96232" y="1619954"/>
+                  <a:pt x="68845" y="1629422"/>
+                  <a:pt x="29133" y="1626172"/>
+                </a:cubicBezTo>
+                <a:lnTo>
+                  <a:pt x="0" y="1619589"/>
+                </a:lnTo>
+                <a:close/>
+              </a:path>
+            </a:pathLst>
+          </a:custGeom>
+          <a:solidFill>
+            <a:srgbClr val="82766A">
+              <a:alpha val="15000"/>
+            </a:srgbClr>
+          </a:solidFill>
+          <a:ln w="12700" cap="flat" cmpd="sng" algn="ctr">
+            <a:noFill/>
+            <a:prstDash val="solid"/>
+            <a:miter lim="800000"/>
+          </a:ln>
+          <a:effectLst/>
+        </p:spPr>
+        <p:style>
+          <a:lnRef idx="2">
+            <a:schemeClr val="accent1">
+              <a:shade val="50000"/>
+            </a:schemeClr>
+          </a:lnRef>
+          <a:fillRef idx="1">
+            <a:schemeClr val="accent1"/>
+          </a:fillRef>
+          <a:effectRef idx="0">
+            <a:schemeClr val="accent1"/>
+          </a:effectRef>
+          <a:fontRef idx="minor">
+            <a:schemeClr val="lt1"/>
+          </a:fontRef>
+        </p:style>
+        <p:txBody>
+          <a:bodyPr wrap="square" rtlCol="0" anchor="ctr">
+            <a:noAutofit/>
+          </a:bodyPr>
+          <a:lstStyle/>
+          <a:p>
+            <a:pPr algn="ctr"/>
+            <a:endParaRPr lang="en-US"/>
+          </a:p>
+        </p:txBody>
+      </p:sp>
+      <p:sp>
+        <p:nvSpPr>
+          <p:cNvPr id="2" name="Title 1">
+            <a:extLst>
+              <a:ext uri="{FF2B5EF4-FFF2-40B4-BE49-F238E27FC236}">
+                <a16:creationId xmlns:a16="http://schemas.microsoft.com/office/drawing/2014/main" id="{7DCC60EE-9B36-59B3-2D5D-959A1EA65386}"/>
+              </a:ext>
+            </a:extLst>
+          </p:cNvPr>
+          <p:cNvSpPr>
+            <a:spLocks noGrp="1"/>
+          </p:cNvSpPr>
+          <p:nvPr>
+            <p:ph type="title"/>
+          </p:nvPr>
+        </p:nvSpPr>
+        <p:spPr>
+          <a:xfrm>
+            <a:off x="828675" y="494414"/>
+            <a:ext cx="10534650" cy="817403"/>
+          </a:xfrm>
+        </p:spPr>
+        <p:txBody>
+          <a:bodyPr vert="horz" lIns="91440" tIns="45720" rIns="91440" bIns="45720" rtlCol="0" anchor="b">
+            <a:normAutofit/>
+          </a:bodyPr>
+          <a:lstStyle/>
+          <a:p>
+            <a:pPr algn="ctr"/>
+            <a:r>
+              <a:rPr lang="en-US" sz="3600" kern="1200" dirty="0">
+                <a:solidFill>
+                  <a:schemeClr val="tx1"/>
+                </a:solidFill>
+                <a:latin typeface="+mj-lt"/>
+                <a:ea typeface="+mj-ea"/>
+                <a:cs typeface="+mj-cs"/>
+              </a:rPr>
+              <a:t>AWS </a:t>
+            </a:r>
+            <a:r>
+              <a:rPr lang="en-US" sz="3600" i="0" kern="1200" dirty="0">
+                <a:solidFill>
+                  <a:schemeClr val="tx1"/>
+                </a:solidFill>
+                <a:effectLst/>
+                <a:latin typeface="+mj-lt"/>
+                <a:ea typeface="+mj-ea"/>
+                <a:cs typeface="+mj-cs"/>
+              </a:rPr>
+              <a:t>DMS Schema Conversion</a:t>
+            </a:r>
+            <a:endParaRPr lang="en-US" sz="3600" kern="1200" dirty="0">
+              <a:solidFill>
+                <a:schemeClr val="tx1"/>
+              </a:solidFill>
+              <a:latin typeface="+mj-lt"/>
+              <a:ea typeface="+mj-ea"/>
+              <a:cs typeface="+mj-cs"/>
+            </a:endParaRPr>
+          </a:p>
+        </p:txBody>
+      </p:sp>
+      <p:pic>
+        <p:nvPicPr>
+          <p:cNvPr id="5122" name="Picture 2" descr="&#10;            An architecture diagram of the DMS Schema Conversion feature.&#10;        ">
+            <a:extLst>
+              <a:ext uri="{FF2B5EF4-FFF2-40B4-BE49-F238E27FC236}">
+                <a16:creationId xmlns:a16="http://schemas.microsoft.com/office/drawing/2014/main" id="{184666C2-A14A-049B-D4E3-84CC6F1C1642}"/>
+              </a:ext>
+            </a:extLst>
+          </p:cNvPr>
+          <p:cNvPicPr>
+            <a:picLocks noChangeAspect="1" noChangeArrowheads="1"/>
+          </p:cNvPicPr>
+          <p:nvPr/>
+        </p:nvPicPr>
+        <p:blipFill>
+          <a:blip r:embed="rId2">
+            <a:extLst>
+              <a:ext uri="{28A0092B-C50C-407E-A947-70E740481C1C}">
+                <a14:useLocalDpi xmlns:a14="http://schemas.microsoft.com/office/drawing/2010/main" val="0"/>
+              </a:ext>
+            </a:extLst>
+          </a:blip>
+          <a:stretch>
+            <a:fillRect/>
+          </a:stretch>
+        </p:blipFill>
+        <p:spPr bwMode="auto">
+          <a:xfrm>
+            <a:off x="723900" y="2622641"/>
+            <a:ext cx="10744200" cy="3411280"/>
+          </a:xfrm>
+          <a:prstGeom prst="rect">
+            <a:avLst/>
+          </a:prstGeom>
+          <a:noFill/>
+          <a:extLst>
+            <a:ext uri="{909E8E84-426E-40DD-AFC4-6F175D3DCCD1}">
+              <a14:hiddenFill xmlns:a14="http://schemas.microsoft.com/office/drawing/2010/main">
+                <a:solidFill>
+                  <a:srgbClr val="FFFFFF"/>
+                </a:solidFill>
+              </a14:hiddenFill>
+            </a:ext>
+          </a:extLst>
+        </p:spPr>
+      </p:pic>
+    </p:spTree>
+    <p:extLst>
+      <p:ext uri="{BB962C8B-B14F-4D97-AF65-F5344CB8AC3E}">
+        <p14:creationId xmlns:p14="http://schemas.microsoft.com/office/powerpoint/2010/main" val="16349356"/>
+      </p:ext>
+    </p:extLst>
+  </p:cSld>
+  <p:clrMapOvr>
+    <a:masterClrMapping/>
+  </p:clrMapOvr>
+</p:sld>
+</file>
+
+<file path=ppt/slides/slide11.xml><?xml version="1.0" encoding="utf-8"?>
+<p:sld xmlns:a="http://schemas.openxmlformats.org/drawingml/2006/main" xmlns:r="http://schemas.openxmlformats.org/officeDocument/2006/relationships" xmlns:p="http://schemas.openxmlformats.org/presentationml/2006/main">
+  <p:cSld>
+    <p:bg>
+      <p:bgPr>
+        <a:solidFill>
+          <a:schemeClr val="bg1"/>
+        </a:solidFill>
+        <a:effectLst/>
+      </p:bgPr>
+    </p:bg>
+    <p:spTree>
+      <p:nvGrpSpPr>
+        <p:cNvPr id="1" name=""/>
+        <p:cNvGrpSpPr/>
+        <p:nvPr/>
+      </p:nvGrpSpPr>
+      <p:grpSpPr>
+        <a:xfrm>
+          <a:off x="0" y="0"/>
+          <a:ext cx="0" cy="0"/>
+          <a:chOff x="0" y="0"/>
+          <a:chExt cx="0" cy="0"/>
+        </a:xfrm>
+      </p:grpSpPr>
+      <p:sp useBgFill="1">
+        <p:nvSpPr>
           <p:cNvPr id="21" name="Rectangle 20">
             <a:extLst>
               <a:ext uri="{FF2B5EF4-FFF2-40B4-BE49-F238E27FC236}">
@@ -4538,7 +7113,7 @@
 </p:sld>
 </file>
 
-<file path=ppt/slides/slide11.xml><?xml version="1.0" encoding="utf-8"?>
+<file path=ppt/slides/slide12.xml><?xml version="1.0" encoding="utf-8"?>
 <p:sld xmlns:a="http://schemas.openxmlformats.org/drawingml/2006/main" xmlns:r="http://schemas.openxmlformats.org/officeDocument/2006/relationships" xmlns:p="http://schemas.openxmlformats.org/presentationml/2006/main">
   <p:cSld>
     <p:bg>
@@ -5028,7 +7603,7 @@
 </p:sld>
 </file>
 
-<file path=ppt/slides/slide12.xml><?xml version="1.0" encoding="utf-8"?>
+<file path=ppt/slides/slide13.xml><?xml version="1.0" encoding="utf-8"?>
 <p:sld xmlns:a="http://schemas.openxmlformats.org/drawingml/2006/main" xmlns:r="http://schemas.openxmlformats.org/officeDocument/2006/relationships" xmlns:p="http://schemas.openxmlformats.org/presentationml/2006/main">
   <p:cSld>
     <p:bg>
@@ -5625,7 +8200,7 @@
 </p:sld>
 </file>
 
-<file path=ppt/slides/slide13.xml><?xml version="1.0" encoding="utf-8"?>
+<file path=ppt/slides/slide14.xml><?xml version="1.0" encoding="utf-8"?>
 <p:sld xmlns:a="http://schemas.openxmlformats.org/drawingml/2006/main" xmlns:r="http://schemas.openxmlformats.org/officeDocument/2006/relationships" xmlns:p="http://schemas.openxmlformats.org/presentationml/2006/main">
   <p:cSld>
     <p:bg>
@@ -6575,6 +9150,995 @@
       </p:grpSpPr>
       <p:sp useBgFill="1">
         <p:nvSpPr>
+          <p:cNvPr id="8" name="Rectangle 7">
+            <a:extLst>
+              <a:ext uri="{FF2B5EF4-FFF2-40B4-BE49-F238E27FC236}">
+                <a16:creationId xmlns:a16="http://schemas.microsoft.com/office/drawing/2014/main" id="{100EDD19-6802-4EC3-95CE-CFFAB042CFD6}"/>
+              </a:ext>
+              <a:ext uri="{C183D7F6-B498-43B3-948B-1728B52AA6E4}">
+                <adec:decorative xmlns:adec="http://schemas.microsoft.com/office/drawing/2017/decorative" val="1"/>
+              </a:ext>
+            </a:extLst>
+          </p:cNvPr>
+          <p:cNvSpPr>
+            <a:spLocks noGrp="1" noRot="1" noChangeAspect="1" noMove="1" noResize="1" noEditPoints="1" noAdjustHandles="1" noChangeArrowheads="1" noChangeShapeType="1" noTextEdit="1"/>
+          </p:cNvSpPr>
+          <p:nvPr>
+            <p:extLst>
+              <p:ext uri="{386F3935-93C4-4BCD-93E2-E3B085C9AB24}">
+                <p16:designElem xmlns:p16="http://schemas.microsoft.com/office/powerpoint/2015/main" val="1"/>
+              </p:ext>
+            </p:extLst>
+          </p:nvPr>
+        </p:nvSpPr>
+        <p:spPr>
+          <a:xfrm>
+            <a:off x="0" y="0"/>
+            <a:ext cx="12188952" cy="6858000"/>
+          </a:xfrm>
+          <a:prstGeom prst="rect">
+            <a:avLst/>
+          </a:prstGeom>
+          <a:ln>
+            <a:noFill/>
+          </a:ln>
+        </p:spPr>
+        <p:style>
+          <a:lnRef idx="2">
+            <a:schemeClr val="accent1">
+              <a:shade val="50000"/>
+            </a:schemeClr>
+          </a:lnRef>
+          <a:fillRef idx="1">
+            <a:schemeClr val="accent1"/>
+          </a:fillRef>
+          <a:effectRef idx="0">
+            <a:schemeClr val="accent1"/>
+          </a:effectRef>
+          <a:fontRef idx="minor">
+            <a:schemeClr val="lt1"/>
+          </a:fontRef>
+        </p:style>
+        <p:txBody>
+          <a:bodyPr rtlCol="0" anchor="ctr"/>
+          <a:lstStyle/>
+          <a:p>
+            <a:pPr algn="ctr"/>
+            <a:endParaRPr lang="en-US"/>
+          </a:p>
+        </p:txBody>
+      </p:sp>
+      <p:sp>
+        <p:nvSpPr>
+          <p:cNvPr id="2" name="Title 1">
+            <a:extLst>
+              <a:ext uri="{FF2B5EF4-FFF2-40B4-BE49-F238E27FC236}">
+                <a16:creationId xmlns:a16="http://schemas.microsoft.com/office/drawing/2014/main" id="{EAD9E133-D63C-9F0E-A6CE-EFD0CB41D804}"/>
+              </a:ext>
+            </a:extLst>
+          </p:cNvPr>
+          <p:cNvSpPr>
+            <a:spLocks noGrp="1"/>
+          </p:cNvSpPr>
+          <p:nvPr>
+            <p:ph type="title"/>
+          </p:nvPr>
+        </p:nvSpPr>
+        <p:spPr>
+          <a:xfrm>
+            <a:off x="838200" y="365125"/>
+            <a:ext cx="10515600" cy="1325563"/>
+          </a:xfrm>
+        </p:spPr>
+        <p:txBody>
+          <a:bodyPr>
+            <a:normAutofit/>
+          </a:bodyPr>
+          <a:lstStyle/>
+          <a:p>
+            <a:r>
+              <a:rPr lang="en-CH" sz="5400"/>
+              <a:t>AWS DMS</a:t>
+            </a:r>
+          </a:p>
+        </p:txBody>
+      </p:sp>
+      <p:sp>
+        <p:nvSpPr>
+          <p:cNvPr id="10" name="sketch line">
+            <a:extLst>
+              <a:ext uri="{FF2B5EF4-FFF2-40B4-BE49-F238E27FC236}">
+                <a16:creationId xmlns:a16="http://schemas.microsoft.com/office/drawing/2014/main" id="{DB17E863-922E-4C26-BD64-E8FD41D28661}"/>
+              </a:ext>
+              <a:ext uri="{C183D7F6-B498-43B3-948B-1728B52AA6E4}">
+                <adec:decorative xmlns:adec="http://schemas.microsoft.com/office/drawing/2017/decorative" val="1"/>
+              </a:ext>
+            </a:extLst>
+          </p:cNvPr>
+          <p:cNvSpPr>
+            <a:spLocks noGrp="1" noRot="1" noChangeAspect="1" noMove="1" noResize="1" noEditPoints="1" noAdjustHandles="1" noChangeArrowheads="1" noChangeShapeType="1" noTextEdit="1"/>
+          </p:cNvSpPr>
+          <p:nvPr>
+            <p:extLst>
+              <p:ext uri="{386F3935-93C4-4BCD-93E2-E3B085C9AB24}">
+                <p16:designElem xmlns:p16="http://schemas.microsoft.com/office/powerpoint/2015/main" val="1"/>
+              </p:ext>
+            </p:extLst>
+          </p:nvPr>
+        </p:nvSpPr>
+        <p:spPr>
+          <a:xfrm>
+            <a:off x="669036" y="1677373"/>
+            <a:ext cx="10853928" cy="18288"/>
+          </a:xfrm>
+          <a:custGeom>
+            <a:avLst/>
+            <a:gdLst>
+              <a:gd name="connsiteX0" fmla="*/ 0 w 10853928"/>
+              <a:gd name="connsiteY0" fmla="*/ 0 h 18288"/>
+              <a:gd name="connsiteX1" fmla="*/ 461292 w 10853928"/>
+              <a:gd name="connsiteY1" fmla="*/ 0 h 18288"/>
+              <a:gd name="connsiteX2" fmla="*/ 1139662 w 10853928"/>
+              <a:gd name="connsiteY2" fmla="*/ 0 h 18288"/>
+              <a:gd name="connsiteX3" fmla="*/ 1926572 w 10853928"/>
+              <a:gd name="connsiteY3" fmla="*/ 0 h 18288"/>
+              <a:gd name="connsiteX4" fmla="*/ 2279325 w 10853928"/>
+              <a:gd name="connsiteY4" fmla="*/ 0 h 18288"/>
+              <a:gd name="connsiteX5" fmla="*/ 2632078 w 10853928"/>
+              <a:gd name="connsiteY5" fmla="*/ 0 h 18288"/>
+              <a:gd name="connsiteX6" fmla="*/ 3527527 w 10853928"/>
+              <a:gd name="connsiteY6" fmla="*/ 0 h 18288"/>
+              <a:gd name="connsiteX7" fmla="*/ 4205897 w 10853928"/>
+              <a:gd name="connsiteY7" fmla="*/ 0 h 18288"/>
+              <a:gd name="connsiteX8" fmla="*/ 4558650 w 10853928"/>
+              <a:gd name="connsiteY8" fmla="*/ 0 h 18288"/>
+              <a:gd name="connsiteX9" fmla="*/ 5237020 w 10853928"/>
+              <a:gd name="connsiteY9" fmla="*/ 0 h 18288"/>
+              <a:gd name="connsiteX10" fmla="*/ 6132469 w 10853928"/>
+              <a:gd name="connsiteY10" fmla="*/ 0 h 18288"/>
+              <a:gd name="connsiteX11" fmla="*/ 6702301 w 10853928"/>
+              <a:gd name="connsiteY11" fmla="*/ 0 h 18288"/>
+              <a:gd name="connsiteX12" fmla="*/ 7272132 w 10853928"/>
+              <a:gd name="connsiteY12" fmla="*/ 0 h 18288"/>
+              <a:gd name="connsiteX13" fmla="*/ 7950502 w 10853928"/>
+              <a:gd name="connsiteY13" fmla="*/ 0 h 18288"/>
+              <a:gd name="connsiteX14" fmla="*/ 8737412 w 10853928"/>
+              <a:gd name="connsiteY14" fmla="*/ 0 h 18288"/>
+              <a:gd name="connsiteX15" fmla="*/ 9524322 w 10853928"/>
+              <a:gd name="connsiteY15" fmla="*/ 0 h 18288"/>
+              <a:gd name="connsiteX16" fmla="*/ 10853928 w 10853928"/>
+              <a:gd name="connsiteY16" fmla="*/ 0 h 18288"/>
+              <a:gd name="connsiteX17" fmla="*/ 10853928 w 10853928"/>
+              <a:gd name="connsiteY17" fmla="*/ 18288 h 18288"/>
+              <a:gd name="connsiteX18" fmla="*/ 10392636 w 10853928"/>
+              <a:gd name="connsiteY18" fmla="*/ 18288 h 18288"/>
+              <a:gd name="connsiteX19" fmla="*/ 9497187 w 10853928"/>
+              <a:gd name="connsiteY19" fmla="*/ 18288 h 18288"/>
+              <a:gd name="connsiteX20" fmla="*/ 8818817 w 10853928"/>
+              <a:gd name="connsiteY20" fmla="*/ 18288 h 18288"/>
+              <a:gd name="connsiteX21" fmla="*/ 8466064 w 10853928"/>
+              <a:gd name="connsiteY21" fmla="*/ 18288 h 18288"/>
+              <a:gd name="connsiteX22" fmla="*/ 7787693 w 10853928"/>
+              <a:gd name="connsiteY22" fmla="*/ 18288 h 18288"/>
+              <a:gd name="connsiteX23" fmla="*/ 7217862 w 10853928"/>
+              <a:gd name="connsiteY23" fmla="*/ 18288 h 18288"/>
+              <a:gd name="connsiteX24" fmla="*/ 6648031 w 10853928"/>
+              <a:gd name="connsiteY24" fmla="*/ 18288 h 18288"/>
+              <a:gd name="connsiteX25" fmla="*/ 6078200 w 10853928"/>
+              <a:gd name="connsiteY25" fmla="*/ 18288 h 18288"/>
+              <a:gd name="connsiteX26" fmla="*/ 5508368 w 10853928"/>
+              <a:gd name="connsiteY26" fmla="*/ 18288 h 18288"/>
+              <a:gd name="connsiteX27" fmla="*/ 4721459 w 10853928"/>
+              <a:gd name="connsiteY27" fmla="*/ 18288 h 18288"/>
+              <a:gd name="connsiteX28" fmla="*/ 4043088 w 10853928"/>
+              <a:gd name="connsiteY28" fmla="*/ 18288 h 18288"/>
+              <a:gd name="connsiteX29" fmla="*/ 3690336 w 10853928"/>
+              <a:gd name="connsiteY29" fmla="*/ 18288 h 18288"/>
+              <a:gd name="connsiteX30" fmla="*/ 3120504 w 10853928"/>
+              <a:gd name="connsiteY30" fmla="*/ 18288 h 18288"/>
+              <a:gd name="connsiteX31" fmla="*/ 2333595 w 10853928"/>
+              <a:gd name="connsiteY31" fmla="*/ 18288 h 18288"/>
+              <a:gd name="connsiteX32" fmla="*/ 1872303 w 10853928"/>
+              <a:gd name="connsiteY32" fmla="*/ 18288 h 18288"/>
+              <a:gd name="connsiteX33" fmla="*/ 976854 w 10853928"/>
+              <a:gd name="connsiteY33" fmla="*/ 18288 h 18288"/>
+              <a:gd name="connsiteX34" fmla="*/ 0 w 10853928"/>
+              <a:gd name="connsiteY34" fmla="*/ 18288 h 18288"/>
+              <a:gd name="connsiteX35" fmla="*/ 0 w 10853928"/>
+              <a:gd name="connsiteY35" fmla="*/ 0 h 18288"/>
+            </a:gdLst>
+            <a:ahLst/>
+            <a:cxnLst>
+              <a:cxn ang="0">
+                <a:pos x="connsiteX0" y="connsiteY0"/>
+              </a:cxn>
+              <a:cxn ang="0">
+                <a:pos x="connsiteX1" y="connsiteY1"/>
+              </a:cxn>
+              <a:cxn ang="0">
+                <a:pos x="connsiteX2" y="connsiteY2"/>
+              </a:cxn>
+              <a:cxn ang="0">
+                <a:pos x="connsiteX3" y="connsiteY3"/>
+              </a:cxn>
+              <a:cxn ang="0">
+                <a:pos x="connsiteX4" y="connsiteY4"/>
+              </a:cxn>
+              <a:cxn ang="0">
+                <a:pos x="connsiteX5" y="connsiteY5"/>
+              </a:cxn>
+              <a:cxn ang="0">
+                <a:pos x="connsiteX6" y="connsiteY6"/>
+              </a:cxn>
+              <a:cxn ang="0">
+                <a:pos x="connsiteX7" y="connsiteY7"/>
+              </a:cxn>
+              <a:cxn ang="0">
+                <a:pos x="connsiteX8" y="connsiteY8"/>
+              </a:cxn>
+              <a:cxn ang="0">
+                <a:pos x="connsiteX9" y="connsiteY9"/>
+              </a:cxn>
+              <a:cxn ang="0">
+                <a:pos x="connsiteX10" y="connsiteY10"/>
+              </a:cxn>
+              <a:cxn ang="0">
+                <a:pos x="connsiteX11" y="connsiteY11"/>
+              </a:cxn>
+              <a:cxn ang="0">
+                <a:pos x="connsiteX12" y="connsiteY12"/>
+              </a:cxn>
+              <a:cxn ang="0">
+                <a:pos x="connsiteX13" y="connsiteY13"/>
+              </a:cxn>
+              <a:cxn ang="0">
+                <a:pos x="connsiteX14" y="connsiteY14"/>
+              </a:cxn>
+              <a:cxn ang="0">
+                <a:pos x="connsiteX15" y="connsiteY15"/>
+              </a:cxn>
+              <a:cxn ang="0">
+                <a:pos x="connsiteX16" y="connsiteY16"/>
+              </a:cxn>
+              <a:cxn ang="0">
+                <a:pos x="connsiteX17" y="connsiteY17"/>
+              </a:cxn>
+              <a:cxn ang="0">
+                <a:pos x="connsiteX18" y="connsiteY18"/>
+              </a:cxn>
+              <a:cxn ang="0">
+                <a:pos x="connsiteX19" y="connsiteY19"/>
+              </a:cxn>
+              <a:cxn ang="0">
+                <a:pos x="connsiteX20" y="connsiteY20"/>
+              </a:cxn>
+              <a:cxn ang="0">
+                <a:pos x="connsiteX21" y="connsiteY21"/>
+              </a:cxn>
+              <a:cxn ang="0">
+                <a:pos x="connsiteX22" y="connsiteY22"/>
+              </a:cxn>
+              <a:cxn ang="0">
+                <a:pos x="connsiteX23" y="connsiteY23"/>
+              </a:cxn>
+              <a:cxn ang="0">
+                <a:pos x="connsiteX24" y="connsiteY24"/>
+              </a:cxn>
+              <a:cxn ang="0">
+                <a:pos x="connsiteX25" y="connsiteY25"/>
+              </a:cxn>
+              <a:cxn ang="0">
+                <a:pos x="connsiteX26" y="connsiteY26"/>
+              </a:cxn>
+              <a:cxn ang="0">
+                <a:pos x="connsiteX27" y="connsiteY27"/>
+              </a:cxn>
+              <a:cxn ang="0">
+                <a:pos x="connsiteX28" y="connsiteY28"/>
+              </a:cxn>
+              <a:cxn ang="0">
+                <a:pos x="connsiteX29" y="connsiteY29"/>
+              </a:cxn>
+              <a:cxn ang="0">
+                <a:pos x="connsiteX30" y="connsiteY30"/>
+              </a:cxn>
+              <a:cxn ang="0">
+                <a:pos x="connsiteX31" y="connsiteY31"/>
+              </a:cxn>
+              <a:cxn ang="0">
+                <a:pos x="connsiteX32" y="connsiteY32"/>
+              </a:cxn>
+              <a:cxn ang="0">
+                <a:pos x="connsiteX33" y="connsiteY33"/>
+              </a:cxn>
+              <a:cxn ang="0">
+                <a:pos x="connsiteX34" y="connsiteY34"/>
+              </a:cxn>
+              <a:cxn ang="0">
+                <a:pos x="connsiteX35" y="connsiteY35"/>
+              </a:cxn>
+            </a:cxnLst>
+            <a:rect l="l" t="t" r="r" b="b"/>
+            <a:pathLst>
+              <a:path w="10853928" h="18288" fill="none" extrusionOk="0">
+                <a:moveTo>
+                  <a:pt x="0" y="0"/>
+                </a:moveTo>
+                <a:cubicBezTo>
+                  <a:pt x="146993" y="-19076"/>
+                  <a:pt x="347684" y="-4790"/>
+                  <a:pt x="461292" y="0"/>
+                </a:cubicBezTo>
+                <a:cubicBezTo>
+                  <a:pt x="574900" y="4790"/>
+                  <a:pt x="808367" y="19821"/>
+                  <a:pt x="1139662" y="0"/>
+                </a:cubicBezTo>
+                <a:cubicBezTo>
+                  <a:pt x="1470957" y="-19821"/>
+                  <a:pt x="1627405" y="5721"/>
+                  <a:pt x="1926572" y="0"/>
+                </a:cubicBezTo>
+                <a:cubicBezTo>
+                  <a:pt x="2225739" y="-5721"/>
+                  <a:pt x="2137730" y="-3235"/>
+                  <a:pt x="2279325" y="0"/>
+                </a:cubicBezTo>
+                <a:cubicBezTo>
+                  <a:pt x="2420920" y="3235"/>
+                  <a:pt x="2456518" y="9685"/>
+                  <a:pt x="2632078" y="0"/>
+                </a:cubicBezTo>
+                <a:cubicBezTo>
+                  <a:pt x="2807638" y="-9685"/>
+                  <a:pt x="3211516" y="-43007"/>
+                  <a:pt x="3527527" y="0"/>
+                </a:cubicBezTo>
+                <a:cubicBezTo>
+                  <a:pt x="3843538" y="43007"/>
+                  <a:pt x="4058833" y="22042"/>
+                  <a:pt x="4205897" y="0"/>
+                </a:cubicBezTo>
+                <a:cubicBezTo>
+                  <a:pt x="4352961" y="-22042"/>
+                  <a:pt x="4474805" y="-11846"/>
+                  <a:pt x="4558650" y="0"/>
+                </a:cubicBezTo>
+                <a:cubicBezTo>
+                  <a:pt x="4642495" y="11846"/>
+                  <a:pt x="5041928" y="-6069"/>
+                  <a:pt x="5237020" y="0"/>
+                </a:cubicBezTo>
+                <a:cubicBezTo>
+                  <a:pt x="5432112" y="6069"/>
+                  <a:pt x="5943266" y="-17479"/>
+                  <a:pt x="6132469" y="0"/>
+                </a:cubicBezTo>
+                <a:cubicBezTo>
+                  <a:pt x="6321672" y="17479"/>
+                  <a:pt x="6483872" y="26234"/>
+                  <a:pt x="6702301" y="0"/>
+                </a:cubicBezTo>
+                <a:cubicBezTo>
+                  <a:pt x="6920730" y="-26234"/>
+                  <a:pt x="6991194" y="-15156"/>
+                  <a:pt x="7272132" y="0"/>
+                </a:cubicBezTo>
+                <a:cubicBezTo>
+                  <a:pt x="7553070" y="15156"/>
+                  <a:pt x="7684444" y="-32961"/>
+                  <a:pt x="7950502" y="0"/>
+                </a:cubicBezTo>
+                <a:cubicBezTo>
+                  <a:pt x="8216560" y="32961"/>
+                  <a:pt x="8493290" y="-10491"/>
+                  <a:pt x="8737412" y="0"/>
+                </a:cubicBezTo>
+                <a:cubicBezTo>
+                  <a:pt x="8981534" y="10491"/>
+                  <a:pt x="9191586" y="-13899"/>
+                  <a:pt x="9524322" y="0"/>
+                </a:cubicBezTo>
+                <a:cubicBezTo>
+                  <a:pt x="9857058" y="13899"/>
+                  <a:pt x="10297509" y="7485"/>
+                  <a:pt x="10853928" y="0"/>
+                </a:cubicBezTo>
+                <a:cubicBezTo>
+                  <a:pt x="10854574" y="4451"/>
+                  <a:pt x="10854418" y="9226"/>
+                  <a:pt x="10853928" y="18288"/>
+                </a:cubicBezTo>
+                <a:cubicBezTo>
+                  <a:pt x="10691638" y="28522"/>
+                  <a:pt x="10574319" y="29578"/>
+                  <a:pt x="10392636" y="18288"/>
+                </a:cubicBezTo>
+                <a:cubicBezTo>
+                  <a:pt x="10210953" y="6998"/>
+                  <a:pt x="9836277" y="-16742"/>
+                  <a:pt x="9497187" y="18288"/>
+                </a:cubicBezTo>
+                <a:cubicBezTo>
+                  <a:pt x="9158097" y="53318"/>
+                  <a:pt x="9119479" y="30714"/>
+                  <a:pt x="8818817" y="18288"/>
+                </a:cubicBezTo>
+                <a:cubicBezTo>
+                  <a:pt x="8518155" y="5863"/>
+                  <a:pt x="8640037" y="6483"/>
+                  <a:pt x="8466064" y="18288"/>
+                </a:cubicBezTo>
+                <a:cubicBezTo>
+                  <a:pt x="8292091" y="30093"/>
+                  <a:pt x="7997656" y="18914"/>
+                  <a:pt x="7787693" y="18288"/>
+                </a:cubicBezTo>
+                <a:cubicBezTo>
+                  <a:pt x="7577730" y="17662"/>
+                  <a:pt x="7412468" y="21416"/>
+                  <a:pt x="7217862" y="18288"/>
+                </a:cubicBezTo>
+                <a:cubicBezTo>
+                  <a:pt x="7023256" y="15160"/>
+                  <a:pt x="6898018" y="14824"/>
+                  <a:pt x="6648031" y="18288"/>
+                </a:cubicBezTo>
+                <a:cubicBezTo>
+                  <a:pt x="6398044" y="21752"/>
+                  <a:pt x="6254402" y="38625"/>
+                  <a:pt x="6078200" y="18288"/>
+                </a:cubicBezTo>
+                <a:cubicBezTo>
+                  <a:pt x="5901998" y="-2049"/>
+                  <a:pt x="5622886" y="3213"/>
+                  <a:pt x="5508368" y="18288"/>
+                </a:cubicBezTo>
+                <a:cubicBezTo>
+                  <a:pt x="5393850" y="33363"/>
+                  <a:pt x="5036260" y="26830"/>
+                  <a:pt x="4721459" y="18288"/>
+                </a:cubicBezTo>
+                <a:cubicBezTo>
+                  <a:pt x="4406658" y="9746"/>
+                  <a:pt x="4239221" y="41551"/>
+                  <a:pt x="4043088" y="18288"/>
+                </a:cubicBezTo>
+                <a:cubicBezTo>
+                  <a:pt x="3846955" y="-4975"/>
+                  <a:pt x="3818802" y="34658"/>
+                  <a:pt x="3690336" y="18288"/>
+                </a:cubicBezTo>
+                <a:cubicBezTo>
+                  <a:pt x="3561870" y="1918"/>
+                  <a:pt x="3265491" y="42194"/>
+                  <a:pt x="3120504" y="18288"/>
+                </a:cubicBezTo>
+                <a:cubicBezTo>
+                  <a:pt x="2975517" y="-5618"/>
+                  <a:pt x="2720254" y="36673"/>
+                  <a:pt x="2333595" y="18288"/>
+                </a:cubicBezTo>
+                <a:cubicBezTo>
+                  <a:pt x="1946936" y="-97"/>
+                  <a:pt x="2097241" y="5776"/>
+                  <a:pt x="1872303" y="18288"/>
+                </a:cubicBezTo>
+                <a:cubicBezTo>
+                  <a:pt x="1647365" y="30800"/>
+                  <a:pt x="1282708" y="45380"/>
+                  <a:pt x="976854" y="18288"/>
+                </a:cubicBezTo>
+                <a:cubicBezTo>
+                  <a:pt x="671000" y="-8804"/>
+                  <a:pt x="408401" y="-12775"/>
+                  <a:pt x="0" y="18288"/>
+                </a:cubicBezTo>
+                <a:cubicBezTo>
+                  <a:pt x="-213" y="9468"/>
+                  <a:pt x="187" y="4459"/>
+                  <a:pt x="0" y="0"/>
+                </a:cubicBezTo>
+                <a:close/>
+              </a:path>
+              <a:path w="10853928" h="18288" stroke="0" extrusionOk="0">
+                <a:moveTo>
+                  <a:pt x="0" y="0"/>
+                </a:moveTo>
+                <a:cubicBezTo>
+                  <a:pt x="267322" y="15284"/>
+                  <a:pt x="415388" y="-21048"/>
+                  <a:pt x="569831" y="0"/>
+                </a:cubicBezTo>
+                <a:cubicBezTo>
+                  <a:pt x="724274" y="21048"/>
+                  <a:pt x="769333" y="-2353"/>
+                  <a:pt x="922584" y="0"/>
+                </a:cubicBezTo>
+                <a:cubicBezTo>
+                  <a:pt x="1075835" y="2353"/>
+                  <a:pt x="1399490" y="-145"/>
+                  <a:pt x="1818033" y="0"/>
+                </a:cubicBezTo>
+                <a:cubicBezTo>
+                  <a:pt x="2236576" y="145"/>
+                  <a:pt x="2145330" y="5482"/>
+                  <a:pt x="2387864" y="0"/>
+                </a:cubicBezTo>
+                <a:cubicBezTo>
+                  <a:pt x="2630398" y="-5482"/>
+                  <a:pt x="2793207" y="18487"/>
+                  <a:pt x="2957695" y="0"/>
+                </a:cubicBezTo>
+                <a:cubicBezTo>
+                  <a:pt x="3122183" y="-18487"/>
+                  <a:pt x="3579141" y="19003"/>
+                  <a:pt x="3853144" y="0"/>
+                </a:cubicBezTo>
+                <a:cubicBezTo>
+                  <a:pt x="4127147" y="-19003"/>
+                  <a:pt x="4209857" y="12211"/>
+                  <a:pt x="4314436" y="0"/>
+                </a:cubicBezTo>
+                <a:cubicBezTo>
+                  <a:pt x="4419015" y="-12211"/>
+                  <a:pt x="4762459" y="-17220"/>
+                  <a:pt x="5209885" y="0"/>
+                </a:cubicBezTo>
+                <a:cubicBezTo>
+                  <a:pt x="5657311" y="17220"/>
+                  <a:pt x="5692663" y="-3290"/>
+                  <a:pt x="6105335" y="0"/>
+                </a:cubicBezTo>
+                <a:cubicBezTo>
+                  <a:pt x="6518007" y="3290"/>
+                  <a:pt x="6455516" y="-5124"/>
+                  <a:pt x="6783705" y="0"/>
+                </a:cubicBezTo>
+                <a:cubicBezTo>
+                  <a:pt x="7111894" y="5124"/>
+                  <a:pt x="7441941" y="-17829"/>
+                  <a:pt x="7679154" y="0"/>
+                </a:cubicBezTo>
+                <a:cubicBezTo>
+                  <a:pt x="7916367" y="17829"/>
+                  <a:pt x="8102967" y="-24363"/>
+                  <a:pt x="8248985" y="0"/>
+                </a:cubicBezTo>
+                <a:cubicBezTo>
+                  <a:pt x="8395003" y="24363"/>
+                  <a:pt x="8552393" y="25505"/>
+                  <a:pt x="8818817" y="0"/>
+                </a:cubicBezTo>
+                <a:cubicBezTo>
+                  <a:pt x="9085241" y="-25505"/>
+                  <a:pt x="9411308" y="38000"/>
+                  <a:pt x="9605726" y="0"/>
+                </a:cubicBezTo>
+                <a:cubicBezTo>
+                  <a:pt x="9800144" y="-38000"/>
+                  <a:pt x="10006468" y="-25741"/>
+                  <a:pt x="10175558" y="0"/>
+                </a:cubicBezTo>
+                <a:cubicBezTo>
+                  <a:pt x="10344648" y="25741"/>
+                  <a:pt x="10696282" y="695"/>
+                  <a:pt x="10853928" y="0"/>
+                </a:cubicBezTo>
+                <a:cubicBezTo>
+                  <a:pt x="10853521" y="8690"/>
+                  <a:pt x="10853774" y="14141"/>
+                  <a:pt x="10853928" y="18288"/>
+                </a:cubicBezTo>
+                <a:cubicBezTo>
+                  <a:pt x="10608124" y="24255"/>
+                  <a:pt x="10343415" y="22307"/>
+                  <a:pt x="10067018" y="18288"/>
+                </a:cubicBezTo>
+                <a:cubicBezTo>
+                  <a:pt x="9790621" y="14270"/>
+                  <a:pt x="9843266" y="3564"/>
+                  <a:pt x="9714266" y="18288"/>
+                </a:cubicBezTo>
+                <a:cubicBezTo>
+                  <a:pt x="9585266" y="33012"/>
+                  <a:pt x="9379484" y="1875"/>
+                  <a:pt x="9252974" y="18288"/>
+                </a:cubicBezTo>
+                <a:cubicBezTo>
+                  <a:pt x="9126464" y="34701"/>
+                  <a:pt x="8580678" y="-4904"/>
+                  <a:pt x="8357525" y="18288"/>
+                </a:cubicBezTo>
+                <a:cubicBezTo>
+                  <a:pt x="8134372" y="41480"/>
+                  <a:pt x="7903199" y="26458"/>
+                  <a:pt x="7679154" y="18288"/>
+                </a:cubicBezTo>
+                <a:cubicBezTo>
+                  <a:pt x="7455109" y="10118"/>
+                  <a:pt x="7435944" y="27109"/>
+                  <a:pt x="7217862" y="18288"/>
+                </a:cubicBezTo>
+                <a:cubicBezTo>
+                  <a:pt x="6999780" y="9467"/>
+                  <a:pt x="6680409" y="18985"/>
+                  <a:pt x="6539492" y="18288"/>
+                </a:cubicBezTo>
+                <a:cubicBezTo>
+                  <a:pt x="6398575" y="17592"/>
+                  <a:pt x="6312077" y="33018"/>
+                  <a:pt x="6186739" y="18288"/>
+                </a:cubicBezTo>
+                <a:cubicBezTo>
+                  <a:pt x="6061401" y="3558"/>
+                  <a:pt x="5947033" y="12075"/>
+                  <a:pt x="5833986" y="18288"/>
+                </a:cubicBezTo>
+                <a:cubicBezTo>
+                  <a:pt x="5720939" y="24501"/>
+                  <a:pt x="5482226" y="8586"/>
+                  <a:pt x="5155616" y="18288"/>
+                </a:cubicBezTo>
+                <a:cubicBezTo>
+                  <a:pt x="4829006" y="27991"/>
+                  <a:pt x="4841274" y="29316"/>
+                  <a:pt x="4694324" y="18288"/>
+                </a:cubicBezTo>
+                <a:cubicBezTo>
+                  <a:pt x="4547374" y="7260"/>
+                  <a:pt x="4077675" y="7013"/>
+                  <a:pt x="3907414" y="18288"/>
+                </a:cubicBezTo>
+                <a:cubicBezTo>
+                  <a:pt x="3737153" y="29564"/>
+                  <a:pt x="3538393" y="21630"/>
+                  <a:pt x="3446122" y="18288"/>
+                </a:cubicBezTo>
+                <a:cubicBezTo>
+                  <a:pt x="3353851" y="14946"/>
+                  <a:pt x="2990320" y="-8091"/>
+                  <a:pt x="2659212" y="18288"/>
+                </a:cubicBezTo>
+                <a:cubicBezTo>
+                  <a:pt x="2328104" y="44667"/>
+                  <a:pt x="2427653" y="9607"/>
+                  <a:pt x="2306460" y="18288"/>
+                </a:cubicBezTo>
+                <a:cubicBezTo>
+                  <a:pt x="2185267" y="26969"/>
+                  <a:pt x="1719763" y="3717"/>
+                  <a:pt x="1519550" y="18288"/>
+                </a:cubicBezTo>
+                <a:cubicBezTo>
+                  <a:pt x="1319337" y="32860"/>
+                  <a:pt x="1167371" y="17040"/>
+                  <a:pt x="1058258" y="18288"/>
+                </a:cubicBezTo>
+                <a:cubicBezTo>
+                  <a:pt x="949145" y="19536"/>
+                  <a:pt x="780234" y="31447"/>
+                  <a:pt x="705505" y="18288"/>
+                </a:cubicBezTo>
+                <a:cubicBezTo>
+                  <a:pt x="630776" y="5129"/>
+                  <a:pt x="215796" y="30056"/>
+                  <a:pt x="0" y="18288"/>
+                </a:cubicBezTo>
+                <a:cubicBezTo>
+                  <a:pt x="-53" y="11301"/>
+                  <a:pt x="-649" y="7756"/>
+                  <a:pt x="0" y="0"/>
+                </a:cubicBezTo>
+                <a:close/>
+              </a:path>
+            </a:pathLst>
+          </a:custGeom>
+          <a:solidFill>
+            <a:schemeClr val="accent2"/>
+          </a:solidFill>
+          <a:ln w="41275" cap="rnd">
+            <a:solidFill>
+              <a:schemeClr val="accent2"/>
+            </a:solidFill>
+            <a:round/>
+            <a:extLst>
+              <a:ext uri="{C807C97D-BFC1-408E-A445-0C87EB9F89A2}">
+                <ask:lineSketchStyleProps xmlns:ask="http://schemas.microsoft.com/office/drawing/2018/sketchyshapes" sd="1219033472">
+                  <a:prstGeom prst="rect">
+                    <a:avLst/>
+                  </a:prstGeom>
+                  <ask:type>
+                    <ask:lineSketchFreehand/>
+                  </ask:type>
+                </ask:lineSketchStyleProps>
+              </a:ext>
+            </a:extLst>
+          </a:ln>
+        </p:spPr>
+        <p:style>
+          <a:lnRef idx="2">
+            <a:schemeClr val="accent1">
+              <a:shade val="50000"/>
+            </a:schemeClr>
+          </a:lnRef>
+          <a:fillRef idx="1">
+            <a:schemeClr val="accent1"/>
+          </a:fillRef>
+          <a:effectRef idx="0">
+            <a:schemeClr val="accent1"/>
+          </a:effectRef>
+          <a:fontRef idx="minor">
+            <a:schemeClr val="lt1"/>
+          </a:fontRef>
+        </p:style>
+        <p:txBody>
+          <a:bodyPr rtlCol="0" anchor="ctr"/>
+          <a:lstStyle/>
+          <a:p>
+            <a:pPr algn="ctr"/>
+            <a:endParaRPr lang="en-US"/>
+          </a:p>
+        </p:txBody>
+      </p:sp>
+      <p:sp>
+        <p:nvSpPr>
+          <p:cNvPr id="3" name="Content Placeholder 2">
+            <a:extLst>
+              <a:ext uri="{FF2B5EF4-FFF2-40B4-BE49-F238E27FC236}">
+                <a16:creationId xmlns:a16="http://schemas.microsoft.com/office/drawing/2014/main" id="{5EAA2ECA-54E0-9E03-8B7E-8C5F6B69F3F1}"/>
+              </a:ext>
+            </a:extLst>
+          </p:cNvPr>
+          <p:cNvSpPr>
+            <a:spLocks noGrp="1"/>
+          </p:cNvSpPr>
+          <p:nvPr>
+            <p:ph idx="1"/>
+          </p:nvPr>
+        </p:nvSpPr>
+        <p:spPr>
+          <a:xfrm>
+            <a:off x="838199" y="1929384"/>
+            <a:ext cx="10853927" cy="4453128"/>
+          </a:xfrm>
+        </p:spPr>
+        <p:txBody>
+          <a:bodyPr>
+            <a:normAutofit lnSpcReduction="10000"/>
+          </a:bodyPr>
+          <a:lstStyle/>
+          <a:p>
+            <a:r>
+              <a:rPr lang="en-GB" sz="1200" b="0" i="0" dirty="0">
+                <a:effectLst/>
+              </a:rPr>
+              <a:t>AWS Database Migration Service (AWS DMS) is a cloud service provided by Amazon Web Services designed to make it easier for users to migrate relational databases, data warehouses, NoSQL databases, and other types of data stores to AWS. </a:t>
+            </a:r>
+            <a:endParaRPr lang="ru-RU" sz="1200" b="0" i="0" dirty="0">
+              <a:effectLst/>
+            </a:endParaRPr>
+          </a:p>
+          <a:p>
+            <a:r>
+              <a:rPr lang="en-GB" sz="1200" b="0" i="0" dirty="0">
+                <a:effectLst/>
+              </a:rPr>
+              <a:t>AWS DMS can also be used to migrate data between databases in AWS, facilitating migrations from one database engine to another, or for replicating data for continuous synchronization with minimal downtime.</a:t>
+            </a:r>
+          </a:p>
+          <a:p>
+            <a:r>
+              <a:rPr lang="en-GB" sz="1200" b="1" i="0" dirty="0">
+                <a:effectLst/>
+              </a:rPr>
+              <a:t>Key Features of AWS DMS</a:t>
+            </a:r>
+          </a:p>
+          <a:p>
+            <a:pPr>
+              <a:buFont typeface="Arial" panose="020B0604020202020204" pitchFamily="34" charset="0"/>
+              <a:buChar char="•"/>
+            </a:pPr>
+            <a:r>
+              <a:rPr lang="en-GB" sz="1200" b="1" i="0" dirty="0">
+                <a:effectLst/>
+              </a:rPr>
+              <a:t>Support for Multiple Database Types</a:t>
+            </a:r>
+            <a:r>
+              <a:rPr lang="en-GB" sz="1200" b="0" i="0" dirty="0">
+                <a:effectLst/>
+              </a:rPr>
+              <a:t>: </a:t>
+            </a:r>
+            <a:endParaRPr lang="ru-RU" sz="1200" b="0" i="0" dirty="0">
+              <a:effectLst/>
+            </a:endParaRPr>
+          </a:p>
+          <a:p>
+            <a:pPr lvl="1"/>
+            <a:r>
+              <a:rPr lang="en-GB" sz="1200" b="0" i="0" dirty="0">
+                <a:effectLst/>
+              </a:rPr>
+              <a:t>AWS DMS supports a wide range of source and target databases, including popular relational databases like Oracle, MySQL, PostgreSQL, Microsoft SQL Server, and MariaDB, as well as data warehouses such as Amazon Redshift, and NoSQL databases like MongoDB and DynamoDB.</a:t>
+            </a:r>
+          </a:p>
+          <a:p>
+            <a:pPr>
+              <a:buFont typeface="Arial" panose="020B0604020202020204" pitchFamily="34" charset="0"/>
+              <a:buChar char="•"/>
+            </a:pPr>
+            <a:r>
+              <a:rPr lang="en-GB" sz="1200" b="1" i="0" dirty="0">
+                <a:effectLst/>
+              </a:rPr>
+              <a:t>Minimal Downtime</a:t>
+            </a:r>
+            <a:r>
+              <a:rPr lang="en-GB" sz="1200" b="0" i="0" dirty="0">
+                <a:effectLst/>
+              </a:rPr>
+              <a:t>: </a:t>
+            </a:r>
+            <a:endParaRPr lang="ru-RU" sz="1200" b="0" i="0" dirty="0">
+              <a:effectLst/>
+            </a:endParaRPr>
+          </a:p>
+          <a:p>
+            <a:pPr lvl="1"/>
+            <a:r>
+              <a:rPr lang="en-GB" sz="1200" b="0" i="0" dirty="0">
+                <a:effectLst/>
+              </a:rPr>
+              <a:t>DMS is designed to enable migrations with minimal downtime, allowing businesses to continue their operations while the migration is in progress. </a:t>
+            </a:r>
+            <a:endParaRPr lang="ru-RU" sz="1200" b="0" i="0" dirty="0">
+              <a:effectLst/>
+            </a:endParaRPr>
+          </a:p>
+          <a:p>
+            <a:pPr lvl="1"/>
+            <a:r>
+              <a:rPr lang="en-GB" sz="1200" b="0" i="0" dirty="0">
+                <a:effectLst/>
+              </a:rPr>
+              <a:t>This is particularly beneficial for organizations that require their databases to be up and running 24/7.</a:t>
+            </a:r>
+          </a:p>
+          <a:p>
+            <a:pPr>
+              <a:buFont typeface="Arial" panose="020B0604020202020204" pitchFamily="34" charset="0"/>
+              <a:buChar char="•"/>
+            </a:pPr>
+            <a:r>
+              <a:rPr lang="en-GB" sz="1200" b="1" i="0" dirty="0">
+                <a:effectLst/>
+              </a:rPr>
+              <a:t>Continuous Data Replication</a:t>
+            </a:r>
+            <a:r>
+              <a:rPr lang="en-GB" sz="1200" b="0" i="0" dirty="0">
+                <a:effectLst/>
+              </a:rPr>
+              <a:t>: </a:t>
+            </a:r>
+            <a:endParaRPr lang="ru-RU" sz="1200" b="0" i="0" dirty="0">
+              <a:effectLst/>
+            </a:endParaRPr>
+          </a:p>
+          <a:p>
+            <a:pPr lvl="1"/>
+            <a:r>
+              <a:rPr lang="en-GB" sz="1200" b="0" i="0" dirty="0">
+                <a:effectLst/>
+              </a:rPr>
+              <a:t>AWS DMS can facilitate ongoing replication from any supported source to any supported target, enabling use cases such as database consolidation, continuous backup, or cross-region disaster recovery.</a:t>
+            </a:r>
+          </a:p>
+          <a:p>
+            <a:pPr>
+              <a:buFont typeface="Arial" panose="020B0604020202020204" pitchFamily="34" charset="0"/>
+              <a:buChar char="•"/>
+            </a:pPr>
+            <a:r>
+              <a:rPr lang="en-GB" sz="1200" b="1" i="0" dirty="0">
+                <a:effectLst/>
+              </a:rPr>
+              <a:t>Simplified Migration Process</a:t>
+            </a:r>
+            <a:r>
+              <a:rPr lang="en-GB" sz="1200" b="0" i="0" dirty="0">
+                <a:effectLst/>
+              </a:rPr>
+              <a:t>: </a:t>
+            </a:r>
+            <a:endParaRPr lang="ru-RU" sz="1200" b="0" i="0" dirty="0">
+              <a:effectLst/>
+            </a:endParaRPr>
+          </a:p>
+          <a:p>
+            <a:pPr lvl="1"/>
+            <a:r>
+              <a:rPr lang="en-GB" sz="1200" b="0" i="0" dirty="0">
+                <a:effectLst/>
+              </a:rPr>
+              <a:t>The service simplifies the migration process by managing all aspects of the migration workflow, including the replication of data changes that occur in the source database during the migration process.</a:t>
+            </a:r>
+          </a:p>
+          <a:p>
+            <a:pPr>
+              <a:buFont typeface="Arial" panose="020B0604020202020204" pitchFamily="34" charset="0"/>
+              <a:buChar char="•"/>
+            </a:pPr>
+            <a:r>
+              <a:rPr lang="en-GB" sz="1200" b="1" i="0" dirty="0">
+                <a:effectLst/>
+              </a:rPr>
+              <a:t>Highly Scalable and Secure</a:t>
+            </a:r>
+            <a:r>
+              <a:rPr lang="en-GB" sz="1200" b="0" i="0" dirty="0">
+                <a:effectLst/>
+              </a:rPr>
+              <a:t>: </a:t>
+            </a:r>
+            <a:endParaRPr lang="ru-RU" sz="1200" b="0" i="0" dirty="0">
+              <a:effectLst/>
+            </a:endParaRPr>
+          </a:p>
+          <a:p>
+            <a:pPr lvl="1"/>
+            <a:r>
+              <a:rPr lang="en-GB" sz="1200" b="0" i="0" dirty="0">
+                <a:effectLst/>
+              </a:rPr>
+              <a:t>AWS DMS is designed to be scalable, handling large and complex migrations with ease. It also offers encryption at rest and in transit, ensuring that data is secure both during and after the migration.</a:t>
+            </a:r>
+          </a:p>
+        </p:txBody>
+      </p:sp>
+    </p:spTree>
+    <p:extLst>
+      <p:ext uri="{BB962C8B-B14F-4D97-AF65-F5344CB8AC3E}">
+        <p14:creationId xmlns:p14="http://schemas.microsoft.com/office/powerpoint/2010/main" val="1159300582"/>
+      </p:ext>
+    </p:extLst>
+  </p:cSld>
+  <p:clrMapOvr>
+    <a:masterClrMapping/>
+  </p:clrMapOvr>
+</p:sld>
+</file>
+
+<file path=ppt/slides/slide3.xml><?xml version="1.0" encoding="utf-8"?>
+<p:sld xmlns:a="http://schemas.openxmlformats.org/drawingml/2006/main" xmlns:r="http://schemas.openxmlformats.org/officeDocument/2006/relationships" xmlns:p="http://schemas.openxmlformats.org/presentationml/2006/main">
+  <p:cSld>
+    <p:bg>
+      <p:bgPr>
+        <a:solidFill>
+          <a:schemeClr val="bg1"/>
+        </a:solidFill>
+        <a:effectLst/>
+      </p:bgPr>
+    </p:bg>
+    <p:spTree>
+      <p:nvGrpSpPr>
+        <p:cNvPr id="1" name=""/>
+        <p:cNvGrpSpPr/>
+        <p:nvPr/>
+      </p:nvGrpSpPr>
+      <p:grpSpPr>
+        <a:xfrm>
+          <a:off x="0" y="0"/>
+          <a:ext cx="0" cy="0"/>
+          <a:chOff x="0" y="0"/>
+          <a:chExt cx="0" cy="0"/>
+        </a:xfrm>
+      </p:grpSpPr>
+      <p:sp useBgFill="1">
+        <p:nvSpPr>
           <p:cNvPr id="1031" name="Rectangle 1030">
             <a:extLst>
               <a:ext uri="{FF2B5EF4-FFF2-40B4-BE49-F238E27FC236}">
@@ -7078,7 +10642,7 @@
 </p:sld>
 </file>
 
-<file path=ppt/slides/slide3.xml><?xml version="1.0" encoding="utf-8"?>
+<file path=ppt/slides/slide4.xml><?xml version="1.0" encoding="utf-8"?>
 <p:sld xmlns:a="http://schemas.openxmlformats.org/drawingml/2006/main" xmlns:r="http://schemas.openxmlformats.org/officeDocument/2006/relationships" xmlns:p="http://schemas.openxmlformats.org/presentationml/2006/main">
   <p:cSld>
     <p:bg>
@@ -7944,7 +11508,7 @@
 </p:sld>
 </file>
 
-<file path=ppt/slides/slide4.xml><?xml version="1.0" encoding="utf-8"?>
+<file path=ppt/slides/slide5.xml><?xml version="1.0" encoding="utf-8"?>
 <p:sld xmlns:a="http://schemas.openxmlformats.org/drawingml/2006/main" xmlns:r="http://schemas.openxmlformats.org/officeDocument/2006/relationships" xmlns:p="http://schemas.openxmlformats.org/presentationml/2006/main">
   <p:cSld>
     <p:bg>
@@ -10498,7 +14062,7 @@
 </p:sld>
 </file>
 
-<file path=ppt/slides/slide5.xml><?xml version="1.0" encoding="utf-8"?>
+<file path=ppt/slides/slide6.xml><?xml version="1.0" encoding="utf-8"?>
 <p:sld xmlns:a="http://schemas.openxmlformats.org/drawingml/2006/main" xmlns:r="http://schemas.openxmlformats.org/officeDocument/2006/relationships" xmlns:p="http://schemas.openxmlformats.org/presentationml/2006/main">
   <p:cSld>
     <p:bg>
@@ -30424,7 +33988,7 @@
 </p:sld>
 </file>
 
-<file path=ppt/slides/slide6.xml><?xml version="1.0" encoding="utf-8"?>
+<file path=ppt/slides/slide7.xml><?xml version="1.0" encoding="utf-8"?>
 <p:sld xmlns:a="http://schemas.openxmlformats.org/drawingml/2006/main" xmlns:r="http://schemas.openxmlformats.org/officeDocument/2006/relationships" xmlns:p="http://schemas.openxmlformats.org/presentationml/2006/main">
   <p:cSld>
     <p:bg>
@@ -30986,7 +34550,7 @@
 </p:sld>
 </file>
 
-<file path=ppt/slides/slide7.xml><?xml version="1.0" encoding="utf-8"?>
+<file path=ppt/slides/slide8.xml><?xml version="1.0" encoding="utf-8"?>
 <p:sld xmlns:a="http://schemas.openxmlformats.org/drawingml/2006/main" xmlns:r="http://schemas.openxmlformats.org/officeDocument/2006/relationships" xmlns:p="http://schemas.openxmlformats.org/presentationml/2006/main">
   <p:cSld>
     <p:bg>
@@ -31403,7 +34967,7 @@
         </p:spPr>
         <p:txBody>
           <a:bodyPr anchor="t">
-            <a:normAutofit/>
+            <a:normAutofit lnSpcReduction="10000"/>
           </a:bodyPr>
           <a:lstStyle/>
           <a:p>
@@ -31411,7 +34975,7 @@
               <a:buNone/>
             </a:pPr>
             <a:r>
-              <a:rPr lang="en-GB" sz="1700" b="0" i="0">
+              <a:rPr lang="en-GB" sz="1700" b="0" i="0" dirty="0">
                 <a:effectLst/>
               </a:rPr>
               <a:t>You use an AWS DMS replication task to move a set of data from the source endpoint to the target endpoint.</a:t>
@@ -31422,44 +34986,61 @@
               <a:buNone/>
             </a:pPr>
             <a:r>
-              <a:rPr lang="en-GB" sz="1700" b="0" i="0">
+              <a:rPr lang="en-GB" sz="1700" b="0" i="0" dirty="0">
                 <a:effectLst/>
               </a:rPr>
               <a:t> Creating a replication task is the last step you need to take before you start a migration.</a:t>
+            </a:r>
+            <a:endParaRPr lang="en-GB" sz="1700" dirty="0"/>
+          </a:p>
+          <a:p>
+            <a:pPr marL="0" indent="0">
+              <a:buNone/>
+            </a:pPr>
+            <a:r>
+              <a:rPr lang="en-GB" sz="1700" b="0" i="0" dirty="0">
+                <a:effectLst/>
+              </a:rPr>
+              <a:t>The full load process is straight-forward to understand. </a:t>
             </a:r>
           </a:p>
           <a:p>
             <a:pPr marL="0" indent="0">
               <a:buNone/>
             </a:pPr>
-            <a:endParaRPr lang="en-GB" sz="1700"/>
+            <a:r>
+              <a:rPr lang="en-GB" sz="1700" b="0" i="0" dirty="0">
+                <a:effectLst/>
+              </a:rPr>
+              <a:t>Data is extracted from the source in a bulk extract manner and loaded directly into the target. </a:t>
+            </a:r>
           </a:p>
           <a:p>
             <a:pPr marL="0" indent="0">
               <a:buNone/>
             </a:pPr>
             <a:r>
-              <a:rPr lang="en-GB" sz="1700" b="0" i="0">
+              <a:rPr lang="en-GB" sz="1700" b="0" i="0" dirty="0">
                 <a:effectLst/>
               </a:rPr>
-              <a:t>The full load process is straight-forward to understand. Data is extracted from the source in a bulk extract manner and loaded directly into the target. You can specify the number of tables to extract and load in parallel on the AWS DMS console under </a:t>
+              <a:t>You can specify the number of tables to extract and load in parallel on the AWS DMS console under </a:t>
             </a:r>
             <a:r>
-              <a:rPr lang="en-GB" sz="1700" b="1" i="0">
+              <a:rPr lang="en-GB" sz="1700" b="1" i="0" dirty="0">
                 <a:effectLst/>
               </a:rPr>
               <a:t>Advanced Settings</a:t>
             </a:r>
             <a:r>
-              <a:rPr lang="en-GB" sz="1700" b="0" i="0">
+              <a:rPr lang="en-GB" sz="1700" b="0" i="0" dirty="0">
                 <a:effectLst/>
               </a:rPr>
               <a:t>.</a:t>
             </a:r>
             <a:br>
-              <a:rPr lang="en-GB" sz="1700"/>
+              <a:rPr lang="en-GB" sz="1700" dirty="0"/>
             </a:br>
-            <a:endParaRPr lang="en-CH" sz="1700"/>
+            <a:endParaRPr lang="en-CH" sz="1700" dirty="0"/>
           </a:p>
         </p:txBody>
       </p:sp>
@@ -31522,7 +35103,7 @@
 </p:sld>
 </file>
 
-<file path=ppt/slides/slide8.xml><?xml version="1.0" encoding="utf-8"?>
+<file path=ppt/slides/slide9.xml><?xml version="1.0" encoding="utf-8"?>
 <p:sld xmlns:a="http://schemas.openxmlformats.org/drawingml/2006/main" xmlns:r="http://schemas.openxmlformats.org/officeDocument/2006/relationships" xmlns:p="http://schemas.openxmlformats.org/presentationml/2006/main">
   <p:cSld>
     <p:bg>
@@ -31719,8 +35300,8 @@
         </p:nvSpPr>
         <p:spPr>
           <a:xfrm>
-            <a:off x="4380855" y="1412488"/>
-            <a:ext cx="3427283" cy="5097493"/>
+            <a:off x="4380854" y="960543"/>
+            <a:ext cx="3593238" cy="5097493"/>
           </a:xfrm>
         </p:spPr>
         <p:txBody>
@@ -31729,11 +35310,10 @@
           </a:bodyPr>
           <a:lstStyle/>
           <a:p>
-            <a:pPr marL="0" indent="0">
+            <a:pPr>
               <a:lnSpc>
                 <a:spcPct val="100000"/>
               </a:lnSpc>
-              <a:buNone/>
             </a:pPr>
             <a:r>
               <a:rPr lang="en-US" sz="1800" b="0" i="0" dirty="0">
@@ -31743,22 +35323,20 @@
             </a:r>
           </a:p>
           <a:p>
-            <a:pPr marL="0" indent="0">
+            <a:pPr>
               <a:lnSpc>
                 <a:spcPct val="100000"/>
               </a:lnSpc>
-              <a:buNone/>
             </a:pPr>
             <a:endParaRPr lang="en-US" sz="1800" b="0" i="0" dirty="0">
               <a:effectLst/>
             </a:endParaRPr>
           </a:p>
           <a:p>
-            <a:pPr marL="0" indent="0">
+            <a:pPr>
               <a:lnSpc>
                 <a:spcPct val="100000"/>
               </a:lnSpc>
-              <a:buNone/>
             </a:pPr>
             <a:r>
               <a:rPr lang="en-US" sz="1800" b="0" i="0" dirty="0">
@@ -31768,22 +35346,20 @@
             </a:r>
           </a:p>
           <a:p>
-            <a:pPr marL="0" indent="0">
+            <a:pPr>
               <a:lnSpc>
                 <a:spcPct val="100000"/>
               </a:lnSpc>
-              <a:buNone/>
             </a:pPr>
             <a:endParaRPr lang="en-US" sz="1800" b="0" i="0" dirty="0">
               <a:effectLst/>
             </a:endParaRPr>
           </a:p>
           <a:p>
-            <a:pPr marL="0" indent="0">
+            <a:pPr>
               <a:lnSpc>
                 <a:spcPct val="100000"/>
               </a:lnSpc>
-              <a:buNone/>
             </a:pPr>
             <a:r>
               <a:rPr lang="en-US" sz="1800" b="0" i="0" dirty="0">
@@ -31863,8 +35439,8 @@
         </p:nvSpPr>
         <p:spPr>
           <a:xfrm>
-            <a:off x="8451604" y="1412488"/>
-            <a:ext cx="3197701" cy="5097493"/>
+            <a:off x="8451604" y="960542"/>
+            <a:ext cx="3593246" cy="5303624"/>
           </a:xfrm>
           <a:prstGeom prst="rect">
             <a:avLst/>
@@ -31876,10 +35452,12 @@
           </a:bodyPr>
           <a:lstStyle/>
           <a:p>
-            <a:pPr>
+            <a:pPr marL="285750" indent="-285750">
               <a:spcAft>
                 <a:spcPts val="600"/>
               </a:spcAft>
+              <a:buFont typeface="Arial" panose="020B0604020202020204" pitchFamily="34" charset="0"/>
+              <a:buChar char="•"/>
             </a:pPr>
             <a:r>
               <a:rPr lang="en-US" b="0" i="0" dirty="0">
@@ -31889,10 +35467,12 @@
             </a:r>
           </a:p>
           <a:p>
-            <a:pPr>
+            <a:pPr marL="285750" indent="-285750">
               <a:spcAft>
                 <a:spcPts val="600"/>
               </a:spcAft>
+              <a:buFont typeface="Arial" panose="020B0604020202020204" pitchFamily="34" charset="0"/>
+              <a:buChar char="•"/>
             </a:pPr>
             <a:r>
               <a:rPr lang="en-US" b="0" i="0" dirty="0">
@@ -31902,26 +35482,33 @@
             </a:r>
           </a:p>
           <a:p>
-            <a:pPr>
+            <a:pPr marL="285750" indent="-285750">
               <a:spcAft>
                 <a:spcPts val="600"/>
               </a:spcAft>
-            </a:pPr>
-            <a:endParaRPr lang="en-US" b="0" i="0" dirty="0">
-              <a:effectLst/>
-            </a:endParaRPr>
-          </a:p>
-          <a:p>
-            <a:pPr>
-              <a:spcAft>
-                <a:spcPts val="600"/>
-              </a:spcAft>
+              <a:buFont typeface="Arial" panose="020B0604020202020204" pitchFamily="34" charset="0"/>
+              <a:buChar char="•"/>
             </a:pPr>
             <a:r>
               <a:rPr lang="en-US" b="0" i="0" dirty="0">
                 <a:effectLst/>
               </a:rPr>
-              <a:t> Any objects that DMS Schema Conversion can't convert automatically are clearly marked. To complete the migration, you can convert these objects manually.</a:t>
+              <a:t> Any objects that DMS Schema Conversion can't convert automatically are clearly marked. </a:t>
+            </a:r>
+          </a:p>
+          <a:p>
+            <a:pPr marL="285750" indent="-285750">
+              <a:spcAft>
+                <a:spcPts val="600"/>
+              </a:spcAft>
+              <a:buFont typeface="Arial" panose="020B0604020202020204" pitchFamily="34" charset="0"/>
+              <a:buChar char="•"/>
+            </a:pPr>
+            <a:r>
+              <a:rPr lang="en-US" b="0" i="0" dirty="0">
+                <a:effectLst/>
+              </a:rPr>
+              <a:t>To complete the migration, you can convert these objects manually.</a:t>
             </a:r>
             <a:endParaRPr lang="en-US" dirty="0"/>
           </a:p>
@@ -31931,2580 +35518,6 @@
     <p:extLst>
       <p:ext uri="{BB962C8B-B14F-4D97-AF65-F5344CB8AC3E}">
         <p14:creationId xmlns:p14="http://schemas.microsoft.com/office/powerpoint/2010/main" val="1701146805"/>
-      </p:ext>
-    </p:extLst>
-  </p:cSld>
-  <p:clrMapOvr>
-    <a:masterClrMapping/>
-  </p:clrMapOvr>
-</p:sld>
-</file>
-
-<file path=ppt/slides/slide9.xml><?xml version="1.0" encoding="utf-8"?>
-<p:sld xmlns:a="http://schemas.openxmlformats.org/drawingml/2006/main" xmlns:r="http://schemas.openxmlformats.org/officeDocument/2006/relationships" xmlns:p="http://schemas.openxmlformats.org/presentationml/2006/main">
-  <p:cSld>
-    <p:bg>
-      <p:bgPr>
-        <a:solidFill>
-          <a:schemeClr val="bg1"/>
-        </a:solidFill>
-        <a:effectLst/>
-      </p:bgPr>
-    </p:bg>
-    <p:spTree>
-      <p:nvGrpSpPr>
-        <p:cNvPr id="1" name=""/>
-        <p:cNvGrpSpPr/>
-        <p:nvPr/>
-      </p:nvGrpSpPr>
-      <p:grpSpPr>
-        <a:xfrm>
-          <a:off x="0" y="0"/>
-          <a:ext cx="0" cy="0"/>
-          <a:chOff x="0" y="0"/>
-          <a:chExt cx="0" cy="0"/>
-        </a:xfrm>
-      </p:grpSpPr>
-      <p:sp useBgFill="1">
-        <p:nvSpPr>
-          <p:cNvPr id="5127" name="Rectangle 5126">
-            <a:extLst>
-              <a:ext uri="{FF2B5EF4-FFF2-40B4-BE49-F238E27FC236}">
-                <a16:creationId xmlns:a16="http://schemas.microsoft.com/office/drawing/2014/main" id="{F0DCC097-1DB8-4B6D-85D0-6FBA0E1CA4BA}"/>
-              </a:ext>
-              <a:ext uri="{C183D7F6-B498-43B3-948B-1728B52AA6E4}">
-                <adec:decorative xmlns:adec="http://schemas.microsoft.com/office/drawing/2017/decorative" val="1"/>
-              </a:ext>
-            </a:extLst>
-          </p:cNvPr>
-          <p:cNvSpPr>
-            <a:spLocks noGrp="1" noRot="1" noChangeAspect="1" noMove="1" noResize="1" noEditPoints="1" noAdjustHandles="1" noChangeArrowheads="1" noChangeShapeType="1" noTextEdit="1"/>
-          </p:cNvSpPr>
-          <p:nvPr>
-            <p:extLst>
-              <p:ext uri="{386F3935-93C4-4BCD-93E2-E3B085C9AB24}">
-                <p16:designElem xmlns:p16="http://schemas.microsoft.com/office/powerpoint/2015/main" val="1"/>
-              </p:ext>
-            </p:extLst>
-          </p:nvPr>
-        </p:nvSpPr>
-        <p:spPr>
-          <a:xfrm>
-            <a:off x="0" y="0"/>
-            <a:ext cx="12192000" cy="6858000"/>
-          </a:xfrm>
-          <a:prstGeom prst="rect">
-            <a:avLst/>
-          </a:prstGeom>
-          <a:ln w="12700" cap="flat" cmpd="sng" algn="ctr">
-            <a:noFill/>
-            <a:prstDash val="solid"/>
-            <a:miter lim="800000"/>
-          </a:ln>
-          <a:effectLst/>
-          <a:extLst>
-            <a:ext uri="{91240B29-F687-4F45-9708-019B960494DF}">
-              <a14:hiddenLine xmlns:a14="http://schemas.microsoft.com/office/drawing/2010/main" w="12700" cap="flat" cmpd="sng" algn="ctr">
-                <a:solidFill>
-                  <a:schemeClr val="accent1">
-                    <a:shade val="50000"/>
-                  </a:schemeClr>
-                </a:solidFill>
-                <a:prstDash val="solid"/>
-                <a:miter lim="800000"/>
-              </a14:hiddenLine>
-            </a:ext>
-          </a:extLst>
-        </p:spPr>
-        <p:style>
-          <a:lnRef idx="2">
-            <a:schemeClr val="accent1">
-              <a:shade val="50000"/>
-            </a:schemeClr>
-          </a:lnRef>
-          <a:fillRef idx="1">
-            <a:schemeClr val="accent1"/>
-          </a:fillRef>
-          <a:effectRef idx="0">
-            <a:schemeClr val="accent1"/>
-          </a:effectRef>
-          <a:fontRef idx="minor">
-            <a:schemeClr val="lt1"/>
-          </a:fontRef>
-        </p:style>
-        <p:txBody>
-          <a:bodyPr rtlCol="0" anchor="ctr"/>
-          <a:lstStyle/>
-          <a:p>
-            <a:pPr algn="ctr"/>
-            <a:endParaRPr lang="en-US"/>
-          </a:p>
-        </p:txBody>
-      </p:sp>
-      <p:sp>
-        <p:nvSpPr>
-          <p:cNvPr id="5129" name="Freeform: Shape 5128">
-            <a:extLst>
-              <a:ext uri="{FF2B5EF4-FFF2-40B4-BE49-F238E27FC236}">
-                <a16:creationId xmlns:a16="http://schemas.microsoft.com/office/drawing/2014/main" id="{E0B58608-23C8-4441-994D-C6823EEE1DB7}"/>
-              </a:ext>
-              <a:ext uri="{C183D7F6-B498-43B3-948B-1728B52AA6E4}">
-                <adec:decorative xmlns:adec="http://schemas.microsoft.com/office/drawing/2017/decorative" val="1"/>
-              </a:ext>
-            </a:extLst>
-          </p:cNvPr>
-          <p:cNvSpPr>
-            <a:spLocks noGrp="1" noRot="1" noChangeAspect="1" noMove="1" noResize="1" noEditPoints="1" noAdjustHandles="1" noChangeArrowheads="1" noChangeShapeType="1" noTextEdit="1"/>
-          </p:cNvSpPr>
-          <p:nvPr>
-            <p:extLst>
-              <p:ext uri="{386F3935-93C4-4BCD-93E2-E3B085C9AB24}">
-                <p16:designElem xmlns:p16="http://schemas.microsoft.com/office/powerpoint/2015/main" val="1"/>
-              </p:ext>
-            </p:extLst>
-          </p:nvPr>
-        </p:nvSpPr>
-        <p:spPr>
-          <a:xfrm>
-            <a:off x="1" y="0"/>
-            <a:ext cx="12191999" cy="2083506"/>
-          </a:xfrm>
-          <a:custGeom>
-            <a:avLst/>
-            <a:gdLst>
-              <a:gd name="connsiteX0" fmla="*/ 0 w 12191999"/>
-              <a:gd name="connsiteY0" fmla="*/ 0 h 2083506"/>
-              <a:gd name="connsiteX1" fmla="*/ 9429748 w 12191999"/>
-              <a:gd name="connsiteY1" fmla="*/ 0 h 2083506"/>
-              <a:gd name="connsiteX2" fmla="*/ 9429748 w 12191999"/>
-              <a:gd name="connsiteY2" fmla="*/ 1 h 2083506"/>
-              <a:gd name="connsiteX3" fmla="*/ 12191999 w 12191999"/>
-              <a:gd name="connsiteY3" fmla="*/ 1 h 2083506"/>
-              <a:gd name="connsiteX4" fmla="*/ 12191999 w 12191999"/>
-              <a:gd name="connsiteY4" fmla="*/ 1164372 h 2083506"/>
-              <a:gd name="connsiteX5" fmla="*/ 12147852 w 12191999"/>
-              <a:gd name="connsiteY5" fmla="*/ 1163783 h 2083506"/>
-              <a:gd name="connsiteX6" fmla="*/ 11993604 w 12191999"/>
-              <a:gd name="connsiteY6" fmla="*/ 1153496 h 2083506"/>
-              <a:gd name="connsiteX7" fmla="*/ 11865319 w 12191999"/>
-              <a:gd name="connsiteY7" fmla="*/ 1176624 h 2083506"/>
-              <a:gd name="connsiteX8" fmla="*/ 11718353 w 12191999"/>
-              <a:gd name="connsiteY8" fmla="*/ 1209136 h 2083506"/>
-              <a:gd name="connsiteX9" fmla="*/ 11609067 w 12191999"/>
-              <a:gd name="connsiteY9" fmla="*/ 1218512 h 2083506"/>
-              <a:gd name="connsiteX10" fmla="*/ 11545958 w 12191999"/>
-              <a:gd name="connsiteY10" fmla="*/ 1240430 h 2083506"/>
-              <a:gd name="connsiteX11" fmla="*/ 11445770 w 12191999"/>
-              <a:gd name="connsiteY11" fmla="*/ 1225780 h 2083506"/>
-              <a:gd name="connsiteX12" fmla="*/ 11398842 w 12191999"/>
-              <a:gd name="connsiteY12" fmla="*/ 1227250 h 2083506"/>
-              <a:gd name="connsiteX13" fmla="*/ 11240093 w 12191999"/>
-              <a:gd name="connsiteY13" fmla="*/ 1266797 h 2083506"/>
-              <a:gd name="connsiteX14" fmla="*/ 11141364 w 12191999"/>
-              <a:gd name="connsiteY14" fmla="*/ 1288059 h 2083506"/>
-              <a:gd name="connsiteX15" fmla="*/ 11015396 w 12191999"/>
-              <a:gd name="connsiteY15" fmla="*/ 1353104 h 2083506"/>
-              <a:gd name="connsiteX16" fmla="*/ 10973905 w 12191999"/>
-              <a:gd name="connsiteY16" fmla="*/ 1365109 h 2083506"/>
-              <a:gd name="connsiteX17" fmla="*/ 10904858 w 12191999"/>
-              <a:gd name="connsiteY17" fmla="*/ 1371966 h 2083506"/>
-              <a:gd name="connsiteX18" fmla="*/ 10827883 w 12191999"/>
-              <a:gd name="connsiteY18" fmla="*/ 1410270 h 2083506"/>
-              <a:gd name="connsiteX19" fmla="*/ 10690996 w 12191999"/>
-              <a:gd name="connsiteY19" fmla="*/ 1426394 h 2083506"/>
-              <a:gd name="connsiteX20" fmla="*/ 10624461 w 12191999"/>
-              <a:gd name="connsiteY20" fmla="*/ 1444283 h 2083506"/>
-              <a:gd name="connsiteX21" fmla="*/ 10517208 w 12191999"/>
-              <a:gd name="connsiteY21" fmla="*/ 1478947 h 2083506"/>
-              <a:gd name="connsiteX22" fmla="*/ 10497937 w 12191999"/>
-              <a:gd name="connsiteY22" fmla="*/ 1469831 h 2083506"/>
-              <a:gd name="connsiteX23" fmla="*/ 10471201 w 12191999"/>
-              <a:gd name="connsiteY23" fmla="*/ 1486037 h 2083506"/>
-              <a:gd name="connsiteX24" fmla="*/ 10448263 w 12191999"/>
-              <a:gd name="connsiteY24" fmla="*/ 1478223 h 2083506"/>
-              <a:gd name="connsiteX25" fmla="*/ 10388089 w 12191999"/>
-              <a:gd name="connsiteY25" fmla="*/ 1507175 h 2083506"/>
-              <a:gd name="connsiteX26" fmla="*/ 10333720 w 12191999"/>
-              <a:gd name="connsiteY26" fmla="*/ 1515848 h 2083506"/>
-              <a:gd name="connsiteX27" fmla="*/ 10104338 w 12191999"/>
-              <a:gd name="connsiteY27" fmla="*/ 1569424 h 2083506"/>
-              <a:gd name="connsiteX28" fmla="*/ 9910445 w 12191999"/>
-              <a:gd name="connsiteY28" fmla="*/ 1632275 h 2083506"/>
-              <a:gd name="connsiteX29" fmla="*/ 9770872 w 12191999"/>
-              <a:gd name="connsiteY29" fmla="*/ 1688088 h 2083506"/>
-              <a:gd name="connsiteX30" fmla="*/ 9733849 w 12191999"/>
-              <a:gd name="connsiteY30" fmla="*/ 1700034 h 2083506"/>
-              <a:gd name="connsiteX31" fmla="*/ 9703714 w 12191999"/>
-              <a:gd name="connsiteY31" fmla="*/ 1730093 h 2083506"/>
-              <a:gd name="connsiteX32" fmla="*/ 9698351 w 12191999"/>
-              <a:gd name="connsiteY32" fmla="*/ 1730377 h 2083506"/>
-              <a:gd name="connsiteX33" fmla="*/ 9632895 w 12191999"/>
-              <a:gd name="connsiteY33" fmla="*/ 1736363 h 2083506"/>
-              <a:gd name="connsiteX34" fmla="*/ 9569107 w 12191999"/>
-              <a:gd name="connsiteY34" fmla="*/ 1741010 h 2083506"/>
-              <a:gd name="connsiteX35" fmla="*/ 9536451 w 12191999"/>
-              <a:gd name="connsiteY35" fmla="*/ 1755120 h 2083506"/>
-              <a:gd name="connsiteX36" fmla="*/ 9529385 w 12191999"/>
-              <a:gd name="connsiteY36" fmla="*/ 1757515 h 2083506"/>
-              <a:gd name="connsiteX37" fmla="*/ 9498527 w 12191999"/>
-              <a:gd name="connsiteY37" fmla="*/ 1753117 h 2083506"/>
-              <a:gd name="connsiteX38" fmla="*/ 9436642 w 12191999"/>
-              <a:gd name="connsiteY38" fmla="*/ 1755478 h 2083506"/>
-              <a:gd name="connsiteX39" fmla="*/ 9429748 w 12191999"/>
-              <a:gd name="connsiteY39" fmla="*/ 1756317 h 2083506"/>
-              <a:gd name="connsiteX40" fmla="*/ 9429748 w 12191999"/>
-              <a:gd name="connsiteY40" fmla="*/ 1768745 h 2083506"/>
-              <a:gd name="connsiteX41" fmla="*/ 9425802 w 12191999"/>
-              <a:gd name="connsiteY41" fmla="*/ 1769273 h 2083506"/>
-              <a:gd name="connsiteX42" fmla="*/ 9349763 w 12191999"/>
-              <a:gd name="connsiteY42" fmla="*/ 1776107 h 2083506"/>
-              <a:gd name="connsiteX43" fmla="*/ 9256503 w 12191999"/>
-              <a:gd name="connsiteY43" fmla="*/ 1800699 h 2083506"/>
-              <a:gd name="connsiteX44" fmla="*/ 9222873 w 12191999"/>
-              <a:gd name="connsiteY44" fmla="*/ 1803003 h 2083506"/>
-              <a:gd name="connsiteX45" fmla="*/ 9224095 w 12191999"/>
-              <a:gd name="connsiteY45" fmla="*/ 1807355 h 2083506"/>
-              <a:gd name="connsiteX46" fmla="*/ 9211603 w 12191999"/>
-              <a:gd name="connsiteY46" fmla="*/ 1807675 h 2083506"/>
-              <a:gd name="connsiteX47" fmla="*/ 9183719 w 12191999"/>
-              <a:gd name="connsiteY47" fmla="*/ 1807781 h 2083506"/>
-              <a:gd name="connsiteX48" fmla="*/ 9100221 w 12191999"/>
-              <a:gd name="connsiteY48" fmla="*/ 1808989 h 2083506"/>
-              <a:gd name="connsiteX49" fmla="*/ 9077439 w 12191999"/>
-              <a:gd name="connsiteY49" fmla="*/ 1817333 h 2083506"/>
-              <a:gd name="connsiteX50" fmla="*/ 9055889 w 12191999"/>
-              <a:gd name="connsiteY50" fmla="*/ 1817464 h 2083506"/>
-              <a:gd name="connsiteX51" fmla="*/ 8930912 w 12191999"/>
-              <a:gd name="connsiteY51" fmla="*/ 1828648 h 2083506"/>
-              <a:gd name="connsiteX52" fmla="*/ 8913729 w 12191999"/>
-              <a:gd name="connsiteY52" fmla="*/ 1829483 h 2083506"/>
-              <a:gd name="connsiteX53" fmla="*/ 8904423 w 12191999"/>
-              <a:gd name="connsiteY53" fmla="*/ 1833234 h 2083506"/>
-              <a:gd name="connsiteX54" fmla="*/ 8871099 w 12191999"/>
-              <a:gd name="connsiteY54" fmla="*/ 1833979 h 2083506"/>
-              <a:gd name="connsiteX55" fmla="*/ 8869557 w 12191999"/>
-              <a:gd name="connsiteY55" fmla="*/ 1836113 h 2083506"/>
-              <a:gd name="connsiteX56" fmla="*/ 8760021 w 12191999"/>
-              <a:gd name="connsiteY56" fmla="*/ 1854442 h 2083506"/>
-              <a:gd name="connsiteX57" fmla="*/ 8741254 w 12191999"/>
-              <a:gd name="connsiteY57" fmla="*/ 1857469 h 2083506"/>
-              <a:gd name="connsiteX58" fmla="*/ 8725039 w 12191999"/>
-              <a:gd name="connsiteY58" fmla="*/ 1856552 h 2083506"/>
-              <a:gd name="connsiteX59" fmla="*/ 8635265 w 12191999"/>
-              <a:gd name="connsiteY59" fmla="*/ 1859168 h 2083506"/>
-              <a:gd name="connsiteX60" fmla="*/ 8613911 w 12191999"/>
-              <a:gd name="connsiteY60" fmla="*/ 1857561 h 2083506"/>
-              <a:gd name="connsiteX61" fmla="*/ 8604931 w 12191999"/>
-              <a:gd name="connsiteY61" fmla="*/ 1854170 h 2083506"/>
-              <a:gd name="connsiteX62" fmla="*/ 8570171 w 12191999"/>
-              <a:gd name="connsiteY62" fmla="*/ 1860579 h 2083506"/>
-              <a:gd name="connsiteX63" fmla="*/ 8516537 w 12191999"/>
-              <a:gd name="connsiteY63" fmla="*/ 1864971 h 2083506"/>
-              <a:gd name="connsiteX64" fmla="*/ 8491046 w 12191999"/>
-              <a:gd name="connsiteY64" fmla="*/ 1868141 h 2083506"/>
-              <a:gd name="connsiteX65" fmla="*/ 8470478 w 12191999"/>
-              <a:gd name="connsiteY65" fmla="*/ 1866216 h 2083506"/>
-              <a:gd name="connsiteX66" fmla="*/ 8353433 w 12191999"/>
-              <a:gd name="connsiteY66" fmla="*/ 1865729 h 2083506"/>
-              <a:gd name="connsiteX67" fmla="*/ 8347675 w 12191999"/>
-              <a:gd name="connsiteY67" fmla="*/ 1865075 h 2083506"/>
-              <a:gd name="connsiteX68" fmla="*/ 8343939 w 12191999"/>
-              <a:gd name="connsiteY68" fmla="*/ 1865677 h 2083506"/>
-              <a:gd name="connsiteX69" fmla="*/ 8221566 w 12191999"/>
-              <a:gd name="connsiteY69" fmla="*/ 1881148 h 2083506"/>
-              <a:gd name="connsiteX70" fmla="*/ 8066095 w 12191999"/>
-              <a:gd name="connsiteY70" fmla="*/ 1919902 h 2083506"/>
-              <a:gd name="connsiteX71" fmla="*/ 8044849 w 12191999"/>
-              <a:gd name="connsiteY71" fmla="*/ 1916308 h 2083506"/>
-              <a:gd name="connsiteX72" fmla="*/ 8041142 w 12191999"/>
-              <a:gd name="connsiteY72" fmla="*/ 1915506 h 2083506"/>
-              <a:gd name="connsiteX73" fmla="*/ 8022159 w 12191999"/>
-              <a:gd name="connsiteY73" fmla="*/ 1911521 h 2083506"/>
-              <a:gd name="connsiteX74" fmla="*/ 7944932 w 12191999"/>
-              <a:gd name="connsiteY74" fmla="*/ 1917265 h 2083506"/>
-              <a:gd name="connsiteX75" fmla="*/ 7879011 w 12191999"/>
-              <a:gd name="connsiteY75" fmla="*/ 1928570 h 2083506"/>
-              <a:gd name="connsiteX76" fmla="*/ 7865529 w 12191999"/>
-              <a:gd name="connsiteY76" fmla="*/ 1934399 h 2083506"/>
-              <a:gd name="connsiteX77" fmla="*/ 7774801 w 12191999"/>
-              <a:gd name="connsiteY77" fmla="*/ 1947969 h 2083506"/>
-              <a:gd name="connsiteX78" fmla="*/ 7748398 w 12191999"/>
-              <a:gd name="connsiteY78" fmla="*/ 1955982 h 2083506"/>
-              <a:gd name="connsiteX79" fmla="*/ 7740684 w 12191999"/>
-              <a:gd name="connsiteY79" fmla="*/ 1955717 h 2083506"/>
-              <a:gd name="connsiteX80" fmla="*/ 7712976 w 12191999"/>
-              <a:gd name="connsiteY80" fmla="*/ 1960442 h 2083506"/>
-              <a:gd name="connsiteX81" fmla="*/ 7699956 w 12191999"/>
-              <a:gd name="connsiteY81" fmla="*/ 1966104 h 2083506"/>
-              <a:gd name="connsiteX82" fmla="*/ 7684158 w 12191999"/>
-              <a:gd name="connsiteY82" fmla="*/ 1962927 h 2083506"/>
-              <a:gd name="connsiteX83" fmla="*/ 7643109 w 12191999"/>
-              <a:gd name="connsiteY83" fmla="*/ 1964400 h 2083506"/>
-              <a:gd name="connsiteX84" fmla="*/ 7630180 w 12191999"/>
-              <a:gd name="connsiteY84" fmla="*/ 1970266 h 2083506"/>
-              <a:gd name="connsiteX85" fmla="*/ 7609131 w 12191999"/>
-              <a:gd name="connsiteY85" fmla="*/ 1971774 h 2083506"/>
-              <a:gd name="connsiteX86" fmla="*/ 7555555 w 12191999"/>
-              <a:gd name="connsiteY86" fmla="*/ 1969491 h 2083506"/>
-              <a:gd name="connsiteX87" fmla="*/ 7520919 w 12191999"/>
-              <a:gd name="connsiteY87" fmla="*/ 1970177 h 2083506"/>
-              <a:gd name="connsiteX88" fmla="*/ 7456258 w 12191999"/>
-              <a:gd name="connsiteY88" fmla="*/ 1960468 h 2083506"/>
-              <a:gd name="connsiteX89" fmla="*/ 7393047 w 12191999"/>
-              <a:gd name="connsiteY89" fmla="*/ 1952408 h 2083506"/>
-              <a:gd name="connsiteX90" fmla="*/ 7199912 w 12191999"/>
-              <a:gd name="connsiteY90" fmla="*/ 1959913 h 2083506"/>
-              <a:gd name="connsiteX91" fmla="*/ 7146774 w 12191999"/>
-              <a:gd name="connsiteY91" fmla="*/ 1956641 h 2083506"/>
-              <a:gd name="connsiteX92" fmla="*/ 7122244 w 12191999"/>
-              <a:gd name="connsiteY92" fmla="*/ 1953891 h 2083506"/>
-              <a:gd name="connsiteX93" fmla="*/ 7032241 w 12191999"/>
-              <a:gd name="connsiteY93" fmla="*/ 1962723 h 2083506"/>
-              <a:gd name="connsiteX94" fmla="*/ 6941492 w 12191999"/>
-              <a:gd name="connsiteY94" fmla="*/ 1976868 h 2083506"/>
-              <a:gd name="connsiteX95" fmla="*/ 6906514 w 12191999"/>
-              <a:gd name="connsiteY95" fmla="*/ 1968589 h 2083506"/>
-              <a:gd name="connsiteX96" fmla="*/ 6826395 w 12191999"/>
-              <a:gd name="connsiteY96" fmla="*/ 1974141 h 2083506"/>
-              <a:gd name="connsiteX97" fmla="*/ 6716431 w 12191999"/>
-              <a:gd name="connsiteY97" fmla="*/ 2004297 h 2083506"/>
-              <a:gd name="connsiteX98" fmla="*/ 6569607 w 12191999"/>
-              <a:gd name="connsiteY98" fmla="*/ 2015496 h 2083506"/>
-              <a:gd name="connsiteX99" fmla="*/ 6561430 w 12191999"/>
-              <a:gd name="connsiteY99" fmla="*/ 2020996 h 2083506"/>
-              <a:gd name="connsiteX100" fmla="*/ 6549371 w 12191999"/>
-              <a:gd name="connsiteY100" fmla="*/ 2024747 h 2083506"/>
-              <a:gd name="connsiteX101" fmla="*/ 6547040 w 12191999"/>
-              <a:gd name="connsiteY101" fmla="*/ 2024474 h 2083506"/>
-              <a:gd name="connsiteX102" fmla="*/ 6530482 w 12191999"/>
-              <a:gd name="connsiteY102" fmla="*/ 2026659 h 2083506"/>
-              <a:gd name="connsiteX103" fmla="*/ 6528565 w 12191999"/>
-              <a:gd name="connsiteY103" fmla="*/ 2028600 h 2083506"/>
-              <a:gd name="connsiteX104" fmla="*/ 6517741 w 12191999"/>
-              <a:gd name="connsiteY104" fmla="*/ 2030558 h 2083506"/>
-              <a:gd name="connsiteX105" fmla="*/ 6497855 w 12191999"/>
-              <a:gd name="connsiteY105" fmla="*/ 2035650 h 2083506"/>
-              <a:gd name="connsiteX106" fmla="*/ 6492785 w 12191999"/>
-              <a:gd name="connsiteY106" fmla="*/ 2035444 h 2083506"/>
-              <a:gd name="connsiteX107" fmla="*/ 6460692 w 12191999"/>
-              <a:gd name="connsiteY107" fmla="*/ 2041321 h 2083506"/>
-              <a:gd name="connsiteX108" fmla="*/ 6459609 w 12191999"/>
-              <a:gd name="connsiteY108" fmla="*/ 2040851 h 2083506"/>
-              <a:gd name="connsiteX109" fmla="*/ 6447765 w 12191999"/>
-              <a:gd name="connsiteY109" fmla="*/ 2040102 h 2083506"/>
-              <a:gd name="connsiteX110" fmla="*/ 6426590 w 12191999"/>
-              <a:gd name="connsiteY110" fmla="*/ 2039928 h 2083506"/>
-              <a:gd name="connsiteX111" fmla="*/ 6401693 w 12191999"/>
-              <a:gd name="connsiteY111" fmla="*/ 2033537 h 2083506"/>
-              <a:gd name="connsiteX112" fmla="*/ 6387141 w 12191999"/>
-              <a:gd name="connsiteY112" fmla="*/ 2033161 h 2083506"/>
-              <a:gd name="connsiteX113" fmla="*/ 6357846 w 12191999"/>
-              <a:gd name="connsiteY113" fmla="*/ 2036782 h 2083506"/>
-              <a:gd name="connsiteX114" fmla="*/ 6342914 w 12191999"/>
-              <a:gd name="connsiteY114" fmla="*/ 2037585 h 2083506"/>
-              <a:gd name="connsiteX115" fmla="*/ 6336300 w 12191999"/>
-              <a:gd name="connsiteY115" fmla="*/ 2038781 h 2083506"/>
-              <a:gd name="connsiteX116" fmla="*/ 6317178 w 12191999"/>
-              <a:gd name="connsiteY116" fmla="*/ 2038968 h 2083506"/>
-              <a:gd name="connsiteX117" fmla="*/ 6161427 w 12191999"/>
-              <a:gd name="connsiteY117" fmla="*/ 2047338 h 2083506"/>
-              <a:gd name="connsiteX118" fmla="*/ 6097339 w 12191999"/>
-              <a:gd name="connsiteY118" fmla="*/ 2082438 h 2083506"/>
-              <a:gd name="connsiteX119" fmla="*/ 6079059 w 12191999"/>
-              <a:gd name="connsiteY119" fmla="*/ 2081299 h 2083506"/>
-              <a:gd name="connsiteX120" fmla="*/ 5998439 w 12191999"/>
-              <a:gd name="connsiteY120" fmla="*/ 2070958 h 2083506"/>
-              <a:gd name="connsiteX121" fmla="*/ 5904290 w 12191999"/>
-              <a:gd name="connsiteY121" fmla="*/ 2070255 h 2083506"/>
-              <a:gd name="connsiteX122" fmla="*/ 5814867 w 12191999"/>
-              <a:gd name="connsiteY122" fmla="*/ 2079032 h 2083506"/>
-              <a:gd name="connsiteX123" fmla="*/ 5725743 w 12191999"/>
-              <a:gd name="connsiteY123" fmla="*/ 2070558 h 2083506"/>
-              <a:gd name="connsiteX124" fmla="*/ 5650546 w 12191999"/>
-              <a:gd name="connsiteY124" fmla="*/ 2052412 h 2083506"/>
-              <a:gd name="connsiteX125" fmla="*/ 5581284 w 12191999"/>
-              <a:gd name="connsiteY125" fmla="*/ 2023175 h 2083506"/>
-              <a:gd name="connsiteX126" fmla="*/ 5572593 w 12191999"/>
-              <a:gd name="connsiteY126" fmla="*/ 2018391 h 2083506"/>
-              <a:gd name="connsiteX127" fmla="*/ 5548580 w 12191999"/>
-              <a:gd name="connsiteY127" fmla="*/ 2016951 h 2083506"/>
-              <a:gd name="connsiteX128" fmla="*/ 5471173 w 12191999"/>
-              <a:gd name="connsiteY128" fmla="*/ 2018786 h 2083506"/>
-              <a:gd name="connsiteX129" fmla="*/ 5340320 w 12191999"/>
-              <a:gd name="connsiteY129" fmla="*/ 2037611 h 2083506"/>
-              <a:gd name="connsiteX130" fmla="*/ 5254376 w 12191999"/>
-              <a:gd name="connsiteY130" fmla="*/ 2042928 h 2083506"/>
-              <a:gd name="connsiteX131" fmla="*/ 5258035 w 12191999"/>
-              <a:gd name="connsiteY131" fmla="*/ 2035649 h 2083506"/>
-              <a:gd name="connsiteX132" fmla="*/ 5230622 w 12191999"/>
-              <a:gd name="connsiteY132" fmla="*/ 2024576 h 2083506"/>
-              <a:gd name="connsiteX133" fmla="*/ 5026203 w 12191999"/>
-              <a:gd name="connsiteY133" fmla="*/ 2030162 h 2083506"/>
-              <a:gd name="connsiteX134" fmla="*/ 4973988 w 12191999"/>
-              <a:gd name="connsiteY134" fmla="*/ 2026668 h 2083506"/>
-              <a:gd name="connsiteX135" fmla="*/ 4928030 w 12191999"/>
-              <a:gd name="connsiteY135" fmla="*/ 2033642 h 2083506"/>
-              <a:gd name="connsiteX136" fmla="*/ 4908970 w 12191999"/>
-              <a:gd name="connsiteY136" fmla="*/ 2030033 h 2083506"/>
-              <a:gd name="connsiteX137" fmla="*/ 4905679 w 12191999"/>
-              <a:gd name="connsiteY137" fmla="*/ 2029300 h 2083506"/>
-              <a:gd name="connsiteX138" fmla="*/ 4892525 w 12191999"/>
-              <a:gd name="connsiteY138" fmla="*/ 2028768 h 2083506"/>
-              <a:gd name="connsiteX139" fmla="*/ 4888818 w 12191999"/>
-              <a:gd name="connsiteY139" fmla="*/ 2025619 h 2083506"/>
-              <a:gd name="connsiteX140" fmla="*/ 4869018 w 12191999"/>
-              <a:gd name="connsiteY140" fmla="*/ 2022668 h 2083506"/>
-              <a:gd name="connsiteX141" fmla="*/ 4844804 w 12191999"/>
-              <a:gd name="connsiteY141" fmla="*/ 2022527 h 2083506"/>
-              <a:gd name="connsiteX142" fmla="*/ 4758778 w 12191999"/>
-              <a:gd name="connsiteY142" fmla="*/ 2021694 h 2083506"/>
-              <a:gd name="connsiteX143" fmla="*/ 4744748 w 12191999"/>
-              <a:gd name="connsiteY143" fmla="*/ 2023396 h 2083506"/>
-              <a:gd name="connsiteX144" fmla="*/ 4698956 w 12191999"/>
-              <a:gd name="connsiteY144" fmla="*/ 2020558 h 2083506"/>
-              <a:gd name="connsiteX145" fmla="*/ 4658147 w 12191999"/>
-              <a:gd name="connsiteY145" fmla="*/ 2019920 h 2083506"/>
-              <a:gd name="connsiteX146" fmla="*/ 4631706 w 12191999"/>
-              <a:gd name="connsiteY146" fmla="*/ 2021274 h 2083506"/>
-              <a:gd name="connsiteX147" fmla="*/ 4624776 w 12191999"/>
-              <a:gd name="connsiteY147" fmla="*/ 2020152 h 2083506"/>
-              <a:gd name="connsiteX148" fmla="*/ 4598150 w 12191999"/>
-              <a:gd name="connsiteY148" fmla="*/ 2019429 h 2083506"/>
-              <a:gd name="connsiteX149" fmla="*/ 4584588 w 12191999"/>
-              <a:gd name="connsiteY149" fmla="*/ 2021092 h 2083506"/>
-              <a:gd name="connsiteX150" fmla="*/ 4571203 w 12191999"/>
-              <a:gd name="connsiteY150" fmla="*/ 2017263 h 2083506"/>
-              <a:gd name="connsiteX151" fmla="*/ 4567930 w 12191999"/>
-              <a:gd name="connsiteY151" fmla="*/ 2014458 h 2083506"/>
-              <a:gd name="connsiteX152" fmla="*/ 4548984 w 12191999"/>
-              <a:gd name="connsiteY152" fmla="*/ 2015717 h 2083506"/>
-              <a:gd name="connsiteX153" fmla="*/ 4533451 w 12191999"/>
-              <a:gd name="connsiteY153" fmla="*/ 2012976 h 2083506"/>
-              <a:gd name="connsiteX154" fmla="*/ 4519910 w 12191999"/>
-              <a:gd name="connsiteY154" fmla="*/ 2014768 h 2083506"/>
-              <a:gd name="connsiteX155" fmla="*/ 4514290 w 12191999"/>
-              <a:gd name="connsiteY155" fmla="*/ 2014364 h 2083506"/>
-              <a:gd name="connsiteX156" fmla="*/ 4500320 w 12191999"/>
-              <a:gd name="connsiteY156" fmla="*/ 2013007 h 2083506"/>
-              <a:gd name="connsiteX157" fmla="*/ 4476219 w 12191999"/>
-              <a:gd name="connsiteY157" fmla="*/ 2009993 h 2083506"/>
-              <a:gd name="connsiteX158" fmla="*/ 4468701 w 12191999"/>
-              <a:gd name="connsiteY158" fmla="*/ 2009574 h 2083506"/>
-              <a:gd name="connsiteX159" fmla="*/ 4452333 w 12191999"/>
-              <a:gd name="connsiteY159" fmla="*/ 2004964 h 2083506"/>
-              <a:gd name="connsiteX160" fmla="*/ 4420644 w 12191999"/>
-              <a:gd name="connsiteY160" fmla="*/ 2001021 h 2083506"/>
-              <a:gd name="connsiteX161" fmla="*/ 4364856 w 12191999"/>
-              <a:gd name="connsiteY161" fmla="*/ 1987267 h 2083506"/>
-              <a:gd name="connsiteX162" fmla="*/ 4332062 w 12191999"/>
-              <a:gd name="connsiteY162" fmla="*/ 1980703 h 2083506"/>
-              <a:gd name="connsiteX163" fmla="*/ 4309876 w 12191999"/>
-              <a:gd name="connsiteY163" fmla="*/ 1974653 h 2083506"/>
-              <a:gd name="connsiteX164" fmla="*/ 4244391 w 12191999"/>
-              <a:gd name="connsiteY164" fmla="*/ 1966109 h 2083506"/>
-              <a:gd name="connsiteX165" fmla="*/ 4132071 w 12191999"/>
-              <a:gd name="connsiteY165" fmla="*/ 1954813 h 2083506"/>
-              <a:gd name="connsiteX166" fmla="*/ 4109069 w 12191999"/>
-              <a:gd name="connsiteY166" fmla="*/ 1951778 h 2083506"/>
-              <a:gd name="connsiteX167" fmla="*/ 4092908 w 12191999"/>
-              <a:gd name="connsiteY167" fmla="*/ 1946662 h 2083506"/>
-              <a:gd name="connsiteX168" fmla="*/ 4092306 w 12191999"/>
-              <a:gd name="connsiteY168" fmla="*/ 1943291 h 2083506"/>
-              <a:gd name="connsiteX169" fmla="*/ 4080234 w 12191999"/>
-              <a:gd name="connsiteY169" fmla="*/ 1941219 h 2083506"/>
-              <a:gd name="connsiteX170" fmla="*/ 4077778 w 12191999"/>
-              <a:gd name="connsiteY170" fmla="*/ 1940145 h 2083506"/>
-              <a:gd name="connsiteX171" fmla="*/ 4062936 w 12191999"/>
-              <a:gd name="connsiteY171" fmla="*/ 1934506 h 2083506"/>
-              <a:gd name="connsiteX172" fmla="*/ 4012506 w 12191999"/>
-              <a:gd name="connsiteY172" fmla="*/ 1935475 h 2083506"/>
-              <a:gd name="connsiteX173" fmla="*/ 3965880 w 12191999"/>
-              <a:gd name="connsiteY173" fmla="*/ 1925968 h 2083506"/>
-              <a:gd name="connsiteX174" fmla="*/ 3765338 w 12191999"/>
-              <a:gd name="connsiteY174" fmla="*/ 1906649 h 2083506"/>
-              <a:gd name="connsiteX175" fmla="*/ 3749493 w 12191999"/>
-              <a:gd name="connsiteY175" fmla="*/ 1893071 h 2083506"/>
-              <a:gd name="connsiteX176" fmla="*/ 3672704 w 12191999"/>
-              <a:gd name="connsiteY176" fmla="*/ 1881383 h 2083506"/>
-              <a:gd name="connsiteX177" fmla="*/ 3530082 w 12191999"/>
-              <a:gd name="connsiteY177" fmla="*/ 1883187 h 2083506"/>
-              <a:gd name="connsiteX178" fmla="*/ 3387664 w 12191999"/>
-              <a:gd name="connsiteY178" fmla="*/ 1862579 h 2083506"/>
-              <a:gd name="connsiteX179" fmla="*/ 3371681 w 12191999"/>
-              <a:gd name="connsiteY179" fmla="*/ 1865293 h 2083506"/>
-              <a:gd name="connsiteX180" fmla="*/ 3355305 w 12191999"/>
-              <a:gd name="connsiteY180" fmla="*/ 1865842 h 2083506"/>
-              <a:gd name="connsiteX181" fmla="*/ 3353790 w 12191999"/>
-              <a:gd name="connsiteY181" fmla="*/ 1865158 h 2083506"/>
-              <a:gd name="connsiteX182" fmla="*/ 3336210 w 12191999"/>
-              <a:gd name="connsiteY182" fmla="*/ 1863564 h 2083506"/>
-              <a:gd name="connsiteX183" fmla="*/ 3331381 w 12191999"/>
-              <a:gd name="connsiteY183" fmla="*/ 1864716 h 2083506"/>
-              <a:gd name="connsiteX184" fmla="*/ 3319012 w 12191999"/>
-              <a:gd name="connsiteY184" fmla="*/ 1864093 h 2083506"/>
-              <a:gd name="connsiteX185" fmla="*/ 3293818 w 12191999"/>
-              <a:gd name="connsiteY185" fmla="*/ 1864135 h 2083506"/>
-              <a:gd name="connsiteX186" fmla="*/ 3289881 w 12191999"/>
-              <a:gd name="connsiteY186" fmla="*/ 1862954 h 2083506"/>
-              <a:gd name="connsiteX187" fmla="*/ 3253090 w 12191999"/>
-              <a:gd name="connsiteY187" fmla="*/ 1861164 h 2083506"/>
-              <a:gd name="connsiteX188" fmla="*/ 3252949 w 12191999"/>
-              <a:gd name="connsiteY188" fmla="*/ 1860574 h 2083506"/>
-              <a:gd name="connsiteX189" fmla="*/ 3244187 w 12191999"/>
-              <a:gd name="connsiteY189" fmla="*/ 1857604 h 2083506"/>
-              <a:gd name="connsiteX190" fmla="*/ 3246570 w 12191999"/>
-              <a:gd name="connsiteY190" fmla="*/ 1852946 h 2083506"/>
-              <a:gd name="connsiteX191" fmla="*/ 3237810 w 12191999"/>
-              <a:gd name="connsiteY191" fmla="*/ 1853064 h 2083506"/>
-              <a:gd name="connsiteX192" fmla="*/ 3230822 w 12191999"/>
-              <a:gd name="connsiteY192" fmla="*/ 1855474 h 2083506"/>
-              <a:gd name="connsiteX193" fmla="*/ 3136549 w 12191999"/>
-              <a:gd name="connsiteY193" fmla="*/ 1874037 h 2083506"/>
-              <a:gd name="connsiteX194" fmla="*/ 2845754 w 12191999"/>
-              <a:gd name="connsiteY194" fmla="*/ 1910932 h 2083506"/>
-              <a:gd name="connsiteX195" fmla="*/ 2786878 w 12191999"/>
-              <a:gd name="connsiteY195" fmla="*/ 1917162 h 2083506"/>
-              <a:gd name="connsiteX196" fmla="*/ 2725298 w 12191999"/>
-              <a:gd name="connsiteY196" fmla="*/ 1912340 h 2083506"/>
-              <a:gd name="connsiteX197" fmla="*/ 2697754 w 12191999"/>
-              <a:gd name="connsiteY197" fmla="*/ 1914863 h 2083506"/>
-              <a:gd name="connsiteX198" fmla="*/ 2568063 w 12191999"/>
-              <a:gd name="connsiteY198" fmla="*/ 1936283 h 2083506"/>
-              <a:gd name="connsiteX199" fmla="*/ 2489784 w 12191999"/>
-              <a:gd name="connsiteY199" fmla="*/ 1943720 h 2083506"/>
-              <a:gd name="connsiteX200" fmla="*/ 2458978 w 12191999"/>
-              <a:gd name="connsiteY200" fmla="*/ 1938095 h 2083506"/>
-              <a:gd name="connsiteX201" fmla="*/ 2318712 w 12191999"/>
-              <a:gd name="connsiteY201" fmla="*/ 1934474 h 2083506"/>
-              <a:gd name="connsiteX202" fmla="*/ 2268709 w 12191999"/>
-              <a:gd name="connsiteY202" fmla="*/ 1940521 h 2083506"/>
-              <a:gd name="connsiteX203" fmla="*/ 2264080 w 12191999"/>
-              <a:gd name="connsiteY203" fmla="*/ 1941232 h 2083506"/>
-              <a:gd name="connsiteX204" fmla="*/ 2254684 w 12191999"/>
-              <a:gd name="connsiteY204" fmla="*/ 1943524 h 2083506"/>
-              <a:gd name="connsiteX205" fmla="*/ 2252523 w 12191999"/>
-              <a:gd name="connsiteY205" fmla="*/ 1943004 h 2083506"/>
-              <a:gd name="connsiteX206" fmla="*/ 2173350 w 12191999"/>
-              <a:gd name="connsiteY206" fmla="*/ 1929202 h 2083506"/>
-              <a:gd name="connsiteX207" fmla="*/ 2155266 w 12191999"/>
-              <a:gd name="connsiteY207" fmla="*/ 1920267 h 2083506"/>
-              <a:gd name="connsiteX208" fmla="*/ 2091013 w 12191999"/>
-              <a:gd name="connsiteY208" fmla="*/ 1914631 h 2083506"/>
-              <a:gd name="connsiteX209" fmla="*/ 2030712 w 12191999"/>
-              <a:gd name="connsiteY209" fmla="*/ 1897690 h 2083506"/>
-              <a:gd name="connsiteX210" fmla="*/ 1908838 w 12191999"/>
-              <a:gd name="connsiteY210" fmla="*/ 1892222 h 2083506"/>
-              <a:gd name="connsiteX211" fmla="*/ 1877796 w 12191999"/>
-              <a:gd name="connsiteY211" fmla="*/ 1883887 h 2083506"/>
-              <a:gd name="connsiteX212" fmla="*/ 1875824 w 12191999"/>
-              <a:gd name="connsiteY212" fmla="*/ 1879265 h 2083506"/>
-              <a:gd name="connsiteX213" fmla="*/ 1823048 w 12191999"/>
-              <a:gd name="connsiteY213" fmla="*/ 1881064 h 2083506"/>
-              <a:gd name="connsiteX214" fmla="*/ 1765736 w 12191999"/>
-              <a:gd name="connsiteY214" fmla="*/ 1856578 h 2083506"/>
-              <a:gd name="connsiteX215" fmla="*/ 1725669 w 12191999"/>
-              <a:gd name="connsiteY215" fmla="*/ 1833744 h 2083506"/>
-              <a:gd name="connsiteX216" fmla="*/ 1725216 w 12191999"/>
-              <a:gd name="connsiteY216" fmla="*/ 1829447 h 2083506"/>
-              <a:gd name="connsiteX217" fmla="*/ 1721485 w 12191999"/>
-              <a:gd name="connsiteY217" fmla="*/ 1828960 h 2083506"/>
-              <a:gd name="connsiteX218" fmla="*/ 1717786 w 12191999"/>
-              <a:gd name="connsiteY218" fmla="*/ 1832224 h 2083506"/>
-              <a:gd name="connsiteX219" fmla="*/ 1689907 w 12191999"/>
-              <a:gd name="connsiteY219" fmla="*/ 1825425 h 2083506"/>
-              <a:gd name="connsiteX220" fmla="*/ 1688093 w 12191999"/>
-              <a:gd name="connsiteY220" fmla="*/ 1817391 h 2083506"/>
-              <a:gd name="connsiteX221" fmla="*/ 1496789 w 12191999"/>
-              <a:gd name="connsiteY221" fmla="*/ 1805297 h 2083506"/>
-              <a:gd name="connsiteX222" fmla="*/ 1392839 w 12191999"/>
-              <a:gd name="connsiteY222" fmla="*/ 1758649 h 2083506"/>
-              <a:gd name="connsiteX223" fmla="*/ 1360872 w 12191999"/>
-              <a:gd name="connsiteY223" fmla="*/ 1752441 h 2083506"/>
-              <a:gd name="connsiteX224" fmla="*/ 1313885 w 12191999"/>
-              <a:gd name="connsiteY224" fmla="*/ 1731785 h 2083506"/>
-              <a:gd name="connsiteX225" fmla="*/ 1247665 w 12191999"/>
-              <a:gd name="connsiteY225" fmla="*/ 1727765 h 2083506"/>
-              <a:gd name="connsiteX226" fmla="*/ 1196850 w 12191999"/>
-              <a:gd name="connsiteY226" fmla="*/ 1729622 h 2083506"/>
-              <a:gd name="connsiteX227" fmla="*/ 1168728 w 12191999"/>
-              <a:gd name="connsiteY227" fmla="*/ 1728550 h 2083506"/>
-              <a:gd name="connsiteX228" fmla="*/ 1096918 w 12191999"/>
-              <a:gd name="connsiteY228" fmla="*/ 1721485 h 2083506"/>
-              <a:gd name="connsiteX229" fmla="*/ 1094082 w 12191999"/>
-              <a:gd name="connsiteY229" fmla="*/ 1720113 h 2083506"/>
-              <a:gd name="connsiteX230" fmla="*/ 1040782 w 12191999"/>
-              <a:gd name="connsiteY230" fmla="*/ 1721762 h 2083506"/>
-              <a:gd name="connsiteX231" fmla="*/ 955980 w 12191999"/>
-              <a:gd name="connsiteY231" fmla="*/ 1719289 h 2083506"/>
-              <a:gd name="connsiteX232" fmla="*/ 926108 w 12191999"/>
-              <a:gd name="connsiteY232" fmla="*/ 1715917 h 2083506"/>
-              <a:gd name="connsiteX233" fmla="*/ 876049 w 12191999"/>
-              <a:gd name="connsiteY233" fmla="*/ 1710422 h 2083506"/>
-              <a:gd name="connsiteX234" fmla="*/ 839194 w 12191999"/>
-              <a:gd name="connsiteY234" fmla="*/ 1700176 h 2083506"/>
-              <a:gd name="connsiteX235" fmla="*/ 797112 w 12191999"/>
-              <a:gd name="connsiteY235" fmla="*/ 1698014 h 2083506"/>
-              <a:gd name="connsiteX236" fmla="*/ 786610 w 12191999"/>
-              <a:gd name="connsiteY236" fmla="*/ 1705455 h 2083506"/>
-              <a:gd name="connsiteX237" fmla="*/ 741833 w 12191999"/>
-              <a:gd name="connsiteY237" fmla="*/ 1700566 h 2083506"/>
-              <a:gd name="connsiteX238" fmla="*/ 673985 w 12191999"/>
-              <a:gd name="connsiteY238" fmla="*/ 1692278 h 2083506"/>
-              <a:gd name="connsiteX239" fmla="*/ 634665 w 12191999"/>
-              <a:gd name="connsiteY239" fmla="*/ 1689550 h 2083506"/>
-              <a:gd name="connsiteX240" fmla="*/ 527471 w 12191999"/>
-              <a:gd name="connsiteY240" fmla="*/ 1679869 h 2083506"/>
-              <a:gd name="connsiteX241" fmla="*/ 420260 w 12191999"/>
-              <a:gd name="connsiteY241" fmla="*/ 1668475 h 2083506"/>
-              <a:gd name="connsiteX242" fmla="*/ 357630 w 12191999"/>
-              <a:gd name="connsiteY242" fmla="*/ 1652142 h 2083506"/>
-              <a:gd name="connsiteX243" fmla="*/ 269407 w 12191999"/>
-              <a:gd name="connsiteY243" fmla="*/ 1643812 h 2083506"/>
-              <a:gd name="connsiteX244" fmla="*/ 254769 w 12191999"/>
-              <a:gd name="connsiteY244" fmla="*/ 1641013 h 2083506"/>
-              <a:gd name="connsiteX245" fmla="*/ 150763 w 12191999"/>
-              <a:gd name="connsiteY245" fmla="*/ 1628143 h 2083506"/>
-              <a:gd name="connsiteX246" fmla="*/ 29133 w 12191999"/>
-              <a:gd name="connsiteY246" fmla="*/ 1626172 h 2083506"/>
-              <a:gd name="connsiteX247" fmla="*/ 0 w 12191999"/>
-              <a:gd name="connsiteY247" fmla="*/ 1619589 h 2083506"/>
-            </a:gdLst>
-            <a:ahLst/>
-            <a:cxnLst>
-              <a:cxn ang="0">
-                <a:pos x="connsiteX0" y="connsiteY0"/>
-              </a:cxn>
-              <a:cxn ang="0">
-                <a:pos x="connsiteX1" y="connsiteY1"/>
-              </a:cxn>
-              <a:cxn ang="0">
-                <a:pos x="connsiteX2" y="connsiteY2"/>
-              </a:cxn>
-              <a:cxn ang="0">
-                <a:pos x="connsiteX3" y="connsiteY3"/>
-              </a:cxn>
-              <a:cxn ang="0">
-                <a:pos x="connsiteX4" y="connsiteY4"/>
-              </a:cxn>
-              <a:cxn ang="0">
-                <a:pos x="connsiteX5" y="connsiteY5"/>
-              </a:cxn>
-              <a:cxn ang="0">
-                <a:pos x="connsiteX6" y="connsiteY6"/>
-              </a:cxn>
-              <a:cxn ang="0">
-                <a:pos x="connsiteX7" y="connsiteY7"/>
-              </a:cxn>
-              <a:cxn ang="0">
-                <a:pos x="connsiteX8" y="connsiteY8"/>
-              </a:cxn>
-              <a:cxn ang="0">
-                <a:pos x="connsiteX9" y="connsiteY9"/>
-              </a:cxn>
-              <a:cxn ang="0">
-                <a:pos x="connsiteX10" y="connsiteY10"/>
-              </a:cxn>
-              <a:cxn ang="0">
-                <a:pos x="connsiteX11" y="connsiteY11"/>
-              </a:cxn>
-              <a:cxn ang="0">
-                <a:pos x="connsiteX12" y="connsiteY12"/>
-              </a:cxn>
-              <a:cxn ang="0">
-                <a:pos x="connsiteX13" y="connsiteY13"/>
-              </a:cxn>
-              <a:cxn ang="0">
-                <a:pos x="connsiteX14" y="connsiteY14"/>
-              </a:cxn>
-              <a:cxn ang="0">
-                <a:pos x="connsiteX15" y="connsiteY15"/>
-              </a:cxn>
-              <a:cxn ang="0">
-                <a:pos x="connsiteX16" y="connsiteY16"/>
-              </a:cxn>
-              <a:cxn ang="0">
-                <a:pos x="connsiteX17" y="connsiteY17"/>
-              </a:cxn>
-              <a:cxn ang="0">
-                <a:pos x="connsiteX18" y="connsiteY18"/>
-              </a:cxn>
-              <a:cxn ang="0">
-                <a:pos x="connsiteX19" y="connsiteY19"/>
-              </a:cxn>
-              <a:cxn ang="0">
-                <a:pos x="connsiteX20" y="connsiteY20"/>
-              </a:cxn>
-              <a:cxn ang="0">
-                <a:pos x="connsiteX21" y="connsiteY21"/>
-              </a:cxn>
-              <a:cxn ang="0">
-                <a:pos x="connsiteX22" y="connsiteY22"/>
-              </a:cxn>
-              <a:cxn ang="0">
-                <a:pos x="connsiteX23" y="connsiteY23"/>
-              </a:cxn>
-              <a:cxn ang="0">
-                <a:pos x="connsiteX24" y="connsiteY24"/>
-              </a:cxn>
-              <a:cxn ang="0">
-                <a:pos x="connsiteX25" y="connsiteY25"/>
-              </a:cxn>
-              <a:cxn ang="0">
-                <a:pos x="connsiteX26" y="connsiteY26"/>
-              </a:cxn>
-              <a:cxn ang="0">
-                <a:pos x="connsiteX27" y="connsiteY27"/>
-              </a:cxn>
-              <a:cxn ang="0">
-                <a:pos x="connsiteX28" y="connsiteY28"/>
-              </a:cxn>
-              <a:cxn ang="0">
-                <a:pos x="connsiteX29" y="connsiteY29"/>
-              </a:cxn>
-              <a:cxn ang="0">
-                <a:pos x="connsiteX30" y="connsiteY30"/>
-              </a:cxn>
-              <a:cxn ang="0">
-                <a:pos x="connsiteX31" y="connsiteY31"/>
-              </a:cxn>
-              <a:cxn ang="0">
-                <a:pos x="connsiteX32" y="connsiteY32"/>
-              </a:cxn>
-              <a:cxn ang="0">
-                <a:pos x="connsiteX33" y="connsiteY33"/>
-              </a:cxn>
-              <a:cxn ang="0">
-                <a:pos x="connsiteX34" y="connsiteY34"/>
-              </a:cxn>
-              <a:cxn ang="0">
-                <a:pos x="connsiteX35" y="connsiteY35"/>
-              </a:cxn>
-              <a:cxn ang="0">
-                <a:pos x="connsiteX36" y="connsiteY36"/>
-              </a:cxn>
-              <a:cxn ang="0">
-                <a:pos x="connsiteX37" y="connsiteY37"/>
-              </a:cxn>
-              <a:cxn ang="0">
-                <a:pos x="connsiteX38" y="connsiteY38"/>
-              </a:cxn>
-              <a:cxn ang="0">
-                <a:pos x="connsiteX39" y="connsiteY39"/>
-              </a:cxn>
-              <a:cxn ang="0">
-                <a:pos x="connsiteX40" y="connsiteY40"/>
-              </a:cxn>
-              <a:cxn ang="0">
-                <a:pos x="connsiteX41" y="connsiteY41"/>
-              </a:cxn>
-              <a:cxn ang="0">
-                <a:pos x="connsiteX42" y="connsiteY42"/>
-              </a:cxn>
-              <a:cxn ang="0">
-                <a:pos x="connsiteX43" y="connsiteY43"/>
-              </a:cxn>
-              <a:cxn ang="0">
-                <a:pos x="connsiteX44" y="connsiteY44"/>
-              </a:cxn>
-              <a:cxn ang="0">
-                <a:pos x="connsiteX45" y="connsiteY45"/>
-              </a:cxn>
-              <a:cxn ang="0">
-                <a:pos x="connsiteX46" y="connsiteY46"/>
-              </a:cxn>
-              <a:cxn ang="0">
-                <a:pos x="connsiteX47" y="connsiteY47"/>
-              </a:cxn>
-              <a:cxn ang="0">
-                <a:pos x="connsiteX48" y="connsiteY48"/>
-              </a:cxn>
-              <a:cxn ang="0">
-                <a:pos x="connsiteX49" y="connsiteY49"/>
-              </a:cxn>
-              <a:cxn ang="0">
-                <a:pos x="connsiteX50" y="connsiteY50"/>
-              </a:cxn>
-              <a:cxn ang="0">
-                <a:pos x="connsiteX51" y="connsiteY51"/>
-              </a:cxn>
-              <a:cxn ang="0">
-                <a:pos x="connsiteX52" y="connsiteY52"/>
-              </a:cxn>
-              <a:cxn ang="0">
-                <a:pos x="connsiteX53" y="connsiteY53"/>
-              </a:cxn>
-              <a:cxn ang="0">
-                <a:pos x="connsiteX54" y="connsiteY54"/>
-              </a:cxn>
-              <a:cxn ang="0">
-                <a:pos x="connsiteX55" y="connsiteY55"/>
-              </a:cxn>
-              <a:cxn ang="0">
-                <a:pos x="connsiteX56" y="connsiteY56"/>
-              </a:cxn>
-              <a:cxn ang="0">
-                <a:pos x="connsiteX57" y="connsiteY57"/>
-              </a:cxn>
-              <a:cxn ang="0">
-                <a:pos x="connsiteX58" y="connsiteY58"/>
-              </a:cxn>
-              <a:cxn ang="0">
-                <a:pos x="connsiteX59" y="connsiteY59"/>
-              </a:cxn>
-              <a:cxn ang="0">
-                <a:pos x="connsiteX60" y="connsiteY60"/>
-              </a:cxn>
-              <a:cxn ang="0">
-                <a:pos x="connsiteX61" y="connsiteY61"/>
-              </a:cxn>
-              <a:cxn ang="0">
-                <a:pos x="connsiteX62" y="connsiteY62"/>
-              </a:cxn>
-              <a:cxn ang="0">
-                <a:pos x="connsiteX63" y="connsiteY63"/>
-              </a:cxn>
-              <a:cxn ang="0">
-                <a:pos x="connsiteX64" y="connsiteY64"/>
-              </a:cxn>
-              <a:cxn ang="0">
-                <a:pos x="connsiteX65" y="connsiteY65"/>
-              </a:cxn>
-              <a:cxn ang="0">
-                <a:pos x="connsiteX66" y="connsiteY66"/>
-              </a:cxn>
-              <a:cxn ang="0">
-                <a:pos x="connsiteX67" y="connsiteY67"/>
-              </a:cxn>
-              <a:cxn ang="0">
-                <a:pos x="connsiteX68" y="connsiteY68"/>
-              </a:cxn>
-              <a:cxn ang="0">
-                <a:pos x="connsiteX69" y="connsiteY69"/>
-              </a:cxn>
-              <a:cxn ang="0">
-                <a:pos x="connsiteX70" y="connsiteY70"/>
-              </a:cxn>
-              <a:cxn ang="0">
-                <a:pos x="connsiteX71" y="connsiteY71"/>
-              </a:cxn>
-              <a:cxn ang="0">
-                <a:pos x="connsiteX72" y="connsiteY72"/>
-              </a:cxn>
-              <a:cxn ang="0">
-                <a:pos x="connsiteX73" y="connsiteY73"/>
-              </a:cxn>
-              <a:cxn ang="0">
-                <a:pos x="connsiteX74" y="connsiteY74"/>
-              </a:cxn>
-              <a:cxn ang="0">
-                <a:pos x="connsiteX75" y="connsiteY75"/>
-              </a:cxn>
-              <a:cxn ang="0">
-                <a:pos x="connsiteX76" y="connsiteY76"/>
-              </a:cxn>
-              <a:cxn ang="0">
-                <a:pos x="connsiteX77" y="connsiteY77"/>
-              </a:cxn>
-              <a:cxn ang="0">
-                <a:pos x="connsiteX78" y="connsiteY78"/>
-              </a:cxn>
-              <a:cxn ang="0">
-                <a:pos x="connsiteX79" y="connsiteY79"/>
-              </a:cxn>
-              <a:cxn ang="0">
-                <a:pos x="connsiteX80" y="connsiteY80"/>
-              </a:cxn>
-              <a:cxn ang="0">
-                <a:pos x="connsiteX81" y="connsiteY81"/>
-              </a:cxn>
-              <a:cxn ang="0">
-                <a:pos x="connsiteX82" y="connsiteY82"/>
-              </a:cxn>
-              <a:cxn ang="0">
-                <a:pos x="connsiteX83" y="connsiteY83"/>
-              </a:cxn>
-              <a:cxn ang="0">
-                <a:pos x="connsiteX84" y="connsiteY84"/>
-              </a:cxn>
-              <a:cxn ang="0">
-                <a:pos x="connsiteX85" y="connsiteY85"/>
-              </a:cxn>
-              <a:cxn ang="0">
-                <a:pos x="connsiteX86" y="connsiteY86"/>
-              </a:cxn>
-              <a:cxn ang="0">
-                <a:pos x="connsiteX87" y="connsiteY87"/>
-              </a:cxn>
-              <a:cxn ang="0">
-                <a:pos x="connsiteX88" y="connsiteY88"/>
-              </a:cxn>
-              <a:cxn ang="0">
-                <a:pos x="connsiteX89" y="connsiteY89"/>
-              </a:cxn>
-              <a:cxn ang="0">
-                <a:pos x="connsiteX90" y="connsiteY90"/>
-              </a:cxn>
-              <a:cxn ang="0">
-                <a:pos x="connsiteX91" y="connsiteY91"/>
-              </a:cxn>
-              <a:cxn ang="0">
-                <a:pos x="connsiteX92" y="connsiteY92"/>
-              </a:cxn>
-              <a:cxn ang="0">
-                <a:pos x="connsiteX93" y="connsiteY93"/>
-              </a:cxn>
-              <a:cxn ang="0">
-                <a:pos x="connsiteX94" y="connsiteY94"/>
-              </a:cxn>
-              <a:cxn ang="0">
-                <a:pos x="connsiteX95" y="connsiteY95"/>
-              </a:cxn>
-              <a:cxn ang="0">
-                <a:pos x="connsiteX96" y="connsiteY96"/>
-              </a:cxn>
-              <a:cxn ang="0">
-                <a:pos x="connsiteX97" y="connsiteY97"/>
-              </a:cxn>
-              <a:cxn ang="0">
-                <a:pos x="connsiteX98" y="connsiteY98"/>
-              </a:cxn>
-              <a:cxn ang="0">
-                <a:pos x="connsiteX99" y="connsiteY99"/>
-              </a:cxn>
-              <a:cxn ang="0">
-                <a:pos x="connsiteX100" y="connsiteY100"/>
-              </a:cxn>
-              <a:cxn ang="0">
-                <a:pos x="connsiteX101" y="connsiteY101"/>
-              </a:cxn>
-              <a:cxn ang="0">
-                <a:pos x="connsiteX102" y="connsiteY102"/>
-              </a:cxn>
-              <a:cxn ang="0">
-                <a:pos x="connsiteX103" y="connsiteY103"/>
-              </a:cxn>
-              <a:cxn ang="0">
-                <a:pos x="connsiteX104" y="connsiteY104"/>
-              </a:cxn>
-              <a:cxn ang="0">
-                <a:pos x="connsiteX105" y="connsiteY105"/>
-              </a:cxn>
-              <a:cxn ang="0">
-                <a:pos x="connsiteX106" y="connsiteY106"/>
-              </a:cxn>
-              <a:cxn ang="0">
-                <a:pos x="connsiteX107" y="connsiteY107"/>
-              </a:cxn>
-              <a:cxn ang="0">
-                <a:pos x="connsiteX108" y="connsiteY108"/>
-              </a:cxn>
-              <a:cxn ang="0">
-                <a:pos x="connsiteX109" y="connsiteY109"/>
-              </a:cxn>
-              <a:cxn ang="0">
-                <a:pos x="connsiteX110" y="connsiteY110"/>
-              </a:cxn>
-              <a:cxn ang="0">
-                <a:pos x="connsiteX111" y="connsiteY111"/>
-              </a:cxn>
-              <a:cxn ang="0">
-                <a:pos x="connsiteX112" y="connsiteY112"/>
-              </a:cxn>
-              <a:cxn ang="0">
-                <a:pos x="connsiteX113" y="connsiteY113"/>
-              </a:cxn>
-              <a:cxn ang="0">
-                <a:pos x="connsiteX114" y="connsiteY114"/>
-              </a:cxn>
-              <a:cxn ang="0">
-                <a:pos x="connsiteX115" y="connsiteY115"/>
-              </a:cxn>
-              <a:cxn ang="0">
-                <a:pos x="connsiteX116" y="connsiteY116"/>
-              </a:cxn>
-              <a:cxn ang="0">
-                <a:pos x="connsiteX117" y="connsiteY117"/>
-              </a:cxn>
-              <a:cxn ang="0">
-                <a:pos x="connsiteX118" y="connsiteY118"/>
-              </a:cxn>
-              <a:cxn ang="0">
-                <a:pos x="connsiteX119" y="connsiteY119"/>
-              </a:cxn>
-              <a:cxn ang="0">
-                <a:pos x="connsiteX120" y="connsiteY120"/>
-              </a:cxn>
-              <a:cxn ang="0">
-                <a:pos x="connsiteX121" y="connsiteY121"/>
-              </a:cxn>
-              <a:cxn ang="0">
-                <a:pos x="connsiteX122" y="connsiteY122"/>
-              </a:cxn>
-              <a:cxn ang="0">
-                <a:pos x="connsiteX123" y="connsiteY123"/>
-              </a:cxn>
-              <a:cxn ang="0">
-                <a:pos x="connsiteX124" y="connsiteY124"/>
-              </a:cxn>
-              <a:cxn ang="0">
-                <a:pos x="connsiteX125" y="connsiteY125"/>
-              </a:cxn>
-              <a:cxn ang="0">
-                <a:pos x="connsiteX126" y="connsiteY126"/>
-              </a:cxn>
-              <a:cxn ang="0">
-                <a:pos x="connsiteX127" y="connsiteY127"/>
-              </a:cxn>
-              <a:cxn ang="0">
-                <a:pos x="connsiteX128" y="connsiteY128"/>
-              </a:cxn>
-              <a:cxn ang="0">
-                <a:pos x="connsiteX129" y="connsiteY129"/>
-              </a:cxn>
-              <a:cxn ang="0">
-                <a:pos x="connsiteX130" y="connsiteY130"/>
-              </a:cxn>
-              <a:cxn ang="0">
-                <a:pos x="connsiteX131" y="connsiteY131"/>
-              </a:cxn>
-              <a:cxn ang="0">
-                <a:pos x="connsiteX132" y="connsiteY132"/>
-              </a:cxn>
-              <a:cxn ang="0">
-                <a:pos x="connsiteX133" y="connsiteY133"/>
-              </a:cxn>
-              <a:cxn ang="0">
-                <a:pos x="connsiteX134" y="connsiteY134"/>
-              </a:cxn>
-              <a:cxn ang="0">
-                <a:pos x="connsiteX135" y="connsiteY135"/>
-              </a:cxn>
-              <a:cxn ang="0">
-                <a:pos x="connsiteX136" y="connsiteY136"/>
-              </a:cxn>
-              <a:cxn ang="0">
-                <a:pos x="connsiteX137" y="connsiteY137"/>
-              </a:cxn>
-              <a:cxn ang="0">
-                <a:pos x="connsiteX138" y="connsiteY138"/>
-              </a:cxn>
-              <a:cxn ang="0">
-                <a:pos x="connsiteX139" y="connsiteY139"/>
-              </a:cxn>
-              <a:cxn ang="0">
-                <a:pos x="connsiteX140" y="connsiteY140"/>
-              </a:cxn>
-              <a:cxn ang="0">
-                <a:pos x="connsiteX141" y="connsiteY141"/>
-              </a:cxn>
-              <a:cxn ang="0">
-                <a:pos x="connsiteX142" y="connsiteY142"/>
-              </a:cxn>
-              <a:cxn ang="0">
-                <a:pos x="connsiteX143" y="connsiteY143"/>
-              </a:cxn>
-              <a:cxn ang="0">
-                <a:pos x="connsiteX144" y="connsiteY144"/>
-              </a:cxn>
-              <a:cxn ang="0">
-                <a:pos x="connsiteX145" y="connsiteY145"/>
-              </a:cxn>
-              <a:cxn ang="0">
-                <a:pos x="connsiteX146" y="connsiteY146"/>
-              </a:cxn>
-              <a:cxn ang="0">
-                <a:pos x="connsiteX147" y="connsiteY147"/>
-              </a:cxn>
-              <a:cxn ang="0">
-                <a:pos x="connsiteX148" y="connsiteY148"/>
-              </a:cxn>
-              <a:cxn ang="0">
-                <a:pos x="connsiteX149" y="connsiteY149"/>
-              </a:cxn>
-              <a:cxn ang="0">
-                <a:pos x="connsiteX150" y="connsiteY150"/>
-              </a:cxn>
-              <a:cxn ang="0">
-                <a:pos x="connsiteX151" y="connsiteY151"/>
-              </a:cxn>
-              <a:cxn ang="0">
-                <a:pos x="connsiteX152" y="connsiteY152"/>
-              </a:cxn>
-              <a:cxn ang="0">
-                <a:pos x="connsiteX153" y="connsiteY153"/>
-              </a:cxn>
-              <a:cxn ang="0">
-                <a:pos x="connsiteX154" y="connsiteY154"/>
-              </a:cxn>
-              <a:cxn ang="0">
-                <a:pos x="connsiteX155" y="connsiteY155"/>
-              </a:cxn>
-              <a:cxn ang="0">
-                <a:pos x="connsiteX156" y="connsiteY156"/>
-              </a:cxn>
-              <a:cxn ang="0">
-                <a:pos x="connsiteX157" y="connsiteY157"/>
-              </a:cxn>
-              <a:cxn ang="0">
-                <a:pos x="connsiteX158" y="connsiteY158"/>
-              </a:cxn>
-              <a:cxn ang="0">
-                <a:pos x="connsiteX159" y="connsiteY159"/>
-              </a:cxn>
-              <a:cxn ang="0">
-                <a:pos x="connsiteX160" y="connsiteY160"/>
-              </a:cxn>
-              <a:cxn ang="0">
-                <a:pos x="connsiteX161" y="connsiteY161"/>
-              </a:cxn>
-              <a:cxn ang="0">
-                <a:pos x="connsiteX162" y="connsiteY162"/>
-              </a:cxn>
-              <a:cxn ang="0">
-                <a:pos x="connsiteX163" y="connsiteY163"/>
-              </a:cxn>
-              <a:cxn ang="0">
-                <a:pos x="connsiteX164" y="connsiteY164"/>
-              </a:cxn>
-              <a:cxn ang="0">
-                <a:pos x="connsiteX165" y="connsiteY165"/>
-              </a:cxn>
-              <a:cxn ang="0">
-                <a:pos x="connsiteX166" y="connsiteY166"/>
-              </a:cxn>
-              <a:cxn ang="0">
-                <a:pos x="connsiteX167" y="connsiteY167"/>
-              </a:cxn>
-              <a:cxn ang="0">
-                <a:pos x="connsiteX168" y="connsiteY168"/>
-              </a:cxn>
-              <a:cxn ang="0">
-                <a:pos x="connsiteX169" y="connsiteY169"/>
-              </a:cxn>
-              <a:cxn ang="0">
-                <a:pos x="connsiteX170" y="connsiteY170"/>
-              </a:cxn>
-              <a:cxn ang="0">
-                <a:pos x="connsiteX171" y="connsiteY171"/>
-              </a:cxn>
-              <a:cxn ang="0">
-                <a:pos x="connsiteX172" y="connsiteY172"/>
-              </a:cxn>
-              <a:cxn ang="0">
-                <a:pos x="connsiteX173" y="connsiteY173"/>
-              </a:cxn>
-              <a:cxn ang="0">
-                <a:pos x="connsiteX174" y="connsiteY174"/>
-              </a:cxn>
-              <a:cxn ang="0">
-                <a:pos x="connsiteX175" y="connsiteY175"/>
-              </a:cxn>
-              <a:cxn ang="0">
-                <a:pos x="connsiteX176" y="connsiteY176"/>
-              </a:cxn>
-              <a:cxn ang="0">
-                <a:pos x="connsiteX177" y="connsiteY177"/>
-              </a:cxn>
-              <a:cxn ang="0">
-                <a:pos x="connsiteX178" y="connsiteY178"/>
-              </a:cxn>
-              <a:cxn ang="0">
-                <a:pos x="connsiteX179" y="connsiteY179"/>
-              </a:cxn>
-              <a:cxn ang="0">
-                <a:pos x="connsiteX180" y="connsiteY180"/>
-              </a:cxn>
-              <a:cxn ang="0">
-                <a:pos x="connsiteX181" y="connsiteY181"/>
-              </a:cxn>
-              <a:cxn ang="0">
-                <a:pos x="connsiteX182" y="connsiteY182"/>
-              </a:cxn>
-              <a:cxn ang="0">
-                <a:pos x="connsiteX183" y="connsiteY183"/>
-              </a:cxn>
-              <a:cxn ang="0">
-                <a:pos x="connsiteX184" y="connsiteY184"/>
-              </a:cxn>
-              <a:cxn ang="0">
-                <a:pos x="connsiteX185" y="connsiteY185"/>
-              </a:cxn>
-              <a:cxn ang="0">
-                <a:pos x="connsiteX186" y="connsiteY186"/>
-              </a:cxn>
-              <a:cxn ang="0">
-                <a:pos x="connsiteX187" y="connsiteY187"/>
-              </a:cxn>
-              <a:cxn ang="0">
-                <a:pos x="connsiteX188" y="connsiteY188"/>
-              </a:cxn>
-              <a:cxn ang="0">
-                <a:pos x="connsiteX189" y="connsiteY189"/>
-              </a:cxn>
-              <a:cxn ang="0">
-                <a:pos x="connsiteX190" y="connsiteY190"/>
-              </a:cxn>
-              <a:cxn ang="0">
-                <a:pos x="connsiteX191" y="connsiteY191"/>
-              </a:cxn>
-              <a:cxn ang="0">
-                <a:pos x="connsiteX192" y="connsiteY192"/>
-              </a:cxn>
-              <a:cxn ang="0">
-                <a:pos x="connsiteX193" y="connsiteY193"/>
-              </a:cxn>
-              <a:cxn ang="0">
-                <a:pos x="connsiteX194" y="connsiteY194"/>
-              </a:cxn>
-              <a:cxn ang="0">
-                <a:pos x="connsiteX195" y="connsiteY195"/>
-              </a:cxn>
-              <a:cxn ang="0">
-                <a:pos x="connsiteX196" y="connsiteY196"/>
-              </a:cxn>
-              <a:cxn ang="0">
-                <a:pos x="connsiteX197" y="connsiteY197"/>
-              </a:cxn>
-              <a:cxn ang="0">
-                <a:pos x="connsiteX198" y="connsiteY198"/>
-              </a:cxn>
-              <a:cxn ang="0">
-                <a:pos x="connsiteX199" y="connsiteY199"/>
-              </a:cxn>
-              <a:cxn ang="0">
-                <a:pos x="connsiteX200" y="connsiteY200"/>
-              </a:cxn>
-              <a:cxn ang="0">
-                <a:pos x="connsiteX201" y="connsiteY201"/>
-              </a:cxn>
-              <a:cxn ang="0">
-                <a:pos x="connsiteX202" y="connsiteY202"/>
-              </a:cxn>
-              <a:cxn ang="0">
-                <a:pos x="connsiteX203" y="connsiteY203"/>
-              </a:cxn>
-              <a:cxn ang="0">
-                <a:pos x="connsiteX204" y="connsiteY204"/>
-              </a:cxn>
-              <a:cxn ang="0">
-                <a:pos x="connsiteX205" y="connsiteY205"/>
-              </a:cxn>
-              <a:cxn ang="0">
-                <a:pos x="connsiteX206" y="connsiteY206"/>
-              </a:cxn>
-              <a:cxn ang="0">
-                <a:pos x="connsiteX207" y="connsiteY207"/>
-              </a:cxn>
-              <a:cxn ang="0">
-                <a:pos x="connsiteX208" y="connsiteY208"/>
-              </a:cxn>
-              <a:cxn ang="0">
-                <a:pos x="connsiteX209" y="connsiteY209"/>
-              </a:cxn>
-              <a:cxn ang="0">
-                <a:pos x="connsiteX210" y="connsiteY210"/>
-              </a:cxn>
-              <a:cxn ang="0">
-                <a:pos x="connsiteX211" y="connsiteY211"/>
-              </a:cxn>
-              <a:cxn ang="0">
-                <a:pos x="connsiteX212" y="connsiteY212"/>
-              </a:cxn>
-              <a:cxn ang="0">
-                <a:pos x="connsiteX213" y="connsiteY213"/>
-              </a:cxn>
-              <a:cxn ang="0">
-                <a:pos x="connsiteX214" y="connsiteY214"/>
-              </a:cxn>
-              <a:cxn ang="0">
-                <a:pos x="connsiteX215" y="connsiteY215"/>
-              </a:cxn>
-              <a:cxn ang="0">
-                <a:pos x="connsiteX216" y="connsiteY216"/>
-              </a:cxn>
-              <a:cxn ang="0">
-                <a:pos x="connsiteX217" y="connsiteY217"/>
-              </a:cxn>
-              <a:cxn ang="0">
-                <a:pos x="connsiteX218" y="connsiteY218"/>
-              </a:cxn>
-              <a:cxn ang="0">
-                <a:pos x="connsiteX219" y="connsiteY219"/>
-              </a:cxn>
-              <a:cxn ang="0">
-                <a:pos x="connsiteX220" y="connsiteY220"/>
-              </a:cxn>
-              <a:cxn ang="0">
-                <a:pos x="connsiteX221" y="connsiteY221"/>
-              </a:cxn>
-              <a:cxn ang="0">
-                <a:pos x="connsiteX222" y="connsiteY222"/>
-              </a:cxn>
-              <a:cxn ang="0">
-                <a:pos x="connsiteX223" y="connsiteY223"/>
-              </a:cxn>
-              <a:cxn ang="0">
-                <a:pos x="connsiteX224" y="connsiteY224"/>
-              </a:cxn>
-              <a:cxn ang="0">
-                <a:pos x="connsiteX225" y="connsiteY225"/>
-              </a:cxn>
-              <a:cxn ang="0">
-                <a:pos x="connsiteX226" y="connsiteY226"/>
-              </a:cxn>
-              <a:cxn ang="0">
-                <a:pos x="connsiteX227" y="connsiteY227"/>
-              </a:cxn>
-              <a:cxn ang="0">
-                <a:pos x="connsiteX228" y="connsiteY228"/>
-              </a:cxn>
-              <a:cxn ang="0">
-                <a:pos x="connsiteX229" y="connsiteY229"/>
-              </a:cxn>
-              <a:cxn ang="0">
-                <a:pos x="connsiteX230" y="connsiteY230"/>
-              </a:cxn>
-              <a:cxn ang="0">
-                <a:pos x="connsiteX231" y="connsiteY231"/>
-              </a:cxn>
-              <a:cxn ang="0">
-                <a:pos x="connsiteX232" y="connsiteY232"/>
-              </a:cxn>
-              <a:cxn ang="0">
-                <a:pos x="connsiteX233" y="connsiteY233"/>
-              </a:cxn>
-              <a:cxn ang="0">
-                <a:pos x="connsiteX234" y="connsiteY234"/>
-              </a:cxn>
-              <a:cxn ang="0">
-                <a:pos x="connsiteX235" y="connsiteY235"/>
-              </a:cxn>
-              <a:cxn ang="0">
-                <a:pos x="connsiteX236" y="connsiteY236"/>
-              </a:cxn>
-              <a:cxn ang="0">
-                <a:pos x="connsiteX237" y="connsiteY237"/>
-              </a:cxn>
-              <a:cxn ang="0">
-                <a:pos x="connsiteX238" y="connsiteY238"/>
-              </a:cxn>
-              <a:cxn ang="0">
-                <a:pos x="connsiteX239" y="connsiteY239"/>
-              </a:cxn>
-              <a:cxn ang="0">
-                <a:pos x="connsiteX240" y="connsiteY240"/>
-              </a:cxn>
-              <a:cxn ang="0">
-                <a:pos x="connsiteX241" y="connsiteY241"/>
-              </a:cxn>
-              <a:cxn ang="0">
-                <a:pos x="connsiteX242" y="connsiteY242"/>
-              </a:cxn>
-              <a:cxn ang="0">
-                <a:pos x="connsiteX243" y="connsiteY243"/>
-              </a:cxn>
-              <a:cxn ang="0">
-                <a:pos x="connsiteX244" y="connsiteY244"/>
-              </a:cxn>
-              <a:cxn ang="0">
-                <a:pos x="connsiteX245" y="connsiteY245"/>
-              </a:cxn>
-              <a:cxn ang="0">
-                <a:pos x="connsiteX246" y="connsiteY246"/>
-              </a:cxn>
-              <a:cxn ang="0">
-                <a:pos x="connsiteX247" y="connsiteY247"/>
-              </a:cxn>
-            </a:cxnLst>
-            <a:rect l="l" t="t" r="r" b="b"/>
-            <a:pathLst>
-              <a:path w="12191999" h="2083506">
-                <a:moveTo>
-                  <a:pt x="0" y="0"/>
-                </a:moveTo>
-                <a:lnTo>
-                  <a:pt x="9429748" y="0"/>
-                </a:lnTo>
-                <a:lnTo>
-                  <a:pt x="9429748" y="1"/>
-                </a:lnTo>
-                <a:lnTo>
-                  <a:pt x="12191999" y="1"/>
-                </a:lnTo>
-                <a:lnTo>
-                  <a:pt x="12191999" y="1164372"/>
-                </a:lnTo>
-                <a:lnTo>
-                  <a:pt x="12147852" y="1163783"/>
-                </a:lnTo>
-                <a:cubicBezTo>
-                  <a:pt x="12063101" y="1189107"/>
-                  <a:pt x="12045020" y="1156925"/>
-                  <a:pt x="11993604" y="1153496"/>
-                </a:cubicBezTo>
-                <a:cubicBezTo>
-                  <a:pt x="11954216" y="1165241"/>
-                  <a:pt x="11911195" y="1167350"/>
-                  <a:pt x="11865319" y="1176624"/>
-                </a:cubicBezTo>
-                <a:cubicBezTo>
-                  <a:pt x="11822513" y="1184682"/>
-                  <a:pt x="11766915" y="1201558"/>
-                  <a:pt x="11718353" y="1209136"/>
-                </a:cubicBezTo>
-                <a:cubicBezTo>
-                  <a:pt x="11675379" y="1217463"/>
-                  <a:pt x="11638007" y="1216639"/>
-                  <a:pt x="11609067" y="1218512"/>
-                </a:cubicBezTo>
-                <a:cubicBezTo>
-                  <a:pt x="11597582" y="1221322"/>
-                  <a:pt x="11554280" y="1243577"/>
-                  <a:pt x="11545958" y="1240430"/>
-                </a:cubicBezTo>
-                <a:lnTo>
-                  <a:pt x="11445770" y="1225780"/>
-                </a:lnTo>
-                <a:cubicBezTo>
-                  <a:pt x="11425543" y="1230782"/>
-                  <a:pt x="11413740" y="1222096"/>
-                  <a:pt x="11398842" y="1227250"/>
-                </a:cubicBezTo>
-                <a:cubicBezTo>
-                  <a:pt x="11367060" y="1233093"/>
-                  <a:pt x="11269285" y="1263712"/>
-                  <a:pt x="11240093" y="1266797"/>
-                </a:cubicBezTo>
-                <a:cubicBezTo>
-                  <a:pt x="11197297" y="1273685"/>
-                  <a:pt x="11181311" y="1272682"/>
-                  <a:pt x="11141364" y="1288059"/>
-                </a:cubicBezTo>
-                <a:cubicBezTo>
-                  <a:pt x="11099891" y="1305386"/>
-                  <a:pt x="11051533" y="1319157"/>
-                  <a:pt x="11015396" y="1353104"/>
-                </a:cubicBezTo>
-                <a:cubicBezTo>
-                  <a:pt x="11009424" y="1362217"/>
-                  <a:pt x="10992328" y="1361966"/>
-                  <a:pt x="10973905" y="1365109"/>
-                </a:cubicBezTo>
-                <a:cubicBezTo>
-                  <a:pt x="10955482" y="1368254"/>
-                  <a:pt x="10907369" y="1372817"/>
-                  <a:pt x="10904858" y="1371966"/>
-                </a:cubicBezTo>
-                <a:cubicBezTo>
-                  <a:pt x="10880521" y="1379494"/>
-                  <a:pt x="10873670" y="1399734"/>
-                  <a:pt x="10827883" y="1410270"/>
-                </a:cubicBezTo>
-                <a:cubicBezTo>
-                  <a:pt x="10790248" y="1415655"/>
-                  <a:pt x="10724899" y="1420726"/>
-                  <a:pt x="10690996" y="1426394"/>
-                </a:cubicBezTo>
-                <a:cubicBezTo>
-                  <a:pt x="10676463" y="1423331"/>
-                  <a:pt x="10634514" y="1436908"/>
-                  <a:pt x="10624461" y="1444283"/>
-                </a:cubicBezTo>
-                <a:cubicBezTo>
-                  <a:pt x="10601952" y="1468442"/>
-                  <a:pt x="10536224" y="1460228"/>
-                  <a:pt x="10517208" y="1478947"/>
-                </a:cubicBezTo>
-                <a:cubicBezTo>
-                  <a:pt x="10509508" y="1482271"/>
-                  <a:pt x="10505833" y="1468818"/>
-                  <a:pt x="10497937" y="1469831"/>
-                </a:cubicBezTo>
-                <a:lnTo>
-                  <a:pt x="10471201" y="1486037"/>
-                </a:lnTo>
-                <a:lnTo>
-                  <a:pt x="10448263" y="1478223"/>
-                </a:lnTo>
-                <a:lnTo>
-                  <a:pt x="10388089" y="1507175"/>
-                </a:lnTo>
-                <a:cubicBezTo>
-                  <a:pt x="10350285" y="1513081"/>
-                  <a:pt x="10383281" y="1526586"/>
-                  <a:pt x="10333720" y="1515848"/>
-                </a:cubicBezTo>
-                <a:cubicBezTo>
-                  <a:pt x="10286428" y="1526223"/>
-                  <a:pt x="10174884" y="1550019"/>
-                  <a:pt x="10104338" y="1569424"/>
-                </a:cubicBezTo>
-                <a:cubicBezTo>
-                  <a:pt x="10066963" y="1581564"/>
-                  <a:pt x="9967395" y="1605712"/>
-                  <a:pt x="9910445" y="1632275"/>
-                </a:cubicBezTo>
-                <a:cubicBezTo>
-                  <a:pt x="9856131" y="1644130"/>
-                  <a:pt x="9831118" y="1689967"/>
-                  <a:pt x="9770872" y="1688088"/>
-                </a:cubicBezTo>
-                <a:cubicBezTo>
-                  <a:pt x="9769882" y="1691843"/>
-                  <a:pt x="9737016" y="1697044"/>
-                  <a:pt x="9733849" y="1700034"/>
-                </a:cubicBezTo>
-                <a:lnTo>
-                  <a:pt x="9703714" y="1730093"/>
-                </a:lnTo>
-                <a:lnTo>
-                  <a:pt x="9698351" y="1730377"/>
-                </a:lnTo>
-                <a:lnTo>
-                  <a:pt x="9632895" y="1736363"/>
-                </a:lnTo>
-                <a:lnTo>
-                  <a:pt x="9569107" y="1741010"/>
-                </a:lnTo>
-                <a:cubicBezTo>
-                  <a:pt x="9558961" y="1745882"/>
-                  <a:pt x="9548028" y="1750646"/>
-                  <a:pt x="9536451" y="1755120"/>
-                </a:cubicBezTo>
-                <a:lnTo>
-                  <a:pt x="9529385" y="1757515"/>
-                </a:lnTo>
-                <a:lnTo>
-                  <a:pt x="9498527" y="1753117"/>
-                </a:lnTo>
-                <a:lnTo>
-                  <a:pt x="9436642" y="1755478"/>
-                </a:lnTo>
-                <a:lnTo>
-                  <a:pt x="9429748" y="1756317"/>
-                </a:lnTo>
-                <a:lnTo>
-                  <a:pt x="9429748" y="1768745"/>
-                </a:lnTo>
-                <a:lnTo>
-                  <a:pt x="9425802" y="1769273"/>
-                </a:lnTo>
-                <a:cubicBezTo>
-                  <a:pt x="9390751" y="1773262"/>
-                  <a:pt x="9371406" y="1773457"/>
-                  <a:pt x="9349763" y="1776107"/>
-                </a:cubicBezTo>
-                <a:cubicBezTo>
-                  <a:pt x="9314721" y="1782260"/>
-                  <a:pt x="9277650" y="1796217"/>
-                  <a:pt x="9256503" y="1800699"/>
-                </a:cubicBezTo>
-                <a:lnTo>
-                  <a:pt x="9222873" y="1803003"/>
-                </a:lnTo>
-                <a:lnTo>
-                  <a:pt x="9224095" y="1807355"/>
-                </a:lnTo>
-                <a:lnTo>
-                  <a:pt x="9211603" y="1807675"/>
-                </a:lnTo>
-                <a:lnTo>
-                  <a:pt x="9183719" y="1807781"/>
-                </a:lnTo>
-                <a:cubicBezTo>
-                  <a:pt x="9166319" y="1808439"/>
-                  <a:pt x="9117935" y="1807396"/>
-                  <a:pt x="9100221" y="1808989"/>
-                </a:cubicBezTo>
-                <a:cubicBezTo>
-                  <a:pt x="9095111" y="1813630"/>
-                  <a:pt x="9087224" y="1816160"/>
-                  <a:pt x="9077439" y="1817333"/>
-                </a:cubicBezTo>
-                <a:lnTo>
-                  <a:pt x="9055889" y="1817464"/>
-                </a:lnTo>
-                <a:lnTo>
-                  <a:pt x="8930912" y="1828648"/>
-                </a:lnTo>
-                <a:lnTo>
-                  <a:pt x="8913729" y="1829483"/>
-                </a:lnTo>
-                <a:lnTo>
-                  <a:pt x="8904423" y="1833234"/>
-                </a:lnTo>
-                <a:cubicBezTo>
-                  <a:pt x="8897319" y="1833982"/>
-                  <a:pt x="8876911" y="1833498"/>
-                  <a:pt x="8871099" y="1833979"/>
-                </a:cubicBezTo>
-                <a:lnTo>
-                  <a:pt x="8869557" y="1836113"/>
-                </a:lnTo>
-                <a:cubicBezTo>
-                  <a:pt x="8851043" y="1839524"/>
-                  <a:pt x="8781405" y="1850882"/>
-                  <a:pt x="8760021" y="1854442"/>
-                </a:cubicBezTo>
-                <a:cubicBezTo>
-                  <a:pt x="8755749" y="1851161"/>
-                  <a:pt x="8746183" y="1856343"/>
-                  <a:pt x="8741254" y="1857469"/>
-                </a:cubicBezTo>
-                <a:cubicBezTo>
-                  <a:pt x="8740491" y="1855259"/>
-                  <a:pt x="8728559" y="1854585"/>
-                  <a:pt x="8725039" y="1856552"/>
-                </a:cubicBezTo>
-                <a:cubicBezTo>
-                  <a:pt x="8641157" y="1867333"/>
-                  <a:pt x="8683145" y="1845054"/>
-                  <a:pt x="8635265" y="1859168"/>
-                </a:cubicBezTo>
-                <a:cubicBezTo>
-                  <a:pt x="8626795" y="1860103"/>
-                  <a:pt x="8619931" y="1859212"/>
-                  <a:pt x="8613911" y="1857561"/>
-                </a:cubicBezTo>
-                <a:lnTo>
-                  <a:pt x="8604931" y="1854170"/>
-                </a:lnTo>
-                <a:lnTo>
-                  <a:pt x="8570171" y="1860579"/>
-                </a:lnTo>
-                <a:cubicBezTo>
-                  <a:pt x="8553049" y="1862813"/>
-                  <a:pt x="8535028" y="1864294"/>
-                  <a:pt x="8516537" y="1864971"/>
-                </a:cubicBezTo>
-                <a:cubicBezTo>
-                  <a:pt x="8512388" y="1860455"/>
-                  <a:pt x="8497874" y="1866870"/>
-                  <a:pt x="8491046" y="1868141"/>
-                </a:cubicBezTo>
-                <a:cubicBezTo>
-                  <a:pt x="8490975" y="1865191"/>
-                  <a:pt x="8475847" y="1863778"/>
-                  <a:pt x="8470478" y="1866216"/>
-                </a:cubicBezTo>
-                <a:cubicBezTo>
-                  <a:pt x="8357654" y="1876758"/>
-                  <a:pt x="8421139" y="1849210"/>
-                  <a:pt x="8353433" y="1865729"/>
-                </a:cubicBezTo>
-                <a:lnTo>
-                  <a:pt x="8347675" y="1865075"/>
-                </a:lnTo>
-                <a:lnTo>
-                  <a:pt x="8343939" y="1865677"/>
-                </a:lnTo>
-                <a:cubicBezTo>
-                  <a:pt x="8309852" y="1870841"/>
-                  <a:pt x="8272587" y="1875809"/>
-                  <a:pt x="8221566" y="1881148"/>
-                </a:cubicBezTo>
-                <a:cubicBezTo>
-                  <a:pt x="8158043" y="1892960"/>
-                  <a:pt x="8095547" y="1914042"/>
-                  <a:pt x="8066095" y="1919902"/>
-                </a:cubicBezTo>
-                <a:cubicBezTo>
-                  <a:pt x="8058949" y="1919234"/>
-                  <a:pt x="8051921" y="1917862"/>
-                  <a:pt x="8044849" y="1916308"/>
-                </a:cubicBezTo>
-                <a:lnTo>
-                  <a:pt x="8041142" y="1915506"/>
-                </a:lnTo>
-                <a:lnTo>
-                  <a:pt x="8022159" y="1911521"/>
-                </a:lnTo>
-                <a:lnTo>
-                  <a:pt x="7944932" y="1917265"/>
-                </a:lnTo>
-                <a:lnTo>
-                  <a:pt x="7879011" y="1928570"/>
-                </a:lnTo>
-                <a:lnTo>
-                  <a:pt x="7865529" y="1934399"/>
-                </a:lnTo>
-                <a:lnTo>
-                  <a:pt x="7774801" y="1947969"/>
-                </a:lnTo>
-                <a:lnTo>
-                  <a:pt x="7748398" y="1955982"/>
-                </a:lnTo>
-                <a:lnTo>
-                  <a:pt x="7740684" y="1955717"/>
-                </a:lnTo>
-                <a:cubicBezTo>
-                  <a:pt x="7728362" y="1958584"/>
-                  <a:pt x="7714099" y="1968442"/>
-                  <a:pt x="7712976" y="1960442"/>
-                </a:cubicBezTo>
-                <a:lnTo>
-                  <a:pt x="7699956" y="1966104"/>
-                </a:lnTo>
-                <a:lnTo>
-                  <a:pt x="7684158" y="1962927"/>
-                </a:lnTo>
-                <a:cubicBezTo>
-                  <a:pt x="7674684" y="1962643"/>
-                  <a:pt x="7652105" y="1963177"/>
-                  <a:pt x="7643109" y="1964400"/>
-                </a:cubicBezTo>
-                <a:lnTo>
-                  <a:pt x="7630180" y="1970266"/>
-                </a:lnTo>
-                <a:lnTo>
-                  <a:pt x="7609131" y="1971774"/>
-                </a:lnTo>
-                <a:cubicBezTo>
-                  <a:pt x="7596694" y="1971644"/>
-                  <a:pt x="7570258" y="1969757"/>
-                  <a:pt x="7555555" y="1969491"/>
-                </a:cubicBezTo>
-                <a:cubicBezTo>
-                  <a:pt x="7541460" y="1966540"/>
-                  <a:pt x="7530571" y="1964848"/>
-                  <a:pt x="7520919" y="1970177"/>
-                </a:cubicBezTo>
-                <a:cubicBezTo>
-                  <a:pt x="7500295" y="1966884"/>
-                  <a:pt x="7480780" y="1949401"/>
-                  <a:pt x="7456258" y="1960468"/>
-                </a:cubicBezTo>
-                <a:cubicBezTo>
-                  <a:pt x="7434946" y="1957506"/>
-                  <a:pt x="7435772" y="1952500"/>
-                  <a:pt x="7393047" y="1952408"/>
-                </a:cubicBezTo>
-                <a:cubicBezTo>
-                  <a:pt x="7356520" y="1952860"/>
-                  <a:pt x="7236307" y="1958626"/>
-                  <a:pt x="7199912" y="1959913"/>
-                </a:cubicBezTo>
-                <a:cubicBezTo>
-                  <a:pt x="7176501" y="1959942"/>
-                  <a:pt x="7160098" y="1958343"/>
-                  <a:pt x="7146774" y="1956641"/>
-                </a:cubicBezTo>
-                <a:lnTo>
-                  <a:pt x="7122244" y="1953891"/>
-                </a:lnTo>
-                <a:lnTo>
-                  <a:pt x="7032241" y="1962723"/>
-                </a:lnTo>
-                <a:cubicBezTo>
-                  <a:pt x="6997214" y="1965198"/>
-                  <a:pt x="6963725" y="1968396"/>
-                  <a:pt x="6941492" y="1976868"/>
-                </a:cubicBezTo>
-                <a:cubicBezTo>
-                  <a:pt x="6947015" y="1970398"/>
-                  <a:pt x="6923088" y="1965379"/>
-                  <a:pt x="6906514" y="1968589"/>
-                </a:cubicBezTo>
-                <a:cubicBezTo>
-                  <a:pt x="6925890" y="1943204"/>
-                  <a:pt x="6840983" y="1991464"/>
-                  <a:pt x="6826395" y="1974141"/>
-                </a:cubicBezTo>
-                <a:cubicBezTo>
-                  <a:pt x="6825676" y="1990223"/>
-                  <a:pt x="6751393" y="2017492"/>
-                  <a:pt x="6716431" y="2004297"/>
-                </a:cubicBezTo>
-                <a:cubicBezTo>
-                  <a:pt x="6663167" y="2007518"/>
-                  <a:pt x="6625450" y="2020811"/>
-                  <a:pt x="6569607" y="2015496"/>
-                </a:cubicBezTo>
-                <a:cubicBezTo>
-                  <a:pt x="6567874" y="2017648"/>
-                  <a:pt x="6565034" y="2019449"/>
-                  <a:pt x="6561430" y="2020996"/>
-                </a:cubicBezTo>
-                <a:lnTo>
-                  <a:pt x="6549371" y="2024747"/>
-                </a:lnTo>
-                <a:lnTo>
-                  <a:pt x="6547040" y="2024474"/>
-                </a:lnTo>
-                <a:cubicBezTo>
-                  <a:pt x="6537882" y="2024425"/>
-                  <a:pt x="6533193" y="2025332"/>
-                  <a:pt x="6530482" y="2026659"/>
-                </a:cubicBezTo>
-                <a:lnTo>
-                  <a:pt x="6528565" y="2028600"/>
-                </a:lnTo>
-                <a:lnTo>
-                  <a:pt x="6517741" y="2030558"/>
-                </a:lnTo>
-                <a:lnTo>
-                  <a:pt x="6497855" y="2035650"/>
-                </a:lnTo>
-                <a:lnTo>
-                  <a:pt x="6492785" y="2035444"/>
-                </a:lnTo>
-                <a:lnTo>
-                  <a:pt x="6460692" y="2041321"/>
-                </a:lnTo>
-                <a:lnTo>
-                  <a:pt x="6459609" y="2040851"/>
-                </a:lnTo>
-                <a:cubicBezTo>
-                  <a:pt x="6456451" y="2039933"/>
-                  <a:pt x="6452734" y="2039508"/>
-                  <a:pt x="6447765" y="2040102"/>
-                </a:cubicBezTo>
-                <a:cubicBezTo>
-                  <a:pt x="6446007" y="2031126"/>
-                  <a:pt x="6441093" y="2037380"/>
-                  <a:pt x="6426590" y="2039928"/>
-                </a:cubicBezTo>
-                <a:cubicBezTo>
-                  <a:pt x="6423606" y="2033241"/>
-                  <a:pt x="6413230" y="2032925"/>
-                  <a:pt x="6401693" y="2033537"/>
-                </a:cubicBezTo>
-                <a:lnTo>
-                  <a:pt x="6387141" y="2033161"/>
-                </a:lnTo>
-                <a:lnTo>
-                  <a:pt x="6357846" y="2036782"/>
-                </a:lnTo>
-                <a:lnTo>
-                  <a:pt x="6342914" y="2037585"/>
-                </a:lnTo>
-                <a:lnTo>
-                  <a:pt x="6336300" y="2038781"/>
-                </a:lnTo>
-                <a:lnTo>
-                  <a:pt x="6317178" y="2038968"/>
-                </a:lnTo>
-                <a:lnTo>
-                  <a:pt x="6161427" y="2047338"/>
-                </a:lnTo>
-                <a:cubicBezTo>
-                  <a:pt x="6147824" y="2057658"/>
-                  <a:pt x="6118908" y="2077615"/>
-                  <a:pt x="6097339" y="2082438"/>
-                </a:cubicBezTo>
-                <a:cubicBezTo>
-                  <a:pt x="6090149" y="2084046"/>
-                  <a:pt x="6083776" y="2083972"/>
-                  <a:pt x="6079059" y="2081299"/>
-                </a:cubicBezTo>
-                <a:cubicBezTo>
-                  <a:pt x="6063900" y="2082334"/>
-                  <a:pt x="6011621" y="2084537"/>
-                  <a:pt x="5998439" y="2070958"/>
-                </a:cubicBezTo>
-                <a:cubicBezTo>
-                  <a:pt x="5976443" y="2071759"/>
-                  <a:pt x="5925514" y="2069780"/>
-                  <a:pt x="5904290" y="2070255"/>
-                </a:cubicBezTo>
-                <a:cubicBezTo>
-                  <a:pt x="5871515" y="2066244"/>
-                  <a:pt x="5843986" y="2088249"/>
-                  <a:pt x="5814867" y="2079032"/>
-                </a:cubicBezTo>
-                <a:cubicBezTo>
-                  <a:pt x="5792003" y="2070559"/>
-                  <a:pt x="5750009" y="2076273"/>
-                  <a:pt x="5725743" y="2070558"/>
-                </a:cubicBezTo>
-                <a:cubicBezTo>
-                  <a:pt x="5716432" y="2058355"/>
-                  <a:pt x="5667424" y="2047322"/>
-                  <a:pt x="5650546" y="2052412"/>
-                </a:cubicBezTo>
-                <a:cubicBezTo>
-                  <a:pt x="5614627" y="2046084"/>
-                  <a:pt x="5608108" y="2028306"/>
-                  <a:pt x="5581284" y="2023175"/>
-                </a:cubicBezTo>
-                <a:lnTo>
-                  <a:pt x="5572593" y="2018391"/>
-                </a:lnTo>
-                <a:lnTo>
-                  <a:pt x="5548580" y="2016951"/>
-                </a:lnTo>
-                <a:cubicBezTo>
-                  <a:pt x="5523726" y="2017783"/>
-                  <a:pt x="5498337" y="2019663"/>
-                  <a:pt x="5471173" y="2018786"/>
-                </a:cubicBezTo>
-                <a:cubicBezTo>
-                  <a:pt x="5447687" y="2003020"/>
-                  <a:pt x="5353807" y="2022324"/>
-                  <a:pt x="5340320" y="2037611"/>
-                </a:cubicBezTo>
-                <a:cubicBezTo>
-                  <a:pt x="5340015" y="2024215"/>
-                  <a:pt x="5271937" y="2042455"/>
-                  <a:pt x="5254376" y="2042928"/>
-                </a:cubicBezTo>
-                <a:cubicBezTo>
-                  <a:pt x="5248522" y="2043086"/>
-                  <a:pt x="5248281" y="2041270"/>
-                  <a:pt x="5258035" y="2035649"/>
-                </a:cubicBezTo>
-                <a:cubicBezTo>
-                  <a:pt x="5239374" y="2037214"/>
-                  <a:pt x="5220112" y="2030252"/>
-                  <a:pt x="5230622" y="2024576"/>
-                </a:cubicBezTo>
-                <a:cubicBezTo>
-                  <a:pt x="5173932" y="2036724"/>
-                  <a:pt x="5090262" y="2024645"/>
-                  <a:pt x="5026203" y="2030162"/>
-                </a:cubicBezTo>
-                <a:cubicBezTo>
-                  <a:pt x="4991280" y="2016814"/>
-                  <a:pt x="5010212" y="2029164"/>
-                  <a:pt x="4973988" y="2026668"/>
-                </a:cubicBezTo>
-                <a:cubicBezTo>
-                  <a:pt x="4983896" y="2038955"/>
-                  <a:pt x="4930012" y="2019774"/>
-                  <a:pt x="4928030" y="2033642"/>
-                </a:cubicBezTo>
-                <a:cubicBezTo>
-                  <a:pt x="4921501" y="2032748"/>
-                  <a:pt x="4915238" y="2031445"/>
-                  <a:pt x="4908970" y="2030033"/>
-                </a:cubicBezTo>
-                <a:lnTo>
-                  <a:pt x="4905679" y="2029300"/>
-                </a:lnTo>
-                <a:lnTo>
-                  <a:pt x="4892525" y="2028768"/>
-                </a:lnTo>
-                <a:lnTo>
-                  <a:pt x="4888818" y="2025619"/>
-                </a:lnTo>
-                <a:lnTo>
-                  <a:pt x="4869018" y="2022668"/>
-                </a:lnTo>
-                <a:cubicBezTo>
-                  <a:pt x="4861602" y="2022028"/>
-                  <a:pt x="4853622" y="2021880"/>
-                  <a:pt x="4844804" y="2022527"/>
-                </a:cubicBezTo>
-                <a:cubicBezTo>
-                  <a:pt x="4823110" y="2028022"/>
-                  <a:pt x="4789330" y="2021287"/>
-                  <a:pt x="4758778" y="2021694"/>
-                </a:cubicBezTo>
-                <a:lnTo>
-                  <a:pt x="4744748" y="2023396"/>
-                </a:lnTo>
-                <a:lnTo>
-                  <a:pt x="4698956" y="2020558"/>
-                </a:lnTo>
-                <a:cubicBezTo>
-                  <a:pt x="4685921" y="2020008"/>
-                  <a:pt x="4672392" y="2019718"/>
-                  <a:pt x="4658147" y="2019920"/>
-                </a:cubicBezTo>
-                <a:lnTo>
-                  <a:pt x="4631706" y="2021274"/>
-                </a:lnTo>
-                <a:lnTo>
-                  <a:pt x="4624776" y="2020152"/>
-                </a:lnTo>
-                <a:cubicBezTo>
-                  <a:pt x="4612703" y="2020277"/>
-                  <a:pt x="4596727" y="2024226"/>
-                  <a:pt x="4598150" y="2019429"/>
-                </a:cubicBezTo>
-                <a:lnTo>
-                  <a:pt x="4584588" y="2021092"/>
-                </a:lnTo>
-                <a:lnTo>
-                  <a:pt x="4571203" y="2017263"/>
-                </a:lnTo>
-                <a:cubicBezTo>
-                  <a:pt x="4569736" y="2016374"/>
-                  <a:pt x="4568633" y="2015427"/>
-                  <a:pt x="4567930" y="2014458"/>
-                </a:cubicBezTo>
-                <a:lnTo>
-                  <a:pt x="4548984" y="2015717"/>
-                </a:lnTo>
-                <a:lnTo>
-                  <a:pt x="4533451" y="2012976"/>
-                </a:lnTo>
-                <a:lnTo>
-                  <a:pt x="4519910" y="2014768"/>
-                </a:lnTo>
-                <a:lnTo>
-                  <a:pt x="4514290" y="2014364"/>
-                </a:lnTo>
-                <a:lnTo>
-                  <a:pt x="4500320" y="2013007"/>
-                </a:lnTo>
-                <a:cubicBezTo>
-                  <a:pt x="4493159" y="2012056"/>
-                  <a:pt x="4485144" y="2010910"/>
-                  <a:pt x="4476219" y="2009993"/>
-                </a:cubicBezTo>
-                <a:lnTo>
-                  <a:pt x="4468701" y="2009574"/>
-                </a:lnTo>
-                <a:lnTo>
-                  <a:pt x="4452333" y="2004964"/>
-                </a:lnTo>
-                <a:cubicBezTo>
-                  <a:pt x="4440422" y="2001479"/>
-                  <a:pt x="4431048" y="1999130"/>
-                  <a:pt x="4420644" y="2001021"/>
-                </a:cubicBezTo>
-                <a:cubicBezTo>
-                  <a:pt x="4402911" y="1996519"/>
-                  <a:pt x="4390524" y="1983900"/>
-                  <a:pt x="4364856" y="1987267"/>
-                </a:cubicBezTo>
-                <a:cubicBezTo>
-                  <a:pt x="4372645" y="1981550"/>
-                  <a:pt x="4336350" y="1986575"/>
-                  <a:pt x="4332062" y="1980703"/>
-                </a:cubicBezTo>
-                <a:cubicBezTo>
-                  <a:pt x="4330083" y="1975974"/>
-                  <a:pt x="4318612" y="1976397"/>
-                  <a:pt x="4309876" y="1974653"/>
-                </a:cubicBezTo>
-                <a:cubicBezTo>
-                  <a:pt x="4303650" y="1969824"/>
-                  <a:pt x="4259693" y="1965414"/>
-                  <a:pt x="4244391" y="1966109"/>
-                </a:cubicBezTo>
-                <a:cubicBezTo>
-                  <a:pt x="4201255" y="1970914"/>
-                  <a:pt x="4166558" y="1951471"/>
-                  <a:pt x="4132071" y="1954813"/>
-                </a:cubicBezTo>
-                <a:cubicBezTo>
-                  <a:pt x="4123041" y="1954358"/>
-                  <a:pt x="4115554" y="1953263"/>
-                  <a:pt x="4109069" y="1951778"/>
-                </a:cubicBezTo>
-                <a:lnTo>
-                  <a:pt x="4092908" y="1946662"/>
-                </a:lnTo>
-                <a:cubicBezTo>
-                  <a:pt x="4092707" y="1945539"/>
-                  <a:pt x="4092506" y="1944415"/>
-                  <a:pt x="4092306" y="1943291"/>
-                </a:cubicBezTo>
-                <a:lnTo>
-                  <a:pt x="4080234" y="1941219"/>
-                </a:lnTo>
-                <a:lnTo>
-                  <a:pt x="4077778" y="1940145"/>
-                </a:lnTo>
-                <a:cubicBezTo>
-                  <a:pt x="4073105" y="1938081"/>
-                  <a:pt x="4068339" y="1936119"/>
-                  <a:pt x="4062936" y="1934506"/>
-                </a:cubicBezTo>
-                <a:cubicBezTo>
-                  <a:pt x="4048082" y="1947155"/>
-                  <a:pt x="4014523" y="1922869"/>
-                  <a:pt x="4012506" y="1935475"/>
-                </a:cubicBezTo>
-                <a:cubicBezTo>
-                  <a:pt x="3980228" y="1928812"/>
-                  <a:pt x="3986775" y="1942559"/>
-                  <a:pt x="3965880" y="1925968"/>
-                </a:cubicBezTo>
-                <a:cubicBezTo>
-                  <a:pt x="3899515" y="1923414"/>
-                  <a:pt x="3830855" y="1902158"/>
-                  <a:pt x="3765338" y="1906649"/>
-                </a:cubicBezTo>
-                <a:cubicBezTo>
-                  <a:pt x="3780686" y="1902635"/>
-                  <a:pt x="3768784" y="1893856"/>
-                  <a:pt x="3749493" y="1893071"/>
-                </a:cubicBezTo>
-                <a:cubicBezTo>
-                  <a:pt x="3807776" y="1876857"/>
-                  <a:pt x="3656400" y="1898030"/>
-                  <a:pt x="3672704" y="1881383"/>
-                </a:cubicBezTo>
-                <a:cubicBezTo>
-                  <a:pt x="3645532" y="1893973"/>
-                  <a:pt x="3537791" y="1900656"/>
-                  <a:pt x="3530082" y="1883187"/>
-                </a:cubicBezTo>
-                <a:cubicBezTo>
-                  <a:pt x="3479808" y="1875044"/>
-                  <a:pt x="3426017" y="1877998"/>
-                  <a:pt x="3387664" y="1862579"/>
-                </a:cubicBezTo>
-                <a:cubicBezTo>
-                  <a:pt x="3382649" y="1863935"/>
-                  <a:pt x="3377277" y="1864791"/>
-                  <a:pt x="3371681" y="1865293"/>
-                </a:cubicBezTo>
-                <a:lnTo>
-                  <a:pt x="3355305" y="1865842"/>
-                </a:lnTo>
-                <a:lnTo>
-                  <a:pt x="3353790" y="1865158"/>
-                </a:lnTo>
-                <a:cubicBezTo>
-                  <a:pt x="3346144" y="1863282"/>
-                  <a:pt x="3340687" y="1863057"/>
-                  <a:pt x="3336210" y="1863564"/>
-                </a:cubicBezTo>
-                <a:lnTo>
-                  <a:pt x="3331381" y="1864716"/>
-                </a:lnTo>
-                <a:lnTo>
-                  <a:pt x="3319012" y="1864093"/>
-                </a:lnTo>
-                <a:lnTo>
-                  <a:pt x="3293818" y="1864135"/>
-                </a:lnTo>
-                <a:lnTo>
-                  <a:pt x="3289881" y="1862954"/>
-                </a:lnTo>
-                <a:lnTo>
-                  <a:pt x="3253090" y="1861164"/>
-                </a:lnTo>
-                <a:cubicBezTo>
-                  <a:pt x="3253042" y="1860968"/>
-                  <a:pt x="3252996" y="1860771"/>
-                  <a:pt x="3252949" y="1860574"/>
-                </a:cubicBezTo>
-                <a:cubicBezTo>
-                  <a:pt x="3251799" y="1859213"/>
-                  <a:pt x="3249368" y="1858131"/>
-                  <a:pt x="3244187" y="1857604"/>
-                </a:cubicBezTo>
-                <a:cubicBezTo>
-                  <a:pt x="3250860" y="1853873"/>
-                  <a:pt x="3250577" y="1852999"/>
-                  <a:pt x="3246570" y="1852946"/>
-                </a:cubicBezTo>
-                <a:lnTo>
-                  <a:pt x="3237810" y="1853064"/>
-                </a:lnTo>
-                <a:lnTo>
-                  <a:pt x="3230822" y="1855474"/>
-                </a:lnTo>
-                <a:cubicBezTo>
-                  <a:pt x="3206812" y="1862286"/>
-                  <a:pt x="3176733" y="1868865"/>
-                  <a:pt x="3136549" y="1874037"/>
-                </a:cubicBezTo>
-                <a:cubicBezTo>
-                  <a:pt x="3081163" y="1880168"/>
-                  <a:pt x="2902557" y="1900580"/>
-                  <a:pt x="2845754" y="1910932"/>
-                </a:cubicBezTo>
-                <a:cubicBezTo>
-                  <a:pt x="2860822" y="1944376"/>
-                  <a:pt x="2813389" y="1905358"/>
-                  <a:pt x="2786878" y="1917162"/>
-                </a:cubicBezTo>
-                <a:cubicBezTo>
-                  <a:pt x="2766803" y="1917398"/>
-                  <a:pt x="2741628" y="1915886"/>
-                  <a:pt x="2725298" y="1912340"/>
-                </a:cubicBezTo>
-                <a:cubicBezTo>
-                  <a:pt x="2716680" y="1911427"/>
-                  <a:pt x="2707572" y="1911972"/>
-                  <a:pt x="2697754" y="1914863"/>
-                </a:cubicBezTo>
-                <a:cubicBezTo>
-                  <a:pt x="2667185" y="1939014"/>
-                  <a:pt x="2622149" y="1926211"/>
-                  <a:pt x="2568063" y="1936283"/>
-                </a:cubicBezTo>
-                <a:cubicBezTo>
-                  <a:pt x="2552625" y="1932001"/>
-                  <a:pt x="2502682" y="1953378"/>
-                  <a:pt x="2489784" y="1943720"/>
-                </a:cubicBezTo>
-                <a:cubicBezTo>
-                  <a:pt x="2478524" y="1943155"/>
-                  <a:pt x="2467418" y="1949411"/>
-                  <a:pt x="2458978" y="1938095"/>
-                </a:cubicBezTo>
-                <a:cubicBezTo>
-                  <a:pt x="2417552" y="1934639"/>
-                  <a:pt x="2366376" y="1931293"/>
-                  <a:pt x="2318712" y="1934474"/>
-                </a:cubicBezTo>
-                <a:cubicBezTo>
-                  <a:pt x="2296029" y="1936526"/>
-                  <a:pt x="2282069" y="1938434"/>
-                  <a:pt x="2268709" y="1940521"/>
-                </a:cubicBezTo>
-                <a:lnTo>
-                  <a:pt x="2264080" y="1941232"/>
-                </a:lnTo>
-                <a:lnTo>
-                  <a:pt x="2254684" y="1943524"/>
-                </a:lnTo>
-                <a:lnTo>
-                  <a:pt x="2252523" y="1943004"/>
-                </a:lnTo>
-                <a:lnTo>
-                  <a:pt x="2173350" y="1929202"/>
-                </a:lnTo>
-                <a:lnTo>
-                  <a:pt x="2155266" y="1920267"/>
-                </a:lnTo>
-                <a:lnTo>
-                  <a:pt x="2091013" y="1914631"/>
-                </a:lnTo>
-                <a:cubicBezTo>
-                  <a:pt x="2033357" y="1920614"/>
-                  <a:pt x="2070513" y="1905065"/>
-                  <a:pt x="2030712" y="1897690"/>
-                </a:cubicBezTo>
-                <a:cubicBezTo>
-                  <a:pt x="1994539" y="1893055"/>
-                  <a:pt x="1958569" y="1883188"/>
-                  <a:pt x="1908838" y="1892222"/>
-                </a:cubicBezTo>
-                <a:cubicBezTo>
-                  <a:pt x="1897236" y="1896147"/>
-                  <a:pt x="1883338" y="1892415"/>
-                  <a:pt x="1877796" y="1883887"/>
-                </a:cubicBezTo>
-                <a:cubicBezTo>
-                  <a:pt x="1876842" y="1882419"/>
-                  <a:pt x="1876177" y="1880863"/>
-                  <a:pt x="1875824" y="1879265"/>
-                </a:cubicBezTo>
-                <a:cubicBezTo>
-                  <a:pt x="1843474" y="1887199"/>
-                  <a:pt x="1841511" y="1873818"/>
-                  <a:pt x="1823048" y="1881064"/>
-                </a:cubicBezTo>
-                <a:cubicBezTo>
-                  <a:pt x="1792640" y="1872164"/>
-                  <a:pt x="1782358" y="1850450"/>
-                  <a:pt x="1765736" y="1856578"/>
-                </a:cubicBezTo>
-                <a:cubicBezTo>
-                  <a:pt x="1753024" y="1849107"/>
-                  <a:pt x="1745932" y="1828316"/>
-                  <a:pt x="1725669" y="1833744"/>
-                </a:cubicBezTo>
-                <a:cubicBezTo>
-                  <a:pt x="1727428" y="1831405"/>
-                  <a:pt x="1726953" y="1830157"/>
-                  <a:pt x="1725216" y="1829447"/>
-                </a:cubicBezTo>
-                <a:lnTo>
-                  <a:pt x="1721485" y="1828960"/>
-                </a:lnTo>
-                <a:lnTo>
-                  <a:pt x="1717786" y="1832224"/>
-                </a:lnTo>
-                <a:cubicBezTo>
-                  <a:pt x="1703445" y="1843277"/>
-                  <a:pt x="1706547" y="1827935"/>
-                  <a:pt x="1689907" y="1825425"/>
-                </a:cubicBezTo>
-                <a:cubicBezTo>
-                  <a:pt x="1682338" y="1823445"/>
-                  <a:pt x="1685181" y="1820226"/>
-                  <a:pt x="1688093" y="1817391"/>
-                </a:cubicBezTo>
-                <a:lnTo>
-                  <a:pt x="1496789" y="1805297"/>
-                </a:lnTo>
-                <a:cubicBezTo>
-                  <a:pt x="1463551" y="1793913"/>
-                  <a:pt x="1426345" y="1786892"/>
-                  <a:pt x="1392839" y="1758649"/>
-                </a:cubicBezTo>
-                <a:cubicBezTo>
-                  <a:pt x="1386461" y="1750573"/>
-                  <a:pt x="1374031" y="1756918"/>
-                  <a:pt x="1360872" y="1752441"/>
-                </a:cubicBezTo>
-                <a:cubicBezTo>
-                  <a:pt x="1347711" y="1747963"/>
-                  <a:pt x="1332751" y="1735898"/>
-                  <a:pt x="1313885" y="1731785"/>
-                </a:cubicBezTo>
-                <a:cubicBezTo>
-                  <a:pt x="1281989" y="1726305"/>
-                  <a:pt x="1256405" y="1739744"/>
-                  <a:pt x="1247665" y="1727765"/>
-                </a:cubicBezTo>
-                <a:cubicBezTo>
-                  <a:pt x="1231363" y="1728538"/>
-                  <a:pt x="1209120" y="1742556"/>
-                  <a:pt x="1196850" y="1729622"/>
-                </a:cubicBezTo>
-                <a:cubicBezTo>
-                  <a:pt x="1195195" y="1740224"/>
-                  <a:pt x="1178147" y="1721561"/>
-                  <a:pt x="1168728" y="1728550"/>
-                </a:cubicBezTo>
-                <a:cubicBezTo>
-                  <a:pt x="1152073" y="1727193"/>
-                  <a:pt x="1122804" y="1725926"/>
-                  <a:pt x="1096918" y="1721485"/>
-                </a:cubicBezTo>
-                <a:lnTo>
-                  <a:pt x="1094082" y="1720113"/>
-                </a:lnTo>
-                <a:lnTo>
-                  <a:pt x="1040782" y="1721762"/>
-                </a:lnTo>
-                <a:cubicBezTo>
-                  <a:pt x="987172" y="1722352"/>
-                  <a:pt x="1023272" y="1708707"/>
-                  <a:pt x="955980" y="1719289"/>
-                </a:cubicBezTo>
-                <a:cubicBezTo>
-                  <a:pt x="948995" y="1714208"/>
-                  <a:pt x="940521" y="1713816"/>
-                  <a:pt x="926108" y="1715917"/>
-                </a:cubicBezTo>
-                <a:cubicBezTo>
-                  <a:pt x="900077" y="1715834"/>
-                  <a:pt x="902688" y="1703436"/>
-                  <a:pt x="876049" y="1710422"/>
-                </a:cubicBezTo>
-                <a:cubicBezTo>
-                  <a:pt x="881084" y="1703830"/>
-                  <a:pt x="826830" y="1706893"/>
-                  <a:pt x="839194" y="1700176"/>
-                </a:cubicBezTo>
-                <a:cubicBezTo>
-                  <a:pt x="822548" y="1693764"/>
-                  <a:pt x="813674" y="1703628"/>
-                  <a:pt x="797112" y="1698014"/>
-                </a:cubicBezTo>
-                <a:cubicBezTo>
-                  <a:pt x="778195" y="1696418"/>
-                  <a:pt x="807647" y="1705364"/>
-                  <a:pt x="786610" y="1705455"/>
-                </a:cubicBezTo>
-                <a:cubicBezTo>
-                  <a:pt x="761170" y="1704357"/>
-                  <a:pt x="760599" y="1716610"/>
-                  <a:pt x="741833" y="1700566"/>
-                </a:cubicBezTo>
-                <a:lnTo>
-                  <a:pt x="673985" y="1692278"/>
-                </a:lnTo>
-                <a:cubicBezTo>
-                  <a:pt x="658515" y="1695829"/>
-                  <a:pt x="646395" y="1693620"/>
-                  <a:pt x="634665" y="1689550"/>
-                </a:cubicBezTo>
-                <a:cubicBezTo>
-                  <a:pt x="599149" y="1689690"/>
-                  <a:pt x="567176" y="1683160"/>
-                  <a:pt x="527471" y="1679869"/>
-                </a:cubicBezTo>
-                <a:cubicBezTo>
-                  <a:pt x="484099" y="1683240"/>
-                  <a:pt x="462693" y="1671949"/>
-                  <a:pt x="420260" y="1668475"/>
-                </a:cubicBezTo>
-                <a:cubicBezTo>
-                  <a:pt x="377482" y="1677390"/>
-                  <a:pt x="393500" y="1652730"/>
-                  <a:pt x="357630" y="1652142"/>
-                </a:cubicBezTo>
-                <a:cubicBezTo>
-                  <a:pt x="298692" y="1659518"/>
-                  <a:pt x="359631" y="1643849"/>
-                  <a:pt x="269407" y="1643812"/>
-                </a:cubicBezTo>
-                <a:cubicBezTo>
-                  <a:pt x="264204" y="1645215"/>
-                  <a:pt x="253436" y="1643159"/>
-                  <a:pt x="254769" y="1641013"/>
-                </a:cubicBezTo>
-                <a:cubicBezTo>
-                  <a:pt x="234996" y="1641090"/>
-                  <a:pt x="179093" y="1626583"/>
-                  <a:pt x="150763" y="1628143"/>
-                </a:cubicBezTo>
-                <a:cubicBezTo>
-                  <a:pt x="96232" y="1619954"/>
-                  <a:pt x="68845" y="1629422"/>
-                  <a:pt x="29133" y="1626172"/>
-                </a:cubicBezTo>
-                <a:lnTo>
-                  <a:pt x="0" y="1619589"/>
-                </a:lnTo>
-                <a:close/>
-              </a:path>
-            </a:pathLst>
-          </a:custGeom>
-          <a:solidFill>
-            <a:srgbClr val="82766A">
-              <a:alpha val="15000"/>
-            </a:srgbClr>
-          </a:solidFill>
-          <a:ln w="12700" cap="flat" cmpd="sng" algn="ctr">
-            <a:noFill/>
-            <a:prstDash val="solid"/>
-            <a:miter lim="800000"/>
-          </a:ln>
-          <a:effectLst/>
-        </p:spPr>
-        <p:style>
-          <a:lnRef idx="2">
-            <a:schemeClr val="accent1">
-              <a:shade val="50000"/>
-            </a:schemeClr>
-          </a:lnRef>
-          <a:fillRef idx="1">
-            <a:schemeClr val="accent1"/>
-          </a:fillRef>
-          <a:effectRef idx="0">
-            <a:schemeClr val="accent1"/>
-          </a:effectRef>
-          <a:fontRef idx="minor">
-            <a:schemeClr val="lt1"/>
-          </a:fontRef>
-        </p:style>
-        <p:txBody>
-          <a:bodyPr wrap="square" rtlCol="0" anchor="ctr">
-            <a:noAutofit/>
-          </a:bodyPr>
-          <a:lstStyle/>
-          <a:p>
-            <a:pPr algn="ctr"/>
-            <a:endParaRPr lang="en-US"/>
-          </a:p>
-        </p:txBody>
-      </p:sp>
-      <p:sp>
-        <p:nvSpPr>
-          <p:cNvPr id="2" name="Title 1">
-            <a:extLst>
-              <a:ext uri="{FF2B5EF4-FFF2-40B4-BE49-F238E27FC236}">
-                <a16:creationId xmlns:a16="http://schemas.microsoft.com/office/drawing/2014/main" id="{7DCC60EE-9B36-59B3-2D5D-959A1EA65386}"/>
-              </a:ext>
-            </a:extLst>
-          </p:cNvPr>
-          <p:cNvSpPr>
-            <a:spLocks noGrp="1"/>
-          </p:cNvSpPr>
-          <p:nvPr>
-            <p:ph type="title"/>
-          </p:nvPr>
-        </p:nvSpPr>
-        <p:spPr>
-          <a:xfrm>
-            <a:off x="828675" y="494414"/>
-            <a:ext cx="10534650" cy="817403"/>
-          </a:xfrm>
-        </p:spPr>
-        <p:txBody>
-          <a:bodyPr vert="horz" lIns="91440" tIns="45720" rIns="91440" bIns="45720" rtlCol="0" anchor="b">
-            <a:normAutofit/>
-          </a:bodyPr>
-          <a:lstStyle/>
-          <a:p>
-            <a:pPr algn="ctr"/>
-            <a:r>
-              <a:rPr lang="en-US" sz="3600" kern="1200" dirty="0">
-                <a:solidFill>
-                  <a:schemeClr val="tx1"/>
-                </a:solidFill>
-                <a:latin typeface="+mj-lt"/>
-                <a:ea typeface="+mj-ea"/>
-                <a:cs typeface="+mj-cs"/>
-              </a:rPr>
-              <a:t>AWS </a:t>
-            </a:r>
-            <a:r>
-              <a:rPr lang="en-US" sz="3600" i="0" kern="1200" dirty="0">
-                <a:solidFill>
-                  <a:schemeClr val="tx1"/>
-                </a:solidFill>
-                <a:effectLst/>
-                <a:latin typeface="+mj-lt"/>
-                <a:ea typeface="+mj-ea"/>
-                <a:cs typeface="+mj-cs"/>
-              </a:rPr>
-              <a:t>DMS Schema Conversion</a:t>
-            </a:r>
-            <a:endParaRPr lang="en-US" sz="3600" kern="1200" dirty="0">
-              <a:solidFill>
-                <a:schemeClr val="tx1"/>
-              </a:solidFill>
-              <a:latin typeface="+mj-lt"/>
-              <a:ea typeface="+mj-ea"/>
-              <a:cs typeface="+mj-cs"/>
-            </a:endParaRPr>
-          </a:p>
-        </p:txBody>
-      </p:sp>
-      <p:pic>
-        <p:nvPicPr>
-          <p:cNvPr id="5122" name="Picture 2" descr="&#10;            An architecture diagram of the DMS Schema Conversion feature.&#10;        ">
-            <a:extLst>
-              <a:ext uri="{FF2B5EF4-FFF2-40B4-BE49-F238E27FC236}">
-                <a16:creationId xmlns:a16="http://schemas.microsoft.com/office/drawing/2014/main" id="{184666C2-A14A-049B-D4E3-84CC6F1C1642}"/>
-              </a:ext>
-            </a:extLst>
-          </p:cNvPr>
-          <p:cNvPicPr>
-            <a:picLocks noChangeAspect="1" noChangeArrowheads="1"/>
-          </p:cNvPicPr>
-          <p:nvPr/>
-        </p:nvPicPr>
-        <p:blipFill>
-          <a:blip r:embed="rId2">
-            <a:extLst>
-              <a:ext uri="{28A0092B-C50C-407E-A947-70E740481C1C}">
-                <a14:useLocalDpi xmlns:a14="http://schemas.microsoft.com/office/drawing/2010/main" val="0"/>
-              </a:ext>
-            </a:extLst>
-          </a:blip>
-          <a:stretch>
-            <a:fillRect/>
-          </a:stretch>
-        </p:blipFill>
-        <p:spPr bwMode="auto">
-          <a:xfrm>
-            <a:off x="723900" y="2622641"/>
-            <a:ext cx="10744200" cy="3411280"/>
-          </a:xfrm>
-          <a:prstGeom prst="rect">
-            <a:avLst/>
-          </a:prstGeom>
-          <a:noFill/>
-          <a:extLst>
-            <a:ext uri="{909E8E84-426E-40DD-AFC4-6F175D3DCCD1}">
-              <a14:hiddenFill xmlns:a14="http://schemas.microsoft.com/office/drawing/2010/main">
-                <a:solidFill>
-                  <a:srgbClr val="FFFFFF"/>
-                </a:solidFill>
-              </a14:hiddenFill>
-            </a:ext>
-          </a:extLst>
-        </p:spPr>
-      </p:pic>
-    </p:spTree>
-    <p:extLst>
-      <p:ext uri="{BB962C8B-B14F-4D97-AF65-F5344CB8AC3E}">
-        <p14:creationId xmlns:p14="http://schemas.microsoft.com/office/powerpoint/2010/main" val="16349356"/>
       </p:ext>
     </p:extLst>
   </p:cSld>
